--- a/documents/audit/Présentation P4.pptx
+++ b/documents/audit/Présentation P4.pptx
@@ -5,27 +5,24 @@
     <p:sldMasterId id="2147483726" r:id="rId1"/>
   </p:sldMasterIdLst>
   <p:notesMasterIdLst>
-    <p:notesMasterId r:id="rId20"/>
+    <p:notesMasterId r:id="rId17"/>
   </p:notesMasterIdLst>
   <p:sldIdLst>
     <p:sldId id="256" r:id="rId2"/>
     <p:sldId id="273" r:id="rId3"/>
     <p:sldId id="257" r:id="rId4"/>
-    <p:sldId id="281" r:id="rId5"/>
+    <p:sldId id="289" r:id="rId5"/>
     <p:sldId id="274" r:id="rId6"/>
-    <p:sldId id="269" r:id="rId7"/>
-    <p:sldId id="265" r:id="rId8"/>
-    <p:sldId id="276" r:id="rId9"/>
-    <p:sldId id="271" r:id="rId10"/>
-    <p:sldId id="279" r:id="rId11"/>
-    <p:sldId id="285" r:id="rId12"/>
-    <p:sldId id="286" r:id="rId13"/>
-    <p:sldId id="283" r:id="rId14"/>
-    <p:sldId id="284" r:id="rId15"/>
-    <p:sldId id="280" r:id="rId16"/>
-    <p:sldId id="287" r:id="rId17"/>
-    <p:sldId id="288" r:id="rId18"/>
-    <p:sldId id="277" r:id="rId19"/>
+    <p:sldId id="292" r:id="rId7"/>
+    <p:sldId id="279" r:id="rId8"/>
+    <p:sldId id="295" r:id="rId9"/>
+    <p:sldId id="286" r:id="rId10"/>
+    <p:sldId id="296" r:id="rId11"/>
+    <p:sldId id="297" r:id="rId12"/>
+    <p:sldId id="299" r:id="rId13"/>
+    <p:sldId id="300" r:id="rId14"/>
+    <p:sldId id="301" r:id="rId15"/>
+    <p:sldId id="277" r:id="rId16"/>
   </p:sldIdLst>
   <p:sldSz cx="12192000" cy="6858000"/>
   <p:notesSz cx="6858000" cy="9144000"/>
@@ -126,7 +123,7 @@
   </p:defaultTextStyle>
   <p:extLst>
     <p:ext uri="{EFAFB233-063F-42B5-8137-9DF3F51BA10A}">
-      <p15:sldGuideLst xmlns="" xmlns:p15="http://schemas.microsoft.com/office/powerpoint/2012/main"/>
+      <p15:sldGuideLst xmlns:p15="http://schemas.microsoft.com/office/powerpoint/2012/main" xmlns=""/>
     </p:ext>
   </p:extLst>
 </p:presentation>
@@ -795,7 +792,7 @@
     </p:spTree>
     <p:extLst>
       <p:ext uri="{BB962C8B-B14F-4D97-AF65-F5344CB8AC3E}">
-        <p14:creationId xmlns="" xmlns:p14="http://schemas.microsoft.com/office/powerpoint/2010/main" val="1490739824"/>
+        <p14:creationId xmlns:p14="http://schemas.microsoft.com/office/powerpoint/2010/main" xmlns="" val="1490739824"/>
       </p:ext>
     </p:extLst>
   </p:cSld>
@@ -803,7 +800,7 @@
     <a:masterClrMapping/>
   </p:clrMapOvr>
   <mc:AlternateContent xmlns:mc="http://schemas.openxmlformats.org/markup-compatibility/2006">
-    <mc:Choice xmlns="" xmlns:p14="http://schemas.microsoft.com/office/powerpoint/2010/main" Requires="p14">
+    <mc:Choice xmlns:p14="http://schemas.microsoft.com/office/powerpoint/2010/main" xmlns="" Requires="p14">
       <p:transition spd="slow" p14:dur="3400">
         <p14:reveal/>
       </p:transition>
@@ -977,7 +974,7 @@
     </p:spTree>
     <p:extLst>
       <p:ext uri="{BB962C8B-B14F-4D97-AF65-F5344CB8AC3E}">
-        <p14:creationId xmlns="" xmlns:p14="http://schemas.microsoft.com/office/powerpoint/2010/main" val="549499274"/>
+        <p14:creationId xmlns:p14="http://schemas.microsoft.com/office/powerpoint/2010/main" xmlns="" val="549499274"/>
       </p:ext>
     </p:extLst>
   </p:cSld>
@@ -985,7 +982,7 @@
     <a:masterClrMapping/>
   </p:clrMapOvr>
   <mc:AlternateContent xmlns:mc="http://schemas.openxmlformats.org/markup-compatibility/2006">
-    <mc:Choice xmlns="" xmlns:p14="http://schemas.microsoft.com/office/powerpoint/2010/main" Requires="p14">
+    <mc:Choice xmlns:p14="http://schemas.microsoft.com/office/powerpoint/2010/main" xmlns="" Requires="p14">
       <p:transition spd="slow" p14:dur="3400">
         <p14:reveal/>
       </p:transition>
@@ -1222,7 +1219,7 @@
     </p:spTree>
     <p:extLst>
       <p:ext uri="{BB962C8B-B14F-4D97-AF65-F5344CB8AC3E}">
-        <p14:creationId xmlns="" xmlns:p14="http://schemas.microsoft.com/office/powerpoint/2010/main" val="3662630410"/>
+        <p14:creationId xmlns:p14="http://schemas.microsoft.com/office/powerpoint/2010/main" xmlns="" val="3662630410"/>
       </p:ext>
     </p:extLst>
   </p:cSld>
@@ -1230,7 +1227,7 @@
     <a:masterClrMapping/>
   </p:clrMapOvr>
   <mc:AlternateContent xmlns:mc="http://schemas.openxmlformats.org/markup-compatibility/2006">
-    <mc:Choice xmlns="" xmlns:p14="http://schemas.microsoft.com/office/powerpoint/2010/main" Requires="p14">
+    <mc:Choice xmlns:p14="http://schemas.microsoft.com/office/powerpoint/2010/main" xmlns="" Requires="p14">
       <p:transition spd="slow" p14:dur="3400">
         <p14:reveal/>
       </p:transition>
@@ -1404,7 +1401,7 @@
     </p:spTree>
     <p:extLst>
       <p:ext uri="{BB962C8B-B14F-4D97-AF65-F5344CB8AC3E}">
-        <p14:creationId xmlns="" xmlns:p14="http://schemas.microsoft.com/office/powerpoint/2010/main" val="490540513"/>
+        <p14:creationId xmlns:p14="http://schemas.microsoft.com/office/powerpoint/2010/main" xmlns="" val="490540513"/>
       </p:ext>
     </p:extLst>
   </p:cSld>
@@ -1412,7 +1409,7 @@
     <a:masterClrMapping/>
   </p:clrMapOvr>
   <mc:AlternateContent xmlns:mc="http://schemas.openxmlformats.org/markup-compatibility/2006">
-    <mc:Choice xmlns="" xmlns:p14="http://schemas.microsoft.com/office/powerpoint/2010/main" Requires="p14">
+    <mc:Choice xmlns:p14="http://schemas.microsoft.com/office/powerpoint/2010/main" xmlns="" Requires="p14">
       <p:transition spd="slow" p14:dur="3400">
         <p14:reveal/>
       </p:transition>
@@ -1734,7 +1731,7 @@
     </p:spTree>
     <p:extLst>
       <p:ext uri="{BB962C8B-B14F-4D97-AF65-F5344CB8AC3E}">
-        <p14:creationId xmlns="" xmlns:p14="http://schemas.microsoft.com/office/powerpoint/2010/main" val="3548522521"/>
+        <p14:creationId xmlns:p14="http://schemas.microsoft.com/office/powerpoint/2010/main" xmlns="" val="3548522521"/>
       </p:ext>
     </p:extLst>
   </p:cSld>
@@ -1742,7 +1739,7 @@
     <a:overrideClrMapping bg1="lt1" tx1="dk1" bg2="lt2" tx2="dk2" accent1="accent1" accent2="accent2" accent3="accent3" accent4="accent4" accent5="accent5" accent6="accent6" hlink="hlink" folHlink="folHlink"/>
   </p:clrMapOvr>
   <mc:AlternateContent xmlns:mc="http://schemas.openxmlformats.org/markup-compatibility/2006">
-    <mc:Choice xmlns="" xmlns:p14="http://schemas.microsoft.com/office/powerpoint/2010/main" Requires="p14">
+    <mc:Choice xmlns:p14="http://schemas.microsoft.com/office/powerpoint/2010/main" xmlns="" Requires="p14">
       <p:transition spd="slow" p14:dur="3400">
         <p14:reveal/>
       </p:transition>
@@ -2033,7 +2030,7 @@
     </p:spTree>
     <p:extLst>
       <p:ext uri="{BB962C8B-B14F-4D97-AF65-F5344CB8AC3E}">
-        <p14:creationId xmlns="" xmlns:p14="http://schemas.microsoft.com/office/powerpoint/2010/main" val="4128510421"/>
+        <p14:creationId xmlns:p14="http://schemas.microsoft.com/office/powerpoint/2010/main" xmlns="" val="4128510421"/>
       </p:ext>
     </p:extLst>
   </p:cSld>
@@ -2041,7 +2038,7 @@
     <a:masterClrMapping/>
   </p:clrMapOvr>
   <mc:AlternateContent xmlns:mc="http://schemas.openxmlformats.org/markup-compatibility/2006">
-    <mc:Choice xmlns="" xmlns:p14="http://schemas.microsoft.com/office/powerpoint/2010/main" Requires="p14">
+    <mc:Choice xmlns:p14="http://schemas.microsoft.com/office/powerpoint/2010/main" xmlns="" Requires="p14">
       <p:transition spd="slow" p14:dur="3400">
         <p14:reveal/>
       </p:transition>
@@ -2466,7 +2463,7 @@
     </p:spTree>
     <p:extLst>
       <p:ext uri="{BB962C8B-B14F-4D97-AF65-F5344CB8AC3E}">
-        <p14:creationId xmlns="" xmlns:p14="http://schemas.microsoft.com/office/powerpoint/2010/main" val="3729789404"/>
+        <p14:creationId xmlns:p14="http://schemas.microsoft.com/office/powerpoint/2010/main" xmlns="" val="3729789404"/>
       </p:ext>
     </p:extLst>
   </p:cSld>
@@ -2474,7 +2471,7 @@
     <a:masterClrMapping/>
   </p:clrMapOvr>
   <mc:AlternateContent xmlns:mc="http://schemas.openxmlformats.org/markup-compatibility/2006">
-    <mc:Choice xmlns="" xmlns:p14="http://schemas.microsoft.com/office/powerpoint/2010/main" Requires="p14">
+    <mc:Choice xmlns:p14="http://schemas.microsoft.com/office/powerpoint/2010/main" xmlns="" Requires="p14">
       <p:transition spd="slow" p14:dur="3400">
         <p14:reveal/>
       </p:transition>
@@ -2597,7 +2594,7 @@
     </p:spTree>
     <p:extLst>
       <p:ext uri="{BB962C8B-B14F-4D97-AF65-F5344CB8AC3E}">
-        <p14:creationId xmlns="" xmlns:p14="http://schemas.microsoft.com/office/powerpoint/2010/main" val="2386692159"/>
+        <p14:creationId xmlns:p14="http://schemas.microsoft.com/office/powerpoint/2010/main" xmlns="" val="2386692159"/>
       </p:ext>
     </p:extLst>
   </p:cSld>
@@ -2605,7 +2602,7 @@
     <a:masterClrMapping/>
   </p:clrMapOvr>
   <mc:AlternateContent xmlns:mc="http://schemas.openxmlformats.org/markup-compatibility/2006">
-    <mc:Choice xmlns="" xmlns:p14="http://schemas.microsoft.com/office/powerpoint/2010/main" Requires="p14">
+    <mc:Choice xmlns:p14="http://schemas.microsoft.com/office/powerpoint/2010/main" xmlns="" Requires="p14">
       <p:transition spd="slow" p14:dur="3400">
         <p14:reveal/>
       </p:transition>
@@ -2706,7 +2703,7 @@
     </p:spTree>
     <p:extLst>
       <p:ext uri="{BB962C8B-B14F-4D97-AF65-F5344CB8AC3E}">
-        <p14:creationId xmlns="" xmlns:p14="http://schemas.microsoft.com/office/powerpoint/2010/main" val="1738087261"/>
+        <p14:creationId xmlns:p14="http://schemas.microsoft.com/office/powerpoint/2010/main" xmlns="" val="1738087261"/>
       </p:ext>
     </p:extLst>
   </p:cSld>
@@ -2714,7 +2711,7 @@
     <a:masterClrMapping/>
   </p:clrMapOvr>
   <mc:AlternateContent xmlns:mc="http://schemas.openxmlformats.org/markup-compatibility/2006">
-    <mc:Choice xmlns="" xmlns:p14="http://schemas.microsoft.com/office/powerpoint/2010/main" Requires="p14">
+    <mc:Choice xmlns:p14="http://schemas.microsoft.com/office/powerpoint/2010/main" xmlns="" Requires="p14">
       <p:transition spd="slow" p14:dur="3400">
         <p14:reveal/>
       </p:transition>
@@ -2991,7 +2988,7 @@
     </p:spTree>
     <p:extLst>
       <p:ext uri="{BB962C8B-B14F-4D97-AF65-F5344CB8AC3E}">
-        <p14:creationId xmlns="" xmlns:p14="http://schemas.microsoft.com/office/powerpoint/2010/main" val="373837476"/>
+        <p14:creationId xmlns:p14="http://schemas.microsoft.com/office/powerpoint/2010/main" xmlns="" val="373837476"/>
       </p:ext>
     </p:extLst>
   </p:cSld>
@@ -2999,7 +2996,7 @@
     <a:masterClrMapping/>
   </p:clrMapOvr>
   <mc:AlternateContent xmlns:mc="http://schemas.openxmlformats.org/markup-compatibility/2006">
-    <mc:Choice xmlns="" xmlns:p14="http://schemas.microsoft.com/office/powerpoint/2010/main" Requires="p14">
+    <mc:Choice xmlns:p14="http://schemas.microsoft.com/office/powerpoint/2010/main" xmlns="" Requires="p14">
       <p:transition spd="slow" p14:dur="3400">
         <p14:reveal/>
       </p:transition>
@@ -3265,7 +3262,7 @@
     </p:spTree>
     <p:extLst>
       <p:ext uri="{BB962C8B-B14F-4D97-AF65-F5344CB8AC3E}">
-        <p14:creationId xmlns="" xmlns:p14="http://schemas.microsoft.com/office/powerpoint/2010/main" val="1571924962"/>
+        <p14:creationId xmlns:p14="http://schemas.microsoft.com/office/powerpoint/2010/main" xmlns="" val="1571924962"/>
       </p:ext>
     </p:extLst>
   </p:cSld>
@@ -3273,7 +3270,7 @@
     <a:masterClrMapping/>
   </p:clrMapOvr>
   <mc:AlternateContent xmlns:mc="http://schemas.openxmlformats.org/markup-compatibility/2006">
-    <mc:Choice xmlns="" xmlns:p14="http://schemas.microsoft.com/office/powerpoint/2010/main" Requires="p14">
+    <mc:Choice xmlns:p14="http://schemas.microsoft.com/office/powerpoint/2010/main" xmlns="" Requires="p14">
       <p:transition spd="slow" p14:dur="3400">
         <p14:reveal/>
       </p:transition>
@@ -3576,7 +3573,7 @@
     </p:spTree>
     <p:extLst>
       <p:ext uri="{BB962C8B-B14F-4D97-AF65-F5344CB8AC3E}">
-        <p14:creationId xmlns="" xmlns:p14="http://schemas.microsoft.com/office/powerpoint/2010/main" val="1547353734"/>
+        <p14:creationId xmlns:p14="http://schemas.microsoft.com/office/powerpoint/2010/main" xmlns="" val="1547353734"/>
       </p:ext>
     </p:extLst>
   </p:cSld>
@@ -3595,7 +3592,7 @@
     <p:sldLayoutId id="2147483737" r:id="rId11"/>
   </p:sldLayoutIdLst>
   <mc:AlternateContent xmlns:mc="http://schemas.openxmlformats.org/markup-compatibility/2006">
-    <mc:Choice xmlns="" xmlns:p14="http://schemas.microsoft.com/office/powerpoint/2010/main" Requires="p14">
+    <mc:Choice xmlns:p14="http://schemas.microsoft.com/office/powerpoint/2010/main" xmlns="" Requires="p14">
       <p:transition spd="slow" p14:dur="3400">
         <p14:reveal/>
       </p:transition>
@@ -4254,17 +4251,7 @@
                 <a:latin typeface="Arial" pitchFamily="34" charset="0"/>
                 <a:cs typeface="Arial" pitchFamily="34" charset="0"/>
               </a:rPr>
-              <a:t>Evaluateur</a:t>
-            </a:r>
-            <a:r>
-              <a:rPr lang="fr-FR" sz="2200" b="1" dirty="0" smtClean="0">
-                <a:solidFill>
-                  <a:schemeClr val="bg1"/>
-                </a:solidFill>
-                <a:latin typeface="Arial" pitchFamily="34" charset="0"/>
-                <a:cs typeface="Arial" pitchFamily="34" charset="0"/>
-              </a:rPr>
-              <a:t>:</a:t>
+              <a:t>Evaluateur:</a:t>
             </a:r>
             <a:endParaRPr lang="fr-FR" sz="2200" b="1" dirty="0">
               <a:solidFill>
@@ -4279,7 +4266,7 @@
     </p:spTree>
     <p:extLst>
       <p:ext uri="{BB962C8B-B14F-4D97-AF65-F5344CB8AC3E}">
-        <p14:creationId xmlns="" xmlns:p14="http://schemas.microsoft.com/office/powerpoint/2010/main" val="3784089036"/>
+        <p14:creationId xmlns:p14="http://schemas.microsoft.com/office/powerpoint/2010/main" xmlns="" val="3784089036"/>
       </p:ext>
     </p:extLst>
   </p:cSld>
@@ -4287,7 +4274,7 @@
     <a:masterClrMapping/>
   </p:clrMapOvr>
   <mc:AlternateContent xmlns:mc="http://schemas.openxmlformats.org/markup-compatibility/2006">
-    <mc:Choice xmlns="" xmlns:p14="http://schemas.microsoft.com/office/powerpoint/2010/main" Requires="p14">
+    <mc:Choice xmlns:p14="http://schemas.microsoft.com/office/powerpoint/2010/main" xmlns="" Requires="p14">
       <p:transition spd="slow" p14:dur="3250">
         <p14:reveal/>
       </p:transition>
@@ -4309,7 +4296,7 @@
 </file>
 
 <file path=ppt/slides/slide10.xml><?xml version="1.0" encoding="utf-8"?>
-<p:sld xmlns:a="http://schemas.openxmlformats.org/drawingml/2006/main" xmlns:r="http://schemas.openxmlformats.org/officeDocument/2006/relationships" xmlns:p="http://schemas.openxmlformats.org/presentationml/2006/main" showMasterSp="0">
+<p:sld xmlns:a="http://schemas.openxmlformats.org/drawingml/2006/main" xmlns:r="http://schemas.openxmlformats.org/officeDocument/2006/relationships" xmlns:p="http://schemas.openxmlformats.org/presentationml/2006/main">
   <p:cSld>
     <p:spTree>
       <p:nvGrpSpPr>
@@ -4327,49 +4314,6 @@
       </p:grpSpPr>
       <p:sp>
         <p:nvSpPr>
-          <p:cNvPr id="2" name="Titre 1"/>
-          <p:cNvSpPr>
-            <a:spLocks noGrp="1"/>
-          </p:cNvSpPr>
-          <p:nvPr>
-            <p:ph type="title"/>
-          </p:nvPr>
-        </p:nvSpPr>
-        <p:spPr>
-          <a:xfrm>
-            <a:off x="189187" y="1"/>
-            <a:ext cx="11792606" cy="835573"/>
-          </a:xfrm>
-        </p:spPr>
-        <p:txBody>
-          <a:bodyPr>
-            <a:normAutofit/>
-          </a:bodyPr>
-          <a:lstStyle/>
-          <a:p>
-            <a:pPr algn="ctr"/>
-            <a:r>
-              <a:rPr lang="fr-FR" sz="2200" b="1" u="sng" dirty="0" smtClean="0">
-                <a:solidFill>
-                  <a:srgbClr val="FF0000"/>
-                </a:solidFill>
-                <a:latin typeface="Arial" pitchFamily="34" charset="0"/>
-                <a:cs typeface="Arial" pitchFamily="34" charset="0"/>
-              </a:rPr>
-              <a:t>VERIFICATION DU CODE html  de la « page ACCUEIL index.html » AU W3C</a:t>
-            </a:r>
-            <a:endParaRPr lang="fr-FR" sz="2200" b="1" u="sng" dirty="0">
-              <a:solidFill>
-                <a:srgbClr val="FF0000"/>
-              </a:solidFill>
-              <a:latin typeface="Arial" pitchFamily="34" charset="0"/>
-              <a:cs typeface="Arial" pitchFamily="34" charset="0"/>
-            </a:endParaRPr>
-          </a:p>
-        </p:txBody>
-      </p:sp>
-      <p:sp>
-        <p:nvSpPr>
           <p:cNvPr id="7" name="Espace réservé du numéro de diapositive 6"/>
           <p:cNvSpPr>
             <a:spLocks noGrp="1"/>
@@ -4392,36 +4336,167 @@
           </a:p>
         </p:txBody>
       </p:sp>
+      <p:sp>
+        <p:nvSpPr>
+          <p:cNvPr id="5" name="Espace réservé du contenu 4"/>
+          <p:cNvSpPr>
+            <a:spLocks noGrp="1"/>
+          </p:cNvSpPr>
+          <p:nvPr>
+            <p:ph idx="1"/>
+          </p:nvPr>
+        </p:nvSpPr>
+        <p:spPr/>
+        <p:txBody>
+          <a:bodyPr/>
+          <a:lstStyle/>
+          <a:p>
+            <a:endParaRPr lang="fr-FR"/>
+          </a:p>
+        </p:txBody>
+      </p:sp>
       <p:pic>
         <p:nvPicPr>
-          <p:cNvPr id="12" name="Espace réservé du contenu 11" descr="W3C HTML ACCUEIL.png"/>
+          <p:cNvPr id="1026" name="Picture 2"/>
           <p:cNvPicPr>
-            <a:picLocks noGrp="1" noChangeAspect="1"/>
+            <a:picLocks noChangeAspect="1" noChangeArrowheads="1"/>
           </p:cNvPicPr>
-          <p:nvPr>
-            <p:ph idx="1"/>
-          </p:nvPr>
+          <p:nvPr/>
         </p:nvPicPr>
         <p:blipFill>
           <a:blip r:embed="rId2"/>
+          <a:srcRect/>
           <a:stretch>
             <a:fillRect/>
           </a:stretch>
         </p:blipFill>
+        <p:spPr bwMode="auto">
+          <a:xfrm>
+            <a:off x="331076" y="535543"/>
+            <a:ext cx="11540358" cy="5865257"/>
+          </a:xfrm>
+          <a:prstGeom prst="rect">
+            <a:avLst/>
+          </a:prstGeom>
+          <a:noFill/>
+          <a:ln w="9525">
+            <a:noFill/>
+            <a:miter lim="800000"/>
+            <a:headEnd/>
+            <a:tailEnd/>
+          </a:ln>
+          <a:effectLst/>
+        </p:spPr>
+      </p:pic>
+      <p:sp>
+        <p:nvSpPr>
+          <p:cNvPr id="8" name="Titre 1"/>
+          <p:cNvSpPr txBox="1">
+            <a:spLocks/>
+          </p:cNvSpPr>
+          <p:nvPr/>
+        </p:nvSpPr>
         <p:spPr>
           <a:xfrm>
-            <a:off x="283780" y="677918"/>
-            <a:ext cx="11548526" cy="5785945"/>
+            <a:off x="399394" y="220716"/>
+            <a:ext cx="11792606" cy="599091"/>
           </a:xfrm>
+          <a:prstGeom prst="rect">
+            <a:avLst/>
+          </a:prstGeom>
         </p:spPr>
-      </p:pic>
+        <p:txBody>
+          <a:bodyPr vert="horz" lIns="91440" tIns="45720" rIns="91440" bIns="45720" rtlCol="0" anchor="ctr">
+            <a:noAutofit/>
+          </a:bodyPr>
+          <a:lstStyle/>
+          <a:p>
+            <a:pPr marL="0" marR="0" lvl="0" indent="0" algn="ctr" defTabSz="914400" rtl="0" eaLnBrk="1" fontAlgn="auto" latinLnBrk="0" hangingPunct="1">
+              <a:lnSpc>
+                <a:spcPct val="85000"/>
+              </a:lnSpc>
+              <a:spcBef>
+                <a:spcPct val="0"/>
+              </a:spcBef>
+              <a:spcAft>
+                <a:spcPts val="0"/>
+              </a:spcAft>
+              <a:buClrTx/>
+              <a:buSzTx/>
+              <a:buFontTx/>
+              <a:buNone/>
+              <a:tabLst/>
+              <a:defRPr/>
+            </a:pPr>
+            <a:r>
+              <a:rPr kumimoji="0" lang="fr-FR" sz="3200" b="1" i="0" u="sng" strike="noStrike" kern="1200" cap="all" spc="-150" normalizeH="0" baseline="0" noProof="0" dirty="0" smtClean="0">
+                <a:ln>
+                  <a:noFill/>
+                </a:ln>
+                <a:solidFill>
+                  <a:srgbClr val="FF0000"/>
+                </a:solidFill>
+                <a:effectLst>
+                  <a:outerShdw blurRad="38100" dist="38100" dir="2700000" algn="tl">
+                    <a:srgbClr val="000000">
+                      <a:alpha val="43137"/>
+                    </a:srgbClr>
+                  </a:outerShdw>
+                </a:effectLst>
+                <a:uLnTx/>
+                <a:uFillTx/>
+                <a:latin typeface="Arial" pitchFamily="34" charset="0"/>
+                <a:ea typeface="+mj-ea"/>
+                <a:cs typeface="Arial" pitchFamily="34" charset="0"/>
+              </a:rPr>
+              <a:t>4)Validation du code au W3C STYLE.CSS</a:t>
+            </a:r>
+            <a:br>
+              <a:rPr kumimoji="0" lang="fr-FR" sz="3200" b="1" i="0" u="sng" strike="noStrike" kern="1200" cap="all" spc="-150" normalizeH="0" baseline="0" noProof="0" dirty="0" smtClean="0">
+                <a:ln>
+                  <a:noFill/>
+                </a:ln>
+                <a:solidFill>
+                  <a:srgbClr val="FF0000"/>
+                </a:solidFill>
+                <a:effectLst>
+                  <a:outerShdw blurRad="38100" dist="38100" dir="2700000" algn="tl">
+                    <a:srgbClr val="000000">
+                      <a:alpha val="43137"/>
+                    </a:srgbClr>
+                  </a:outerShdw>
+                </a:effectLst>
+                <a:uLnTx/>
+                <a:uFillTx/>
+                <a:latin typeface="Arial" pitchFamily="34" charset="0"/>
+                <a:ea typeface="+mj-ea"/>
+                <a:cs typeface="Arial" pitchFamily="34" charset="0"/>
+              </a:rPr>
+            </a:br>
+            <a:endParaRPr kumimoji="0" lang="fr-FR" sz="3200" b="1" i="0" u="sng" strike="noStrike" kern="1200" cap="all" spc="0" normalizeH="0" baseline="0" noProof="0" dirty="0">
+              <a:ln>
+                <a:noFill/>
+              </a:ln>
+              <a:solidFill>
+                <a:srgbClr val="FF0000"/>
+              </a:solidFill>
+              <a:effectLst/>
+              <a:uLnTx/>
+              <a:uFillTx/>
+              <a:latin typeface="Arial" pitchFamily="34" charset="0"/>
+              <a:ea typeface="+mj-ea"/>
+              <a:cs typeface="Arial" pitchFamily="34" charset="0"/>
+            </a:endParaRPr>
+          </a:p>
+        </p:txBody>
+      </p:sp>
     </p:spTree>
   </p:cSld>
   <p:clrMapOvr>
     <a:masterClrMapping/>
   </p:clrMapOvr>
   <mc:AlternateContent xmlns:mc="http://schemas.openxmlformats.org/markup-compatibility/2006">
-    <mc:Choice xmlns="" xmlns:p14="http://schemas.microsoft.com/office/powerpoint/2010/main" Requires="p14">
+    <mc:Choice xmlns:p14="http://schemas.microsoft.com/office/powerpoint/2010/main" xmlns="" Requires="p14">
       <p:transition spd="slow" p14:dur="3400">
         <p14:reveal/>
       </p:transition>
@@ -4461,49 +4536,6 @@
       </p:grpSpPr>
       <p:sp>
         <p:nvSpPr>
-          <p:cNvPr id="2" name="Titre 1"/>
-          <p:cNvSpPr>
-            <a:spLocks noGrp="1"/>
-          </p:cNvSpPr>
-          <p:nvPr>
-            <p:ph type="title"/>
-          </p:nvPr>
-        </p:nvSpPr>
-        <p:spPr>
-          <a:xfrm>
-            <a:off x="0" y="1"/>
-            <a:ext cx="12192000" cy="662152"/>
-          </a:xfrm>
-        </p:spPr>
-        <p:txBody>
-          <a:bodyPr>
-            <a:normAutofit/>
-          </a:bodyPr>
-          <a:lstStyle/>
-          <a:p>
-            <a:pPr algn="ctr"/>
-            <a:r>
-              <a:rPr lang="fr-FR" sz="2200" b="1" u="sng" dirty="0" smtClean="0">
-                <a:solidFill>
-                  <a:srgbClr val="FF0000"/>
-                </a:solidFill>
-                <a:latin typeface="Arial" pitchFamily="34" charset="0"/>
-                <a:cs typeface="Arial" pitchFamily="34" charset="0"/>
-              </a:rPr>
-              <a:t>VERIFICATION DU CODE html « page menu DELICE.HTML » AU W3C</a:t>
-            </a:r>
-            <a:endParaRPr lang="fr-FR" sz="2200" b="1" u="sng" dirty="0">
-              <a:solidFill>
-                <a:srgbClr val="FF0000"/>
-              </a:solidFill>
-              <a:latin typeface="Arial" pitchFamily="34" charset="0"/>
-              <a:cs typeface="Arial" pitchFamily="34" charset="0"/>
-            </a:endParaRPr>
-          </a:p>
-        </p:txBody>
-      </p:sp>
-      <p:sp>
-        <p:nvSpPr>
           <p:cNvPr id="7" name="Espace réservé du numéro de diapositive 6"/>
           <p:cNvSpPr>
             <a:spLocks noGrp="1"/>
@@ -4526,11 +4558,113 @@
           </a:p>
         </p:txBody>
       </p:sp>
+      <p:sp>
+        <p:nvSpPr>
+          <p:cNvPr id="8" name="Titre 1"/>
+          <p:cNvSpPr txBox="1">
+            <a:spLocks/>
+          </p:cNvSpPr>
+          <p:nvPr/>
+        </p:nvSpPr>
+        <p:spPr>
+          <a:xfrm>
+            <a:off x="399394" y="220716"/>
+            <a:ext cx="11792606" cy="599091"/>
+          </a:xfrm>
+          <a:prstGeom prst="rect">
+            <a:avLst/>
+          </a:prstGeom>
+        </p:spPr>
+        <p:txBody>
+          <a:bodyPr vert="horz" lIns="91440" tIns="45720" rIns="91440" bIns="45720" rtlCol="0" anchor="ctr">
+            <a:noAutofit/>
+          </a:bodyPr>
+          <a:lstStyle/>
+          <a:p>
+            <a:pPr marL="0" marR="0" lvl="0" indent="0" algn="ctr" defTabSz="914400" rtl="0" eaLnBrk="1" fontAlgn="auto" latinLnBrk="0" hangingPunct="1">
+              <a:lnSpc>
+                <a:spcPct val="85000"/>
+              </a:lnSpc>
+              <a:spcBef>
+                <a:spcPct val="0"/>
+              </a:spcBef>
+              <a:spcAft>
+                <a:spcPts val="0"/>
+              </a:spcAft>
+              <a:buClrTx/>
+              <a:buSzTx/>
+              <a:buFontTx/>
+              <a:buNone/>
+              <a:tabLst/>
+              <a:defRPr/>
+            </a:pPr>
+            <a:r>
+              <a:rPr kumimoji="0" lang="fr-FR" sz="3200" b="1" i="0" u="sng" strike="noStrike" kern="1200" cap="all" spc="-150" normalizeH="0" baseline="0" noProof="0" dirty="0" smtClean="0">
+                <a:ln>
+                  <a:noFill/>
+                </a:ln>
+                <a:solidFill>
+                  <a:srgbClr val="FF0000"/>
+                </a:solidFill>
+                <a:effectLst>
+                  <a:outerShdw blurRad="38100" dist="38100" dir="2700000" algn="tl">
+                    <a:srgbClr val="000000">
+                      <a:alpha val="43137"/>
+                    </a:srgbClr>
+                  </a:outerShdw>
+                </a:effectLst>
+                <a:uLnTx/>
+                <a:uFillTx/>
+                <a:latin typeface="Arial" pitchFamily="34" charset="0"/>
+                <a:ea typeface="+mj-ea"/>
+                <a:cs typeface="Arial" pitchFamily="34" charset="0"/>
+              </a:rPr>
+              <a:t>4)Validation du code au W3C BOOTSTRAP.CSS</a:t>
+            </a:r>
+            <a:br>
+              <a:rPr kumimoji="0" lang="fr-FR" sz="3200" b="1" i="0" u="sng" strike="noStrike" kern="1200" cap="all" spc="-150" normalizeH="0" baseline="0" noProof="0" dirty="0" smtClean="0">
+                <a:ln>
+                  <a:noFill/>
+                </a:ln>
+                <a:solidFill>
+                  <a:srgbClr val="FF0000"/>
+                </a:solidFill>
+                <a:effectLst>
+                  <a:outerShdw blurRad="38100" dist="38100" dir="2700000" algn="tl">
+                    <a:srgbClr val="000000">
+                      <a:alpha val="43137"/>
+                    </a:srgbClr>
+                  </a:outerShdw>
+                </a:effectLst>
+                <a:uLnTx/>
+                <a:uFillTx/>
+                <a:latin typeface="Arial" pitchFamily="34" charset="0"/>
+                <a:ea typeface="+mj-ea"/>
+                <a:cs typeface="Arial" pitchFamily="34" charset="0"/>
+              </a:rPr>
+            </a:br>
+            <a:endParaRPr kumimoji="0" lang="fr-FR" sz="3200" b="1" i="0" u="sng" strike="noStrike" kern="1200" cap="all" spc="0" normalizeH="0" baseline="0" noProof="0" dirty="0">
+              <a:ln>
+                <a:noFill/>
+              </a:ln>
+              <a:solidFill>
+                <a:srgbClr val="FF0000"/>
+              </a:solidFill>
+              <a:effectLst/>
+              <a:uLnTx/>
+              <a:uFillTx/>
+              <a:latin typeface="Arial" pitchFamily="34" charset="0"/>
+              <a:ea typeface="+mj-ea"/>
+              <a:cs typeface="Arial" pitchFamily="34" charset="0"/>
+            </a:endParaRPr>
+          </a:p>
+        </p:txBody>
+      </p:sp>
       <p:pic>
         <p:nvPicPr>
-          <p:cNvPr id="6" name="Espace réservé du contenu 5" descr="W3C HTML DELICE.png"/>
+          <p:cNvPr id="2050" name="Picture 2" descr="C:\Users\USER\Pictures\Screenshots\Capture d’écran (341).png"/>
           <p:cNvPicPr>
-            <a:picLocks noGrp="1" noChangeAspect="1"/>
+            <a:picLocks noGrp="1" noChangeAspect="1" noChangeArrowheads="1"/>
           </p:cNvPicPr>
           <p:nvPr>
             <p:ph idx="1"/>
@@ -4538,15 +4672,20 @@
         </p:nvPicPr>
         <p:blipFill>
           <a:blip r:embed="rId2"/>
+          <a:srcRect/>
           <a:stretch>
             <a:fillRect/>
           </a:stretch>
         </p:blipFill>
-        <p:spPr>
+        <p:spPr bwMode="auto">
           <a:xfrm>
-            <a:off x="236483" y="614856"/>
-            <a:ext cx="11729545" cy="5849007"/>
+            <a:off x="409903" y="583324"/>
+            <a:ext cx="11477297" cy="5934460"/>
           </a:xfrm>
+          <a:prstGeom prst="rect">
+            <a:avLst/>
+          </a:prstGeom>
+          <a:noFill/>
         </p:spPr>
       </p:pic>
     </p:spTree>
@@ -4555,7 +4694,7 @@
     <a:masterClrMapping/>
   </p:clrMapOvr>
   <mc:AlternateContent xmlns:mc="http://schemas.openxmlformats.org/markup-compatibility/2006">
-    <mc:Choice xmlns="" xmlns:p14="http://schemas.microsoft.com/office/powerpoint/2010/main" Requires="p14">
+    <mc:Choice xmlns:p14="http://schemas.microsoft.com/office/powerpoint/2010/main" xmlns="" Requires="p14">
       <p:transition spd="slow" p14:dur="3400">
         <p14:reveal/>
       </p:transition>
@@ -4595,49 +4734,6 @@
       </p:grpSpPr>
       <p:sp>
         <p:nvSpPr>
-          <p:cNvPr id="2" name="Titre 1"/>
-          <p:cNvSpPr>
-            <a:spLocks noGrp="1"/>
-          </p:cNvSpPr>
-          <p:nvPr>
-            <p:ph type="title"/>
-          </p:nvPr>
-        </p:nvSpPr>
-        <p:spPr>
-          <a:xfrm>
-            <a:off x="0" y="1"/>
-            <a:ext cx="12192000" cy="662152"/>
-          </a:xfrm>
-        </p:spPr>
-        <p:txBody>
-          <a:bodyPr>
-            <a:normAutofit/>
-          </a:bodyPr>
-          <a:lstStyle/>
-          <a:p>
-            <a:pPr algn="ctr"/>
-            <a:r>
-              <a:rPr lang="fr-FR" sz="2200" b="1" u="sng" dirty="0" smtClean="0">
-                <a:solidFill>
-                  <a:srgbClr val="FF0000"/>
-                </a:solidFill>
-                <a:latin typeface="Arial" pitchFamily="34" charset="0"/>
-                <a:cs typeface="Arial" pitchFamily="34" charset="0"/>
-              </a:rPr>
-              <a:t>VERIFICATION DU CODE html « page menu FRANCAISE.HTML » AU W3C</a:t>
-            </a:r>
-            <a:endParaRPr lang="fr-FR" sz="2200" b="1" u="sng" dirty="0">
-              <a:solidFill>
-                <a:srgbClr val="FF0000"/>
-              </a:solidFill>
-              <a:latin typeface="Arial" pitchFamily="34" charset="0"/>
-              <a:cs typeface="Arial" pitchFamily="34" charset="0"/>
-            </a:endParaRPr>
-          </a:p>
-        </p:txBody>
-      </p:sp>
-      <p:sp>
-        <p:nvSpPr>
           <p:cNvPr id="7" name="Espace réservé du numéro de diapositive 6"/>
           <p:cNvSpPr>
             <a:spLocks noGrp="1"/>
@@ -4660,9 +4756,111 @@
           </a:p>
         </p:txBody>
       </p:sp>
+      <p:sp>
+        <p:nvSpPr>
+          <p:cNvPr id="8" name="Titre 1"/>
+          <p:cNvSpPr txBox="1">
+            <a:spLocks/>
+          </p:cNvSpPr>
+          <p:nvPr/>
+        </p:nvSpPr>
+        <p:spPr>
+          <a:xfrm>
+            <a:off x="399394" y="220716"/>
+            <a:ext cx="11792606" cy="599091"/>
+          </a:xfrm>
+          <a:prstGeom prst="rect">
+            <a:avLst/>
+          </a:prstGeom>
+        </p:spPr>
+        <p:txBody>
+          <a:bodyPr vert="horz" lIns="91440" tIns="45720" rIns="91440" bIns="45720" rtlCol="0" anchor="ctr">
+            <a:noAutofit/>
+          </a:bodyPr>
+          <a:lstStyle/>
+          <a:p>
+            <a:pPr marL="0" marR="0" lvl="0" indent="0" algn="ctr" defTabSz="914400" rtl="0" eaLnBrk="1" fontAlgn="auto" latinLnBrk="0" hangingPunct="1">
+              <a:lnSpc>
+                <a:spcPct val="85000"/>
+              </a:lnSpc>
+              <a:spcBef>
+                <a:spcPct val="0"/>
+              </a:spcBef>
+              <a:spcAft>
+                <a:spcPts val="0"/>
+              </a:spcAft>
+              <a:buClrTx/>
+              <a:buSzTx/>
+              <a:buFontTx/>
+              <a:buNone/>
+              <a:tabLst/>
+              <a:defRPr/>
+            </a:pPr>
+            <a:r>
+              <a:rPr kumimoji="0" lang="fr-FR" sz="3200" b="1" i="0" u="sng" strike="noStrike" kern="1200" cap="all" spc="-150" normalizeH="0" baseline="0" noProof="0" dirty="0" smtClean="0">
+                <a:ln>
+                  <a:noFill/>
+                </a:ln>
+                <a:solidFill>
+                  <a:srgbClr val="FF0000"/>
+                </a:solidFill>
+                <a:effectLst>
+                  <a:outerShdw blurRad="38100" dist="38100" dir="2700000" algn="tl">
+                    <a:srgbClr val="000000">
+                      <a:alpha val="43137"/>
+                    </a:srgbClr>
+                  </a:outerShdw>
+                </a:effectLst>
+                <a:uLnTx/>
+                <a:uFillTx/>
+                <a:latin typeface="Arial" pitchFamily="34" charset="0"/>
+                <a:ea typeface="+mj-ea"/>
+                <a:cs typeface="Arial" pitchFamily="34" charset="0"/>
+              </a:rPr>
+              <a:t>4)Validation du code au W3C ET-LINE.CSS</a:t>
+            </a:r>
+            <a:br>
+              <a:rPr kumimoji="0" lang="fr-FR" sz="3200" b="1" i="0" u="sng" strike="noStrike" kern="1200" cap="all" spc="-150" normalizeH="0" baseline="0" noProof="0" dirty="0" smtClean="0">
+                <a:ln>
+                  <a:noFill/>
+                </a:ln>
+                <a:solidFill>
+                  <a:srgbClr val="FF0000"/>
+                </a:solidFill>
+                <a:effectLst>
+                  <a:outerShdw blurRad="38100" dist="38100" dir="2700000" algn="tl">
+                    <a:srgbClr val="000000">
+                      <a:alpha val="43137"/>
+                    </a:srgbClr>
+                  </a:outerShdw>
+                </a:effectLst>
+                <a:uLnTx/>
+                <a:uFillTx/>
+                <a:latin typeface="Arial" pitchFamily="34" charset="0"/>
+                <a:ea typeface="+mj-ea"/>
+                <a:cs typeface="Arial" pitchFamily="34" charset="0"/>
+              </a:rPr>
+            </a:br>
+            <a:endParaRPr kumimoji="0" lang="fr-FR" sz="3200" b="1" i="0" u="sng" strike="noStrike" kern="1200" cap="all" spc="0" normalizeH="0" baseline="0" noProof="0" dirty="0">
+              <a:ln>
+                <a:noFill/>
+              </a:ln>
+              <a:solidFill>
+                <a:srgbClr val="FF0000"/>
+              </a:solidFill>
+              <a:effectLst/>
+              <a:uLnTx/>
+              <a:uFillTx/>
+              <a:latin typeface="Arial" pitchFamily="34" charset="0"/>
+              <a:ea typeface="+mj-ea"/>
+              <a:cs typeface="Arial" pitchFamily="34" charset="0"/>
+            </a:endParaRPr>
+          </a:p>
+        </p:txBody>
+      </p:sp>
       <p:pic>
         <p:nvPicPr>
-          <p:cNvPr id="6" name="Espace réservé du contenu 5" descr="W3C HTML FRANCAISE.png"/>
+          <p:cNvPr id="6" name="Espace réservé du contenu 5" descr="Capture d’écran (342).png"/>
           <p:cNvPicPr>
             <a:picLocks noGrp="1" noChangeAspect="1"/>
           </p:cNvPicPr>
@@ -4678,8 +4876,8 @@
         </p:blipFill>
         <p:spPr>
           <a:xfrm>
-            <a:off x="204952" y="646387"/>
-            <a:ext cx="11776841" cy="5785944"/>
+            <a:off x="283779" y="614856"/>
+            <a:ext cx="11634951" cy="5896303"/>
           </a:xfrm>
         </p:spPr>
       </p:pic>
@@ -4689,7 +4887,7 @@
     <a:masterClrMapping/>
   </p:clrMapOvr>
   <mc:AlternateContent xmlns:mc="http://schemas.openxmlformats.org/markup-compatibility/2006">
-    <mc:Choice xmlns="" xmlns:p14="http://schemas.microsoft.com/office/powerpoint/2010/main" Requires="p14">
+    <mc:Choice xmlns:p14="http://schemas.microsoft.com/office/powerpoint/2010/main" xmlns="" Requires="p14">
       <p:transition spd="slow" p14:dur="3400">
         <p14:reveal/>
       </p:transition>
@@ -4729,49 +4927,6 @@
       </p:grpSpPr>
       <p:sp>
         <p:nvSpPr>
-          <p:cNvPr id="2" name="Titre 1"/>
-          <p:cNvSpPr>
-            <a:spLocks noGrp="1"/>
-          </p:cNvSpPr>
-          <p:nvPr>
-            <p:ph type="title"/>
-          </p:nvPr>
-        </p:nvSpPr>
-        <p:spPr>
-          <a:xfrm>
-            <a:off x="0" y="1"/>
-            <a:ext cx="12192000" cy="662152"/>
-          </a:xfrm>
-        </p:spPr>
-        <p:txBody>
-          <a:bodyPr>
-            <a:normAutofit/>
-          </a:bodyPr>
-          <a:lstStyle/>
-          <a:p>
-            <a:pPr algn="ctr"/>
-            <a:r>
-              <a:rPr lang="fr-FR" sz="2200" b="1" u="sng" dirty="0" smtClean="0">
-                <a:solidFill>
-                  <a:srgbClr val="FF0000"/>
-                </a:solidFill>
-                <a:latin typeface="Arial" pitchFamily="34" charset="0"/>
-                <a:cs typeface="Arial" pitchFamily="34" charset="0"/>
-              </a:rPr>
-              <a:t>VERIFICATION DU CODE html « page menu NOTE.HTML » AU W3C</a:t>
-            </a:r>
-            <a:endParaRPr lang="fr-FR" sz="2200" b="1" u="sng" dirty="0">
-              <a:solidFill>
-                <a:srgbClr val="FF0000"/>
-              </a:solidFill>
-              <a:latin typeface="Arial" pitchFamily="34" charset="0"/>
-              <a:cs typeface="Arial" pitchFamily="34" charset="0"/>
-            </a:endParaRPr>
-          </a:p>
-        </p:txBody>
-      </p:sp>
-      <p:sp>
-        <p:nvSpPr>
           <p:cNvPr id="7" name="Espace réservé du numéro de diapositive 6"/>
           <p:cNvSpPr>
             <a:spLocks noGrp="1"/>
@@ -4794,11 +4949,113 @@
           </a:p>
         </p:txBody>
       </p:sp>
+      <p:sp>
+        <p:nvSpPr>
+          <p:cNvPr id="8" name="Titre 1"/>
+          <p:cNvSpPr txBox="1">
+            <a:spLocks/>
+          </p:cNvSpPr>
+          <p:nvPr/>
+        </p:nvSpPr>
+        <p:spPr>
+          <a:xfrm>
+            <a:off x="399394" y="220716"/>
+            <a:ext cx="11792606" cy="599091"/>
+          </a:xfrm>
+          <a:prstGeom prst="rect">
+            <a:avLst/>
+          </a:prstGeom>
+        </p:spPr>
+        <p:txBody>
+          <a:bodyPr vert="horz" lIns="91440" tIns="45720" rIns="91440" bIns="45720" rtlCol="0" anchor="ctr">
+            <a:noAutofit/>
+          </a:bodyPr>
+          <a:lstStyle/>
+          <a:p>
+            <a:pPr marL="0" marR="0" lvl="0" indent="0" algn="ctr" defTabSz="914400" rtl="0" eaLnBrk="1" fontAlgn="auto" latinLnBrk="0" hangingPunct="1">
+              <a:lnSpc>
+                <a:spcPct val="85000"/>
+              </a:lnSpc>
+              <a:spcBef>
+                <a:spcPct val="0"/>
+              </a:spcBef>
+              <a:spcAft>
+                <a:spcPts val="0"/>
+              </a:spcAft>
+              <a:buClrTx/>
+              <a:buSzTx/>
+              <a:buFontTx/>
+              <a:buNone/>
+              <a:tabLst/>
+              <a:defRPr/>
+            </a:pPr>
+            <a:r>
+              <a:rPr kumimoji="0" lang="fr-FR" sz="3200" b="1" i="0" u="sng" strike="noStrike" kern="1200" cap="all" spc="-150" normalizeH="0" baseline="0" noProof="0" dirty="0" smtClean="0">
+                <a:ln>
+                  <a:noFill/>
+                </a:ln>
+                <a:solidFill>
+                  <a:srgbClr val="FF0000"/>
+                </a:solidFill>
+                <a:effectLst>
+                  <a:outerShdw blurRad="38100" dist="38100" dir="2700000" algn="tl">
+                    <a:srgbClr val="000000">
+                      <a:alpha val="43137"/>
+                    </a:srgbClr>
+                  </a:outerShdw>
+                </a:effectLst>
+                <a:uLnTx/>
+                <a:uFillTx/>
+                <a:latin typeface="Arial" pitchFamily="34" charset="0"/>
+                <a:ea typeface="+mj-ea"/>
+                <a:cs typeface="Arial" pitchFamily="34" charset="0"/>
+              </a:rPr>
+              <a:t>4)Validation du code au W3C FONT-AWESOME.CSS</a:t>
+            </a:r>
+            <a:br>
+              <a:rPr kumimoji="0" lang="fr-FR" sz="3200" b="1" i="0" u="sng" strike="noStrike" kern="1200" cap="all" spc="-150" normalizeH="0" baseline="0" noProof="0" dirty="0" smtClean="0">
+                <a:ln>
+                  <a:noFill/>
+                </a:ln>
+                <a:solidFill>
+                  <a:srgbClr val="FF0000"/>
+                </a:solidFill>
+                <a:effectLst>
+                  <a:outerShdw blurRad="38100" dist="38100" dir="2700000" algn="tl">
+                    <a:srgbClr val="000000">
+                      <a:alpha val="43137"/>
+                    </a:srgbClr>
+                  </a:outerShdw>
+                </a:effectLst>
+                <a:uLnTx/>
+                <a:uFillTx/>
+                <a:latin typeface="Arial" pitchFamily="34" charset="0"/>
+                <a:ea typeface="+mj-ea"/>
+                <a:cs typeface="Arial" pitchFamily="34" charset="0"/>
+              </a:rPr>
+            </a:br>
+            <a:endParaRPr kumimoji="0" lang="fr-FR" sz="3200" b="1" i="0" u="sng" strike="noStrike" kern="1200" cap="all" spc="0" normalizeH="0" baseline="0" noProof="0" dirty="0">
+              <a:ln>
+                <a:noFill/>
+              </a:ln>
+              <a:solidFill>
+                <a:srgbClr val="FF0000"/>
+              </a:solidFill>
+              <a:effectLst/>
+              <a:uLnTx/>
+              <a:uFillTx/>
+              <a:latin typeface="Arial" pitchFamily="34" charset="0"/>
+              <a:ea typeface="+mj-ea"/>
+              <a:cs typeface="Arial" pitchFamily="34" charset="0"/>
+            </a:endParaRPr>
+          </a:p>
+        </p:txBody>
+      </p:sp>
       <p:pic>
         <p:nvPicPr>
-          <p:cNvPr id="6" name="Espace réservé du contenu 5" descr="W3C HTML NOTE.png"/>
+          <p:cNvPr id="3074" name="Picture 2"/>
           <p:cNvPicPr>
-            <a:picLocks noGrp="1" noChangeAspect="1"/>
+            <a:picLocks noGrp="1" noChangeAspect="1" noChangeArrowheads="1"/>
           </p:cNvPicPr>
           <p:nvPr>
             <p:ph idx="1"/>
@@ -4806,15 +5063,27 @@
         </p:nvPicPr>
         <p:blipFill>
           <a:blip r:embed="rId2"/>
+          <a:srcRect/>
           <a:stretch>
             <a:fillRect/>
           </a:stretch>
         </p:blipFill>
-        <p:spPr>
+        <p:spPr bwMode="auto">
           <a:xfrm>
-            <a:off x="236485" y="693683"/>
-            <a:ext cx="11724613" cy="5754414"/>
+            <a:off x="457200" y="583325"/>
+            <a:ext cx="11351172" cy="5887162"/>
           </a:xfrm>
+          <a:prstGeom prst="rect">
+            <a:avLst/>
+          </a:prstGeom>
+          <a:noFill/>
+          <a:ln w="9525">
+            <a:noFill/>
+            <a:miter lim="800000"/>
+            <a:headEnd/>
+            <a:tailEnd/>
+          </a:ln>
+          <a:effectLst/>
         </p:spPr>
       </p:pic>
     </p:spTree>
@@ -4823,7 +5092,7 @@
     <a:masterClrMapping/>
   </p:clrMapOvr>
   <mc:AlternateContent xmlns:mc="http://schemas.openxmlformats.org/markup-compatibility/2006">
-    <mc:Choice xmlns="" xmlns:p14="http://schemas.microsoft.com/office/powerpoint/2010/main" Requires="p14">
+    <mc:Choice xmlns:p14="http://schemas.microsoft.com/office/powerpoint/2010/main" xmlns="" Requires="p14">
       <p:transition spd="slow" p14:dur="3400">
         <p14:reveal/>
       </p:transition>
@@ -4871,12 +5140,7 @@
             <p:ph type="title"/>
           </p:nvPr>
         </p:nvSpPr>
-        <p:spPr>
-          <a:xfrm>
-            <a:off x="0" y="1"/>
-            <a:ext cx="12192000" cy="662152"/>
-          </a:xfrm>
-        </p:spPr>
+        <p:spPr/>
         <p:txBody>
           <a:bodyPr>
             <a:normAutofit/>
@@ -4885,28 +5149,62 @@
           <a:p>
             <a:pPr algn="ctr"/>
             <a:r>
-              <a:rPr lang="fr-FR" sz="2200" b="1" u="sng" dirty="0" smtClean="0">
+              <a:rPr lang="fr-FR" sz="3600" b="1" u="sng" spc="-150" dirty="0" smtClean="0">
                 <a:solidFill>
                   <a:srgbClr val="FF0000"/>
                 </a:solidFill>
-                <a:latin typeface="Arial" pitchFamily="34" charset="0"/>
-                <a:cs typeface="Arial" pitchFamily="34" charset="0"/>
-              </a:rPr>
-              <a:t>VERIFICATION DU CODE html « page menu PALETTE.HTML » AU W3C</a:t>
-            </a:r>
-            <a:endParaRPr lang="fr-FR" sz="2200" b="1" u="sng" dirty="0">
-              <a:solidFill>
-                <a:srgbClr val="FF0000"/>
-              </a:solidFill>
-              <a:latin typeface="Arial" pitchFamily="34" charset="0"/>
-              <a:cs typeface="Arial" pitchFamily="34" charset="0"/>
-            </a:endParaRPr>
-          </a:p>
-        </p:txBody>
-      </p:sp>
-      <p:sp>
-        <p:nvSpPr>
-          <p:cNvPr id="7" name="Espace réservé du numéro de diapositive 6"/>
+                <a:effectLst>
+                  <a:outerShdw blurRad="38100" dist="38100" dir="2700000" algn="tl">
+                    <a:srgbClr val="000000">
+                      <a:alpha val="43137"/>
+                    </a:srgbClr>
+                  </a:outerShdw>
+                </a:effectLst>
+                <a:latin typeface="Arial" pitchFamily="34" charset="0"/>
+                <a:cs typeface="Arial" pitchFamily="34" charset="0"/>
+              </a:rPr>
+              <a:t>5)Bilan</a:t>
+            </a:r>
+            <a:r>
+              <a:rPr lang="fr-FR" sz="3600" b="1" spc="-150" dirty="0" smtClean="0">
+                <a:solidFill>
+                  <a:srgbClr val="FFFF00"/>
+                </a:solidFill>
+                <a:effectLst>
+                  <a:outerShdw blurRad="38100" dist="38100" dir="2700000" algn="tl">
+                    <a:srgbClr val="000000">
+                      <a:alpha val="43137"/>
+                    </a:srgbClr>
+                  </a:outerShdw>
+                </a:effectLst>
+                <a:latin typeface="Arial" pitchFamily="34" charset="0"/>
+                <a:cs typeface="Arial" pitchFamily="34" charset="0"/>
+              </a:rPr>
+              <a:t/>
+            </a:r>
+            <a:br>
+              <a:rPr lang="fr-FR" sz="3600" b="1" spc="-150" dirty="0" smtClean="0">
+                <a:solidFill>
+                  <a:srgbClr val="FFFF00"/>
+                </a:solidFill>
+                <a:effectLst>
+                  <a:outerShdw blurRad="38100" dist="38100" dir="2700000" algn="tl">
+                    <a:srgbClr val="000000">
+                      <a:alpha val="43137"/>
+                    </a:srgbClr>
+                  </a:outerShdw>
+                </a:effectLst>
+                <a:latin typeface="Arial" pitchFamily="34" charset="0"/>
+                <a:cs typeface="Arial" pitchFamily="34" charset="0"/>
+              </a:rPr>
+            </a:br>
+            <a:endParaRPr lang="fr-FR" sz="3600" dirty="0"/>
+          </a:p>
+        </p:txBody>
+      </p:sp>
+      <p:sp>
+        <p:nvSpPr>
+          <p:cNvPr id="3" name="Espace réservé du numéro de diapositive 2"/>
           <p:cNvSpPr>
             <a:spLocks noGrp="1"/>
           </p:cNvSpPr>
@@ -4928,36 +5226,203 @@
           </a:p>
         </p:txBody>
       </p:sp>
-      <p:pic>
-        <p:nvPicPr>
-          <p:cNvPr id="6" name="Espace réservé du contenu 5" descr="W3C HTML PALETTE.png"/>
-          <p:cNvPicPr>
-            <a:picLocks noGrp="1" noChangeAspect="1"/>
-          </p:cNvPicPr>
-          <p:nvPr>
-            <p:ph idx="1"/>
-          </p:nvPr>
-        </p:nvPicPr>
-        <p:blipFill>
-          <a:blip r:embed="rId2"/>
-          <a:stretch>
-            <a:fillRect/>
-          </a:stretch>
-        </p:blipFill>
+      <p:sp>
+        <p:nvSpPr>
+          <p:cNvPr id="7" name="ZoneTexte 6"/>
+          <p:cNvSpPr txBox="1"/>
+          <p:nvPr/>
+        </p:nvSpPr>
         <p:spPr>
           <a:xfrm>
-            <a:off x="189186" y="630621"/>
-            <a:ext cx="11808373" cy="5801709"/>
+            <a:off x="1008993" y="1545021"/>
+            <a:ext cx="10200290" cy="3539430"/>
           </a:xfrm>
+          <a:prstGeom prst="rect">
+            <a:avLst/>
+          </a:prstGeom>
+          <a:solidFill>
+            <a:schemeClr val="accent3">
+              <a:lumMod val="75000"/>
+            </a:schemeClr>
+          </a:solidFill>
+          <a:ln>
+            <a:noFill/>
+          </a:ln>
+          <a:effectLst>
+            <a:outerShdw blurRad="44450" dist="27940" dir="5400000" algn="ctr">
+              <a:srgbClr val="000000">
+                <a:alpha val="32000"/>
+              </a:srgbClr>
+            </a:outerShdw>
+          </a:effectLst>
+          <a:scene3d>
+            <a:camera prst="orthographicFront">
+              <a:rot lat="0" lon="0" rev="0"/>
+            </a:camera>
+            <a:lightRig rig="balanced" dir="t">
+              <a:rot lat="0" lon="0" rev="8700000"/>
+            </a:lightRig>
+          </a:scene3d>
+          <a:sp3d>
+            <a:bevelT w="190500" h="38100"/>
+          </a:sp3d>
         </p:spPr>
-      </p:pic>
+        <p:style>
+          <a:lnRef idx="2">
+            <a:schemeClr val="accent2"/>
+          </a:lnRef>
+          <a:fillRef idx="1">
+            <a:schemeClr val="lt1"/>
+          </a:fillRef>
+          <a:effectRef idx="0">
+            <a:schemeClr val="accent2"/>
+          </a:effectRef>
+          <a:fontRef idx="minor">
+            <a:schemeClr val="dk1"/>
+          </a:fontRef>
+        </p:style>
+        <p:txBody>
+          <a:bodyPr wrap="square" rtlCol="0">
+            <a:spAutoFit/>
+          </a:bodyPr>
+          <a:lstStyle/>
+          <a:p>
+            <a:pPr algn="ctr"/>
+            <a:endParaRPr lang="fr-FR" sz="2800" b="1" dirty="0" smtClean="0">
+              <a:ln w="12700">
+                <a:solidFill>
+                  <a:schemeClr val="tx2">
+                    <a:satMod val="155000"/>
+                  </a:schemeClr>
+                </a:solidFill>
+                <a:prstDash val="solid"/>
+              </a:ln>
+              <a:solidFill>
+                <a:schemeClr val="tx1"/>
+              </a:solidFill>
+              <a:effectLst>
+                <a:outerShdw blurRad="41275" dist="20320" dir="1800000" algn="tl" rotWithShape="0">
+                  <a:srgbClr val="000000">
+                    <a:alpha val="40000"/>
+                  </a:srgbClr>
+                </a:outerShdw>
+              </a:effectLst>
+              <a:latin typeface="Arial" pitchFamily="34" charset="0"/>
+              <a:cs typeface="Arial" pitchFamily="34" charset="0"/>
+            </a:endParaRPr>
+          </a:p>
+          <a:p>
+            <a:pPr algn="ctr"/>
+            <a:endParaRPr lang="fr-FR" sz="2800" b="1" dirty="0" smtClean="0">
+              <a:ln w="12700">
+                <a:solidFill>
+                  <a:schemeClr val="tx2">
+                    <a:satMod val="155000"/>
+                  </a:schemeClr>
+                </a:solidFill>
+                <a:prstDash val="solid"/>
+              </a:ln>
+              <a:solidFill>
+                <a:schemeClr val="tx1"/>
+              </a:solidFill>
+              <a:effectLst>
+                <a:outerShdw blurRad="41275" dist="20320" dir="1800000" algn="tl" rotWithShape="0">
+                  <a:srgbClr val="000000">
+                    <a:alpha val="40000"/>
+                  </a:srgbClr>
+                </a:outerShdw>
+              </a:effectLst>
+              <a:latin typeface="Arial" pitchFamily="34" charset="0"/>
+              <a:cs typeface="Arial" pitchFamily="34" charset="0"/>
+            </a:endParaRPr>
+          </a:p>
+          <a:p>
+            <a:pPr algn="ctr"/>
+            <a:r>
+              <a:rPr lang="fr-FR" sz="2800" b="1" dirty="0" smtClean="0">
+                <a:ln w="12700">
+                  <a:solidFill>
+                    <a:schemeClr val="tx2">
+                      <a:satMod val="155000"/>
+                    </a:schemeClr>
+                  </a:solidFill>
+                  <a:prstDash val="solid"/>
+                </a:ln>
+                <a:solidFill>
+                  <a:schemeClr val="tx1"/>
+                </a:solidFill>
+                <a:effectLst>
+                  <a:outerShdw blurRad="41275" dist="20320" dir="1800000" algn="tl" rotWithShape="0">
+                    <a:srgbClr val="000000">
+                      <a:alpha val="40000"/>
+                    </a:srgbClr>
+                  </a:outerShdw>
+                </a:effectLst>
+                <a:latin typeface="Arial" pitchFamily="34" charset="0"/>
+                <a:cs typeface="Arial" pitchFamily="34" charset="0"/>
+              </a:rPr>
+              <a:t>Résultats positifs sur l’amélioration de la vitesse, l’accessibilité , la performance du site après les modifications effectuées et compte rendu du travail demandé</a:t>
+            </a:r>
+          </a:p>
+          <a:p>
+            <a:pPr algn="ctr"/>
+            <a:endParaRPr lang="fr-FR" sz="2800" b="1" dirty="0" smtClean="0">
+              <a:ln w="12700">
+                <a:solidFill>
+                  <a:schemeClr val="tx2">
+                    <a:satMod val="155000"/>
+                  </a:schemeClr>
+                </a:solidFill>
+                <a:prstDash val="solid"/>
+              </a:ln>
+              <a:solidFill>
+                <a:schemeClr val="tx1"/>
+              </a:solidFill>
+              <a:effectLst>
+                <a:outerShdw blurRad="41275" dist="20320" dir="1800000" algn="tl" rotWithShape="0">
+                  <a:srgbClr val="000000">
+                    <a:alpha val="40000"/>
+                  </a:srgbClr>
+                </a:outerShdw>
+              </a:effectLst>
+              <a:latin typeface="Arial" pitchFamily="34" charset="0"/>
+              <a:cs typeface="Arial" pitchFamily="34" charset="0"/>
+            </a:endParaRPr>
+          </a:p>
+          <a:p>
+            <a:pPr algn="ctr"/>
+            <a:endParaRPr lang="fr-FR" sz="2800" b="1" dirty="0" smtClean="0">
+              <a:ln w="12700">
+                <a:solidFill>
+                  <a:schemeClr val="tx2">
+                    <a:satMod val="155000"/>
+                  </a:schemeClr>
+                </a:solidFill>
+                <a:prstDash val="solid"/>
+              </a:ln>
+              <a:solidFill>
+                <a:schemeClr val="tx1"/>
+              </a:solidFill>
+              <a:effectLst>
+                <a:outerShdw blurRad="41275" dist="20320" dir="1800000" algn="tl" rotWithShape="0">
+                  <a:srgbClr val="000000">
+                    <a:alpha val="40000"/>
+                  </a:srgbClr>
+                </a:outerShdw>
+              </a:effectLst>
+              <a:latin typeface="Arial" pitchFamily="34" charset="0"/>
+              <a:cs typeface="Arial" pitchFamily="34" charset="0"/>
+            </a:endParaRPr>
+          </a:p>
+        </p:txBody>
+      </p:sp>
     </p:spTree>
   </p:cSld>
   <p:clrMapOvr>
     <a:masterClrMapping/>
   </p:clrMapOvr>
   <mc:AlternateContent xmlns:mc="http://schemas.openxmlformats.org/markup-compatibility/2006">
-    <mc:Choice xmlns="" xmlns:p14="http://schemas.microsoft.com/office/powerpoint/2010/main" Requires="p14">
+    <mc:Choice xmlns:p14="http://schemas.microsoft.com/office/powerpoint/2010/main" xmlns="" Requires="p14">
       <p:transition spd="slow" p14:dur="3400">
         <p14:reveal/>
       </p:transition>
@@ -4968,13 +5433,6 @@
       </p:transition>
     </mc:Fallback>
   </mc:AlternateContent>
-  <p:timing>
-    <p:tnLst>
-      <p:par>
-        <p:cTn id="1" dur="indefinite" restart="never" nodeType="tmRoot"/>
-      </p:par>
-    </p:tnLst>
-  </p:timing>
 </p:sld>
 </file>
 
@@ -4997,47 +5455,6 @@
       </p:grpSpPr>
       <p:sp>
         <p:nvSpPr>
-          <p:cNvPr id="2" name="Titre 1"/>
-          <p:cNvSpPr>
-            <a:spLocks noGrp="1"/>
-          </p:cNvSpPr>
-          <p:nvPr>
-            <p:ph type="title"/>
-          </p:nvPr>
-        </p:nvSpPr>
-        <p:spPr>
-          <a:xfrm>
-            <a:off x="1202925" y="284177"/>
-            <a:ext cx="9784080" cy="409507"/>
-          </a:xfrm>
-        </p:spPr>
-        <p:txBody>
-          <a:bodyPr>
-            <a:normAutofit/>
-          </a:bodyPr>
-          <a:lstStyle/>
-          <a:p>
-            <a:pPr algn="ctr"/>
-            <a:r>
-              <a:rPr lang="fr-FR" sz="2400" b="1" u="sng" dirty="0" smtClean="0">
-                <a:solidFill>
-                  <a:srgbClr val="FF0000"/>
-                </a:solidFill>
-                <a:latin typeface="Arial" pitchFamily="34" charset="0"/>
-                <a:cs typeface="Arial" pitchFamily="34" charset="0"/>
-              </a:rPr>
-              <a:t>VERIFICATION DU CODE STYLE.css AU W3C</a:t>
-            </a:r>
-            <a:endParaRPr lang="fr-FR" sz="2400" dirty="0">
-              <a:solidFill>
-                <a:srgbClr val="FF0000"/>
-              </a:solidFill>
-            </a:endParaRPr>
-          </a:p>
-        </p:txBody>
-      </p:sp>
-      <p:sp>
-        <p:nvSpPr>
           <p:cNvPr id="4" name="Espace réservé du numéro de diapositive 3"/>
           <p:cNvSpPr>
             <a:spLocks noGrp="1"/>
@@ -5055,503 +5472,6 @@
               <a:rPr lang="en-US" smtClean="0"/>
               <a:pPr/>
               <a:t>15</a:t>
-            </a:fld>
-            <a:endParaRPr lang="en-US" dirty="0"/>
-          </a:p>
-        </p:txBody>
-      </p:sp>
-      <p:pic>
-        <p:nvPicPr>
-          <p:cNvPr id="6" name="Espace réservé du contenu 5" descr="W3 CCSS STYLE.CSS.png"/>
-          <p:cNvPicPr>
-            <a:picLocks noGrp="1" noChangeAspect="1"/>
-          </p:cNvPicPr>
-          <p:nvPr>
-            <p:ph idx="1"/>
-          </p:nvPr>
-        </p:nvPicPr>
-        <p:blipFill>
-          <a:blip r:embed="rId2"/>
-          <a:stretch>
-            <a:fillRect/>
-          </a:stretch>
-        </p:blipFill>
-        <p:spPr>
-          <a:xfrm>
-            <a:off x="252248" y="895672"/>
-            <a:ext cx="11729545" cy="5599721"/>
-          </a:xfrm>
-        </p:spPr>
-      </p:pic>
-    </p:spTree>
-  </p:cSld>
-  <p:clrMapOvr>
-    <a:masterClrMapping/>
-  </p:clrMapOvr>
-  <mc:AlternateContent xmlns:mc="http://schemas.openxmlformats.org/markup-compatibility/2006">
-    <mc:Choice xmlns="" xmlns:p14="http://schemas.microsoft.com/office/powerpoint/2010/main" Requires="p14">
-      <p:transition spd="slow" p14:dur="3400">
-        <p14:reveal/>
-      </p:transition>
-    </mc:Choice>
-    <mc:Fallback>
-      <p:transition spd="slow">
-        <p:fade/>
-      </p:transition>
-    </mc:Fallback>
-  </mc:AlternateContent>
-  <p:timing>
-    <p:tnLst>
-      <p:par>
-        <p:cTn id="1" dur="indefinite" restart="never" nodeType="tmRoot"/>
-      </p:par>
-    </p:tnLst>
-  </p:timing>
-</p:sld>
-</file>
-
-<file path=ppt/slides/slide16.xml><?xml version="1.0" encoding="utf-8"?>
-<p:sld xmlns:a="http://schemas.openxmlformats.org/drawingml/2006/main" xmlns:r="http://schemas.openxmlformats.org/officeDocument/2006/relationships" xmlns:p="http://schemas.openxmlformats.org/presentationml/2006/main">
-  <p:cSld>
-    <p:spTree>
-      <p:nvGrpSpPr>
-        <p:cNvPr id="1" name=""/>
-        <p:cNvGrpSpPr/>
-        <p:nvPr/>
-      </p:nvGrpSpPr>
-      <p:grpSpPr>
-        <a:xfrm>
-          <a:off x="0" y="0"/>
-          <a:ext cx="0" cy="0"/>
-          <a:chOff x="0" y="0"/>
-          <a:chExt cx="0" cy="0"/>
-        </a:xfrm>
-      </p:grpSpPr>
-      <p:sp>
-        <p:nvSpPr>
-          <p:cNvPr id="2" name="Titre 1"/>
-          <p:cNvSpPr>
-            <a:spLocks noGrp="1"/>
-          </p:cNvSpPr>
-          <p:nvPr>
-            <p:ph type="title"/>
-          </p:nvPr>
-        </p:nvSpPr>
-        <p:spPr>
-          <a:xfrm>
-            <a:off x="1202925" y="284177"/>
-            <a:ext cx="9784080" cy="409507"/>
-          </a:xfrm>
-        </p:spPr>
-        <p:txBody>
-          <a:bodyPr>
-            <a:normAutofit/>
-          </a:bodyPr>
-          <a:lstStyle/>
-          <a:p>
-            <a:pPr algn="ctr"/>
-            <a:r>
-              <a:rPr lang="fr-FR" sz="2400" b="1" u="sng" dirty="0" smtClean="0">
-                <a:solidFill>
-                  <a:srgbClr val="FF0000"/>
-                </a:solidFill>
-                <a:latin typeface="Arial" pitchFamily="34" charset="0"/>
-                <a:cs typeface="Arial" pitchFamily="34" charset="0"/>
-              </a:rPr>
-              <a:t>VERIFICATION DU CODE MENUS.css AU W3C</a:t>
-            </a:r>
-            <a:endParaRPr lang="fr-FR" sz="2400" dirty="0">
-              <a:solidFill>
-                <a:srgbClr val="FF0000"/>
-              </a:solidFill>
-            </a:endParaRPr>
-          </a:p>
-        </p:txBody>
-      </p:sp>
-      <p:sp>
-        <p:nvSpPr>
-          <p:cNvPr id="4" name="Espace réservé du numéro de diapositive 3"/>
-          <p:cNvSpPr>
-            <a:spLocks noGrp="1"/>
-          </p:cNvSpPr>
-          <p:nvPr>
-            <p:ph type="sldNum" sz="quarter" idx="12"/>
-          </p:nvPr>
-        </p:nvSpPr>
-        <p:spPr/>
-        <p:txBody>
-          <a:bodyPr/>
-          <a:lstStyle/>
-          <a:p>
-            <a:fld id="{4FAB73BC-B049-4115-A692-8D63A059BFB8}" type="slidenum">
-              <a:rPr lang="en-US" smtClean="0"/>
-              <a:pPr/>
-              <a:t>16</a:t>
-            </a:fld>
-            <a:endParaRPr lang="en-US" dirty="0"/>
-          </a:p>
-        </p:txBody>
-      </p:sp>
-      <p:pic>
-        <p:nvPicPr>
-          <p:cNvPr id="6" name="Espace réservé du contenu 5" descr="W3 CCSS MENUS.CSS.png"/>
-          <p:cNvPicPr>
-            <a:picLocks noGrp="1" noChangeAspect="1"/>
-          </p:cNvPicPr>
-          <p:nvPr>
-            <p:ph idx="1"/>
-          </p:nvPr>
-        </p:nvPicPr>
-        <p:blipFill>
-          <a:blip r:embed="rId2"/>
-          <a:stretch>
-            <a:fillRect/>
-          </a:stretch>
-        </p:blipFill>
-        <p:spPr>
-          <a:xfrm>
-            <a:off x="204954" y="825965"/>
-            <a:ext cx="11761076" cy="5691819"/>
-          </a:xfrm>
-        </p:spPr>
-      </p:pic>
-    </p:spTree>
-  </p:cSld>
-  <p:clrMapOvr>
-    <a:masterClrMapping/>
-  </p:clrMapOvr>
-  <mc:AlternateContent xmlns:mc="http://schemas.openxmlformats.org/markup-compatibility/2006">
-    <mc:Choice xmlns="" xmlns:p14="http://schemas.microsoft.com/office/powerpoint/2010/main" Requires="p14">
-      <p:transition spd="slow" p14:dur="3400">
-        <p14:reveal/>
-      </p:transition>
-    </mc:Choice>
-    <mc:Fallback>
-      <p:transition spd="slow">
-        <p:fade/>
-      </p:transition>
-    </mc:Fallback>
-  </mc:AlternateContent>
-  <p:timing>
-    <p:tnLst>
-      <p:par>
-        <p:cTn id="1" dur="indefinite" restart="never" nodeType="tmRoot"/>
-      </p:par>
-    </p:tnLst>
-  </p:timing>
-</p:sld>
-</file>
-
-<file path=ppt/slides/slide17.xml><?xml version="1.0" encoding="utf-8"?>
-<p:sld xmlns:a="http://schemas.openxmlformats.org/drawingml/2006/main" xmlns:r="http://schemas.openxmlformats.org/officeDocument/2006/relationships" xmlns:p="http://schemas.openxmlformats.org/presentationml/2006/main" showMasterSp="0">
-  <p:cSld>
-    <p:spTree>
-      <p:nvGrpSpPr>
-        <p:cNvPr id="1" name=""/>
-        <p:cNvGrpSpPr/>
-        <p:nvPr/>
-      </p:nvGrpSpPr>
-      <p:grpSpPr>
-        <a:xfrm>
-          <a:off x="0" y="0"/>
-          <a:ext cx="0" cy="0"/>
-          <a:chOff x="0" y="0"/>
-          <a:chExt cx="0" cy="0"/>
-        </a:xfrm>
-      </p:grpSpPr>
-      <p:sp>
-        <p:nvSpPr>
-          <p:cNvPr id="2" name="Titre 1"/>
-          <p:cNvSpPr>
-            <a:spLocks noGrp="1"/>
-          </p:cNvSpPr>
-          <p:nvPr>
-            <p:ph type="title"/>
-          </p:nvPr>
-        </p:nvSpPr>
-        <p:spPr>
-          <a:xfrm>
-            <a:off x="0" y="284176"/>
-            <a:ext cx="12192000" cy="519865"/>
-          </a:xfrm>
-        </p:spPr>
-        <p:txBody>
-          <a:bodyPr>
-            <a:normAutofit/>
-          </a:bodyPr>
-          <a:lstStyle/>
-          <a:p>
-            <a:pPr algn="ctr"/>
-            <a:r>
-              <a:rPr lang="fr-FR" sz="3200" b="1" u="sng" dirty="0" smtClean="0">
-                <a:solidFill>
-                  <a:srgbClr val="FF0000"/>
-                </a:solidFill>
-                <a:latin typeface="Arial" pitchFamily="34" charset="0"/>
-                <a:cs typeface="Arial" pitchFamily="34" charset="0"/>
-              </a:rPr>
-              <a:t>4)BILAN</a:t>
-            </a:r>
-            <a:endParaRPr lang="fr-FR" sz="3200" dirty="0">
-              <a:solidFill>
-                <a:srgbClr val="FF0000"/>
-              </a:solidFill>
-              <a:latin typeface="Arial" pitchFamily="34" charset="0"/>
-              <a:cs typeface="Arial" pitchFamily="34" charset="0"/>
-            </a:endParaRPr>
-          </a:p>
-        </p:txBody>
-      </p:sp>
-      <p:sp>
-        <p:nvSpPr>
-          <p:cNvPr id="5" name="Espace réservé du numéro de diapositive 4"/>
-          <p:cNvSpPr>
-            <a:spLocks noGrp="1"/>
-          </p:cNvSpPr>
-          <p:nvPr>
-            <p:ph type="sldNum" sz="quarter" idx="12"/>
-          </p:nvPr>
-        </p:nvSpPr>
-        <p:spPr/>
-        <p:txBody>
-          <a:bodyPr/>
-          <a:lstStyle/>
-          <a:p>
-            <a:fld id="{4FAB73BC-B049-4115-A692-8D63A059BFB8}" type="slidenum">
-              <a:rPr lang="en-US" smtClean="0"/>
-              <a:pPr/>
-              <a:t>17</a:t>
-            </a:fld>
-            <a:endParaRPr lang="en-US" dirty="0"/>
-          </a:p>
-        </p:txBody>
-      </p:sp>
-      <p:sp>
-        <p:nvSpPr>
-          <p:cNvPr id="7" name="Rectangle 6"/>
-          <p:cNvSpPr/>
-          <p:nvPr/>
-        </p:nvSpPr>
-        <p:spPr>
-          <a:xfrm>
-            <a:off x="268014" y="882869"/>
-            <a:ext cx="11650718" cy="5482527"/>
-          </a:xfrm>
-          <a:prstGeom prst="rect">
-            <a:avLst/>
-          </a:prstGeom>
-          <a:solidFill>
-            <a:srgbClr val="00B0F0"/>
-          </a:solidFill>
-        </p:spPr>
-        <p:txBody>
-          <a:bodyPr wrap="square">
-            <a:spAutoFit/>
-          </a:bodyPr>
-          <a:lstStyle/>
-          <a:p>
-            <a:pPr marL="342900" indent="-342900">
-              <a:lnSpc>
-                <a:spcPct val="250000"/>
-              </a:lnSpc>
-              <a:buFont typeface="+mj-lt"/>
-              <a:buAutoNum type="arabicPeriod"/>
-            </a:pPr>
-            <a:r>
-              <a:rPr lang="fr-FR" sz="2400" dirty="0" smtClean="0">
-                <a:solidFill>
-                  <a:srgbClr val="FFFF00"/>
-                </a:solidFill>
-                <a:effectLst>
-                  <a:outerShdw blurRad="38100" dist="38100" dir="2700000" algn="tl">
-                    <a:srgbClr val="000000">
-                      <a:alpha val="43137"/>
-                    </a:srgbClr>
-                  </a:outerShdw>
-                </a:effectLst>
-                <a:latin typeface="Arial Black" pitchFamily="34" charset="0"/>
-              </a:rPr>
-              <a:t>Utiliser un système de gestion de versions pour le suivi du projet et son hébergement</a:t>
-            </a:r>
-          </a:p>
-          <a:p>
-            <a:pPr marL="342900" indent="-342900">
-              <a:lnSpc>
-                <a:spcPct val="250000"/>
-              </a:lnSpc>
-              <a:buFont typeface="+mj-lt"/>
-              <a:buAutoNum type="arabicPeriod"/>
-            </a:pPr>
-            <a:r>
-              <a:rPr lang="fr-FR" sz="2400" dirty="0" smtClean="0">
-                <a:solidFill>
-                  <a:srgbClr val="FFFF00"/>
-                </a:solidFill>
-                <a:effectLst>
-                  <a:outerShdw blurRad="38100" dist="38100" dir="2700000" algn="tl">
-                    <a:srgbClr val="000000">
-                      <a:alpha val="43137"/>
-                    </a:srgbClr>
-                  </a:outerShdw>
-                </a:effectLst>
-                <a:latin typeface="Arial Black" pitchFamily="34" charset="0"/>
-              </a:rPr>
-              <a:t>Mettre en œuvre des effets CSS graphiques avancés</a:t>
-            </a:r>
-          </a:p>
-          <a:p>
-            <a:pPr marL="342900" indent="-342900">
-              <a:lnSpc>
-                <a:spcPct val="250000"/>
-              </a:lnSpc>
-              <a:buFont typeface="+mj-lt"/>
-              <a:buAutoNum type="arabicPeriod"/>
-            </a:pPr>
-            <a:r>
-              <a:rPr lang="fr-FR" sz="2400" dirty="0" smtClean="0">
-                <a:solidFill>
-                  <a:srgbClr val="FFFF00"/>
-                </a:solidFill>
-                <a:effectLst>
-                  <a:outerShdw blurRad="38100" dist="38100" dir="2700000" algn="tl">
-                    <a:srgbClr val="000000">
-                      <a:alpha val="43137"/>
-                    </a:srgbClr>
-                  </a:outerShdw>
-                </a:effectLst>
-                <a:latin typeface="Arial Black" pitchFamily="34" charset="0"/>
-              </a:rPr>
-              <a:t>Mettre en place son environnement Front-End</a:t>
-            </a:r>
-          </a:p>
-          <a:p>
-            <a:pPr marL="342900" indent="-342900">
-              <a:lnSpc>
-                <a:spcPct val="250000"/>
-              </a:lnSpc>
-              <a:buFont typeface="+mj-lt"/>
-              <a:buAutoNum type="arabicPeriod"/>
-            </a:pPr>
-            <a:r>
-              <a:rPr lang="fr-FR" sz="2400" dirty="0" smtClean="0">
-                <a:solidFill>
-                  <a:srgbClr val="FFFF00"/>
-                </a:solidFill>
-                <a:effectLst>
-                  <a:outerShdw blurRad="38100" dist="38100" dir="2700000" algn="tl">
-                    <a:srgbClr val="000000">
-                      <a:alpha val="43137"/>
-                    </a:srgbClr>
-                  </a:outerShdw>
-                </a:effectLst>
-                <a:latin typeface="Arial Black" pitchFamily="34" charset="0"/>
-              </a:rPr>
-              <a:t>Mettre en place une structure de navigation pour un site web</a:t>
-            </a:r>
-          </a:p>
-          <a:p>
-            <a:pPr marL="342900" indent="-342900">
-              <a:lnSpc>
-                <a:spcPct val="250000"/>
-              </a:lnSpc>
-              <a:buFont typeface="+mj-lt"/>
-              <a:buAutoNum type="arabicPeriod"/>
-            </a:pPr>
-            <a:r>
-              <a:rPr lang="fr-FR" sz="2400" dirty="0" smtClean="0">
-                <a:solidFill>
-                  <a:srgbClr val="FFFF00"/>
-                </a:solidFill>
-                <a:effectLst>
-                  <a:outerShdw blurRad="38100" dist="38100" dir="2700000" algn="tl">
-                    <a:srgbClr val="000000">
-                      <a:alpha val="43137"/>
-                    </a:srgbClr>
-                  </a:outerShdw>
-                </a:effectLst>
-                <a:latin typeface="Arial Black" pitchFamily="34" charset="0"/>
-              </a:rPr>
-              <a:t>Assurer la cohérence graphique d'un site web</a:t>
-            </a:r>
-            <a:endParaRPr lang="fr-FR" sz="2400" dirty="0">
-              <a:solidFill>
-                <a:srgbClr val="FFFF00"/>
-              </a:solidFill>
-              <a:effectLst>
-                <a:outerShdw blurRad="38100" dist="38100" dir="2700000" algn="tl">
-                  <a:srgbClr val="000000">
-                    <a:alpha val="43137"/>
-                  </a:srgbClr>
-                </a:outerShdw>
-              </a:effectLst>
-              <a:latin typeface="Arial Black" pitchFamily="34" charset="0"/>
-            </a:endParaRPr>
-          </a:p>
-        </p:txBody>
-      </p:sp>
-    </p:spTree>
-  </p:cSld>
-  <p:clrMapOvr>
-    <a:masterClrMapping/>
-  </p:clrMapOvr>
-  <mc:AlternateContent xmlns:mc="http://schemas.openxmlformats.org/markup-compatibility/2006">
-    <mc:Choice xmlns="" xmlns:p14="http://schemas.microsoft.com/office/powerpoint/2010/main" Requires="p14">
-      <p:transition spd="slow" p14:dur="3400">
-        <p14:reveal/>
-      </p:transition>
-    </mc:Choice>
-    <mc:Fallback>
-      <p:transition spd="slow">
-        <p:fade/>
-      </p:transition>
-    </mc:Fallback>
-  </mc:AlternateContent>
-  <p:timing>
-    <p:tnLst>
-      <p:par>
-        <p:cTn id="1" dur="indefinite" restart="never" nodeType="tmRoot"/>
-      </p:par>
-    </p:tnLst>
-  </p:timing>
-</p:sld>
-</file>
-
-<file path=ppt/slides/slide18.xml><?xml version="1.0" encoding="utf-8"?>
-<p:sld xmlns:a="http://schemas.openxmlformats.org/drawingml/2006/main" xmlns:r="http://schemas.openxmlformats.org/officeDocument/2006/relationships" xmlns:p="http://schemas.openxmlformats.org/presentationml/2006/main" showMasterSp="0">
-  <p:cSld>
-    <p:spTree>
-      <p:nvGrpSpPr>
-        <p:cNvPr id="1" name=""/>
-        <p:cNvGrpSpPr/>
-        <p:nvPr/>
-      </p:nvGrpSpPr>
-      <p:grpSpPr>
-        <a:xfrm>
-          <a:off x="0" y="0"/>
-          <a:ext cx="0" cy="0"/>
-          <a:chOff x="0" y="0"/>
-          <a:chExt cx="0" cy="0"/>
-        </a:xfrm>
-      </p:grpSpPr>
-      <p:sp>
-        <p:nvSpPr>
-          <p:cNvPr id="4" name="Espace réservé du numéro de diapositive 3"/>
-          <p:cNvSpPr>
-            <a:spLocks noGrp="1"/>
-          </p:cNvSpPr>
-          <p:nvPr>
-            <p:ph type="sldNum" sz="quarter" idx="12"/>
-          </p:nvPr>
-        </p:nvSpPr>
-        <p:spPr/>
-        <p:txBody>
-          <a:bodyPr/>
-          <a:lstStyle/>
-          <a:p>
-            <a:fld id="{4FAB73BC-B049-4115-A692-8D63A059BFB8}" type="slidenum">
-              <a:rPr lang="en-US" smtClean="0"/>
-              <a:pPr/>
-              <a:t>18</a:t>
             </a:fld>
             <a:endParaRPr lang="en-US" dirty="0"/>
           </a:p>
@@ -5642,7 +5562,7 @@
     <a:masterClrMapping/>
   </p:clrMapOvr>
   <mc:AlternateContent xmlns:mc="http://schemas.openxmlformats.org/markup-compatibility/2006">
-    <mc:Choice xmlns="" xmlns:p14="http://schemas.microsoft.com/office/powerpoint/2010/main" Requires="p14">
+    <mc:Choice xmlns:p14="http://schemas.microsoft.com/office/powerpoint/2010/main" xmlns="" Requires="p14">
       <p:transition spd="slow" p14:dur="3400">
         <p14:reveal/>
       </p:transition>
@@ -5797,73 +5717,8 @@
                 <a:latin typeface="Arial" pitchFamily="34" charset="0"/>
                 <a:cs typeface="Arial" pitchFamily="34" charset="0"/>
               </a:rPr>
-              <a:t>1)Analyse des </a:t>
-            </a:r>
-            <a:r>
-              <a:rPr lang="fr-FR" sz="3200" b="1" spc="-150" dirty="0" smtClean="0">
-                <a:solidFill>
-                  <a:srgbClr val="FFFF00"/>
-                </a:solidFill>
-                <a:effectLst>
-                  <a:outerShdw blurRad="38100" dist="38100" dir="2700000" algn="tl">
-                    <a:srgbClr val="000000">
-                      <a:alpha val="43137"/>
-                    </a:srgbClr>
-                  </a:outerShdw>
-                </a:effectLst>
-                <a:latin typeface="Arial" pitchFamily="34" charset="0"/>
-                <a:cs typeface="Arial" pitchFamily="34" charset="0"/>
-              </a:rPr>
-              <a:t>besoins</a:t>
-            </a:r>
-            <a:r>
-              <a:rPr lang="fr-FR" sz="3200" b="1" spc="-150" dirty="0" smtClean="0">
-                <a:solidFill>
-                  <a:srgbClr val="FFFF00"/>
-                </a:solidFill>
-                <a:effectLst>
-                  <a:outerShdw blurRad="38100" dist="38100" dir="2700000" algn="tl">
-                    <a:srgbClr val="000000">
-                      <a:alpha val="43137"/>
-                    </a:srgbClr>
-                  </a:outerShdw>
-                </a:effectLst>
-                <a:latin typeface="Arial" pitchFamily="34" charset="0"/>
-                <a:cs typeface="Arial" pitchFamily="34" charset="0"/>
-              </a:rPr>
-              <a:t> </a:t>
-            </a:r>
-            <a:r>
-              <a:rPr lang="fr-FR" sz="3200" b="1" spc="-150" dirty="0" smtClean="0">
-                <a:solidFill>
-                  <a:srgbClr val="FFFF00"/>
-                </a:solidFill>
-                <a:effectLst>
-                  <a:outerShdw blurRad="38100" dist="38100" dir="2700000" algn="tl">
-                    <a:srgbClr val="000000">
-                      <a:alpha val="43137"/>
-                    </a:srgbClr>
-                  </a:outerShdw>
-                </a:effectLst>
-                <a:latin typeface="Arial" pitchFamily="34" charset="0"/>
-                <a:cs typeface="Arial" pitchFamily="34" charset="0"/>
-              </a:rPr>
-              <a:t>et de l’état actuel de SEO du site </a:t>
-            </a:r>
-            <a:endParaRPr lang="fr-FR" sz="3200" b="1" spc="-150" dirty="0" smtClean="0">
-              <a:solidFill>
-                <a:srgbClr val="FFFF00"/>
-              </a:solidFill>
-              <a:effectLst>
-                <a:outerShdw blurRad="38100" dist="38100" dir="2700000" algn="tl">
-                  <a:srgbClr val="000000">
-                    <a:alpha val="43137"/>
-                  </a:srgbClr>
-                </a:outerShdw>
-              </a:effectLst>
-              <a:latin typeface="Arial" pitchFamily="34" charset="0"/>
-              <a:cs typeface="Arial" pitchFamily="34" charset="0"/>
-            </a:endParaRPr>
+              <a:t>1)Analyse des besoins et de l’état actuel de SEO du site </a:t>
+            </a:r>
           </a:p>
           <a:p>
             <a:pPr algn="ctr">
@@ -5904,22 +5759,25 @@
                 <a:latin typeface="Arial" pitchFamily="34" charset="0"/>
                 <a:cs typeface="Arial" pitchFamily="34" charset="0"/>
               </a:rPr>
-              <a:t>des amélioration et du rapport SEO</a:t>
-            </a:r>
-            <a:endParaRPr lang="fr-FR" sz="3200" b="1" spc="-150" dirty="0" smtClean="0">
-              <a:solidFill>
-                <a:srgbClr val="FFFF00"/>
-              </a:solidFill>
-              <a:effectLst>
-                <a:outerShdw blurRad="38100" dist="38100" dir="2700000" algn="tl">
-                  <a:srgbClr val="000000">
-                    <a:alpha val="43137"/>
-                  </a:srgbClr>
-                </a:outerShdw>
-              </a:effectLst>
-              <a:latin typeface="Arial" pitchFamily="34" charset="0"/>
-              <a:cs typeface="Arial" pitchFamily="34" charset="0"/>
-            </a:endParaRPr>
+              <a:t>du </a:t>
+            </a:r>
+            <a:r>
+              <a:rPr lang="fr-FR" sz="3200" b="1" spc="-150" dirty="0" smtClean="0">
+                <a:solidFill>
+                  <a:srgbClr val="FFFF00"/>
+                </a:solidFill>
+                <a:effectLst>
+                  <a:outerShdw blurRad="38100" dist="38100" dir="2700000" algn="tl">
+                    <a:srgbClr val="000000">
+                      <a:alpha val="43137"/>
+                    </a:srgbClr>
+                  </a:outerShdw>
+                </a:effectLst>
+                <a:latin typeface="Arial" pitchFamily="34" charset="0"/>
+                <a:cs typeface="Arial" pitchFamily="34" charset="0"/>
+              </a:rPr>
+              <a:t>rapport SEO</a:t>
+            </a:r>
           </a:p>
           <a:p>
             <a:pPr algn="ctr">
@@ -5943,24 +5801,7 @@
                 <a:latin typeface="Arial" pitchFamily="34" charset="0"/>
                 <a:cs typeface="Arial" pitchFamily="34" charset="0"/>
               </a:rPr>
-              <a:t>3)Démonstration </a:t>
-            </a:r>
-            <a:r>
-              <a:rPr lang="fr-FR" sz="3200" b="1" spc="-150" dirty="0" smtClean="0">
-                <a:solidFill>
-                  <a:srgbClr val="FFFF00"/>
-                </a:solidFill>
-                <a:effectLst>
-                  <a:outerShdw blurRad="38100" dist="38100" dir="2700000" algn="tl">
-                    <a:srgbClr val="000000">
-                      <a:alpha val="43137"/>
-                    </a:srgbClr>
-                  </a:outerShdw>
-                </a:effectLst>
-                <a:latin typeface="Arial" pitchFamily="34" charset="0"/>
-                <a:cs typeface="Arial" pitchFamily="34" charset="0"/>
-              </a:rPr>
-              <a:t>des modifications réalisées</a:t>
+              <a:t>3)Démonstration des modifications réalisées</a:t>
             </a:r>
           </a:p>
           <a:p>
@@ -5985,10 +5826,10 @@
                 <a:latin typeface="Arial" pitchFamily="34" charset="0"/>
                 <a:cs typeface="Arial" pitchFamily="34" charset="0"/>
               </a:rPr>
-              <a:t>4)</a:t>
-            </a:r>
-            <a:r>
-              <a:rPr lang="fr-FR" sz="3200" b="1" spc="-150" dirty="0" err="1" smtClean="0">
+              <a:t>4)Validation </a:t>
+            </a:r>
+            <a:r>
+              <a:rPr lang="fr-FR" sz="3200" b="1" spc="-150" dirty="0" smtClean="0">
                 <a:solidFill>
                   <a:srgbClr val="FFFF00"/>
                 </a:solidFill>
@@ -6002,39 +5843,8 @@
                 <a:latin typeface="Arial" pitchFamily="34" charset="0"/>
                 <a:cs typeface="Arial" pitchFamily="34" charset="0"/>
               </a:rPr>
-              <a:t>Vlidation</a:t>
-            </a:r>
-            <a:r>
-              <a:rPr lang="fr-FR" sz="3200" b="1" spc="-150" dirty="0" smtClean="0">
-                <a:solidFill>
-                  <a:srgbClr val="FFFF00"/>
-                </a:solidFill>
-                <a:effectLst>
-                  <a:outerShdw blurRad="38100" dist="38100" dir="2700000" algn="tl">
-                    <a:srgbClr val="000000">
-                      <a:alpha val="43137"/>
-                    </a:srgbClr>
-                  </a:outerShdw>
-                </a:effectLst>
-                <a:latin typeface="Arial" pitchFamily="34" charset="0"/>
-                <a:cs typeface="Arial" pitchFamily="34" charset="0"/>
-              </a:rPr>
-              <a:t> du code au W3C( HTML ET CSS)</a:t>
-            </a:r>
-            <a:endParaRPr lang="fr-FR" sz="3200" b="1" spc="-150" dirty="0" smtClean="0">
-              <a:solidFill>
-                <a:srgbClr val="FFFF00"/>
-              </a:solidFill>
-              <a:effectLst>
-                <a:outerShdw blurRad="38100" dist="38100" dir="2700000" algn="tl">
-                  <a:srgbClr val="000000">
-                    <a:alpha val="43137"/>
-                  </a:srgbClr>
-                </a:outerShdw>
-              </a:effectLst>
-              <a:latin typeface="Arial" pitchFamily="34" charset="0"/>
-              <a:cs typeface="Arial" pitchFamily="34" charset="0"/>
-            </a:endParaRPr>
+              <a:t>du code au W3C( HTML ET CSS)</a:t>
+            </a:r>
           </a:p>
           <a:p>
             <a:pPr algn="ctr">
@@ -6058,39 +5868,8 @@
                 <a:latin typeface="Arial" pitchFamily="34" charset="0"/>
                 <a:cs typeface="Arial" pitchFamily="34" charset="0"/>
               </a:rPr>
-              <a:t>5</a:t>
-            </a:r>
-            <a:r>
-              <a:rPr lang="fr-FR" sz="3200" b="1" spc="-150" dirty="0" smtClean="0">
-                <a:solidFill>
-                  <a:srgbClr val="FFFF00"/>
-                </a:solidFill>
-                <a:effectLst>
-                  <a:outerShdw blurRad="38100" dist="38100" dir="2700000" algn="tl">
-                    <a:srgbClr val="000000">
-                      <a:alpha val="43137"/>
-                    </a:srgbClr>
-                  </a:outerShdw>
-                </a:effectLst>
-                <a:latin typeface="Arial" pitchFamily="34" charset="0"/>
-                <a:cs typeface="Arial" pitchFamily="34" charset="0"/>
-              </a:rPr>
-              <a:t>)Bilan</a:t>
-            </a:r>
-            <a:endParaRPr lang="fr-FR" sz="3200" b="1" spc="-150" dirty="0" smtClean="0">
-              <a:solidFill>
-                <a:srgbClr val="FFFF00"/>
-              </a:solidFill>
-              <a:effectLst>
-                <a:outerShdw blurRad="38100" dist="38100" dir="2700000" algn="tl">
-                  <a:srgbClr val="000000">
-                    <a:alpha val="43137"/>
-                  </a:srgbClr>
-                </a:outerShdw>
-              </a:effectLst>
-              <a:latin typeface="Arial" pitchFamily="34" charset="0"/>
-              <a:cs typeface="Arial" pitchFamily="34" charset="0"/>
-            </a:endParaRPr>
+              <a:t>5)Bilan</a:t>
+            </a:r>
           </a:p>
           <a:p>
             <a:pPr>
@@ -6130,7 +5909,7 @@
     <a:masterClrMapping/>
   </p:clrMapOvr>
   <mc:AlternateContent xmlns:mc="http://schemas.openxmlformats.org/markup-compatibility/2006">
-    <mc:Choice xmlns="" xmlns:p14="http://schemas.microsoft.com/office/powerpoint/2010/main" Requires="p14">
+    <mc:Choice xmlns:p14="http://schemas.microsoft.com/office/powerpoint/2010/main" xmlns="" Requires="p14">
       <p:transition spd="slow" p14:dur="3400">
         <p14:reveal/>
       </p:transition>
@@ -6173,7 +5952,7 @@
           <p:cNvPr id="2" name="Titre 1">
             <a:extLst>
               <a:ext uri="{FF2B5EF4-FFF2-40B4-BE49-F238E27FC236}">
-                <a16:creationId xmlns="" xmlns:a16="http://schemas.microsoft.com/office/drawing/2014/main" id="{947A8FAD-F2B5-3F3D-ADC3-B921F2E6EA46}"/>
+                <a16:creationId xmlns:a16="http://schemas.microsoft.com/office/drawing/2014/main" xmlns="" id="{947A8FAD-F2B5-3F3D-ADC3-B921F2E6EA46}"/>
               </a:ext>
             </a:extLst>
           </p:cNvPr>
@@ -6262,24 +6041,7 @@
                 <a:latin typeface="Arial" pitchFamily="34" charset="0"/>
                 <a:cs typeface="Arial" pitchFamily="34" charset="0"/>
               </a:rPr>
-              <a:t>1)Analyse des </a:t>
-            </a:r>
-            <a:r>
-              <a:rPr lang="fr-FR" sz="3100" b="1" u="sng" spc="-150" dirty="0" smtClean="0">
-                <a:solidFill>
-                  <a:srgbClr val="FF0000"/>
-                </a:solidFill>
-                <a:effectLst>
-                  <a:outerShdw blurRad="38100" dist="38100" dir="2700000" algn="tl">
-                    <a:srgbClr val="000000">
-                      <a:alpha val="43137"/>
-                    </a:srgbClr>
-                  </a:outerShdw>
-                </a:effectLst>
-                <a:latin typeface="Arial" pitchFamily="34" charset="0"/>
-                <a:cs typeface="Arial" pitchFamily="34" charset="0"/>
-              </a:rPr>
-              <a:t>besoins ET DE L’ETAT ACTUEL DU SEO  DU SITE</a:t>
+              <a:t>1)Analyse des besoins ET DE L’ETAT ACTUEL DU SEO  DU SITE</a:t>
             </a:r>
             <a:r>
               <a:rPr lang="fr-FR" sz="3600" b="1" u="sng" spc="-150" dirty="0" smtClean="0">
@@ -6415,7 +6177,7 @@
         <p:spPr>
           <a:xfrm>
             <a:off x="0" y="819808"/>
-            <a:ext cx="12192000" cy="3554819"/>
+            <a:ext cx="12192000" cy="4201150"/>
           </a:xfrm>
           <a:prstGeom prst="rect">
             <a:avLst/>
@@ -6429,6 +6191,27 @@
             <a:spAutoFit/>
           </a:bodyPr>
           <a:lstStyle/>
+          <a:p>
+            <a:pPr algn="ctr">
+              <a:lnSpc>
+                <a:spcPct val="150000"/>
+              </a:lnSpc>
+            </a:pPr>
+            <a:endParaRPr lang="fr-FR" sz="2800" b="1" u="sng" dirty="0" smtClean="0">
+              <a:solidFill>
+                <a:srgbClr val="FFFF00"/>
+              </a:solidFill>
+              <a:effectLst>
+                <a:outerShdw blurRad="38100" dist="38100" dir="2700000" algn="tl">
+                  <a:srgbClr val="000000">
+                    <a:alpha val="43137"/>
+                  </a:srgbClr>
+                </a:outerShdw>
+              </a:effectLst>
+              <a:latin typeface="Arial" pitchFamily="34" charset="0"/>
+              <a:cs typeface="Arial" pitchFamily="34" charset="0"/>
+            </a:endParaRPr>
+          </a:p>
           <a:p>
             <a:pPr algn="ctr">
               <a:lnSpc>
@@ -6653,7 +6436,7 @@
     </p:spTree>
     <p:extLst>
       <p:ext uri="{BB962C8B-B14F-4D97-AF65-F5344CB8AC3E}">
-        <p14:creationId xmlns="" xmlns:p14="http://schemas.microsoft.com/office/powerpoint/2010/main" val="2175934190"/>
+        <p14:creationId xmlns:p14="http://schemas.microsoft.com/office/powerpoint/2010/main" xmlns="" val="2175934190"/>
       </p:ext>
     </p:extLst>
   </p:cSld>
@@ -6661,7 +6444,7 @@
     <a:masterClrMapping/>
   </p:clrMapOvr>
   <mc:AlternateContent xmlns:mc="http://schemas.openxmlformats.org/markup-compatibility/2006">
-    <mc:Choice xmlns="" xmlns:p14="http://schemas.microsoft.com/office/powerpoint/2010/main" Requires="p14">
+    <mc:Choice xmlns:p14="http://schemas.microsoft.com/office/powerpoint/2010/main" xmlns="" Requires="p14">
       <p:transition spd="slow" p14:dur="3400">
         <p14:reveal/>
       </p:transition>
@@ -6701,7 +6484,204 @@
       </p:grpSpPr>
       <p:sp>
         <p:nvSpPr>
-          <p:cNvPr id="4" name="Espace réservé du numéro de diapositive 3"/>
+          <p:cNvPr id="2" name="Titre 1">
+            <a:extLst>
+              <a:ext uri="{FF2B5EF4-FFF2-40B4-BE49-F238E27FC236}">
+                <a16:creationId xmlns:a16="http://schemas.microsoft.com/office/drawing/2014/main" xmlns="" id="{947A8FAD-F2B5-3F3D-ADC3-B921F2E6EA46}"/>
+              </a:ext>
+            </a:extLst>
+          </p:cNvPr>
+          <p:cNvSpPr>
+            <a:spLocks noGrp="1"/>
+          </p:cNvSpPr>
+          <p:nvPr>
+            <p:ph type="title"/>
+          </p:nvPr>
+        </p:nvSpPr>
+        <p:spPr>
+          <a:xfrm>
+            <a:off x="0" y="204952"/>
+            <a:ext cx="12192000" cy="614855"/>
+          </a:xfrm>
+        </p:spPr>
+        <p:txBody>
+          <a:bodyPr>
+            <a:normAutofit fontScale="90000"/>
+          </a:bodyPr>
+          <a:lstStyle/>
+          <a:p>
+            <a:pPr algn="ctr">
+              <a:lnSpc>
+                <a:spcPct val="150000"/>
+              </a:lnSpc>
+            </a:pPr>
+            <a:r>
+              <a:rPr lang="fr-FR" sz="3600" b="1" dirty="0" smtClean="0">
+                <a:solidFill>
+                  <a:schemeClr val="tx2">
+                    <a:lumMod val="10000"/>
+                  </a:schemeClr>
+                </a:solidFill>
+                <a:latin typeface="Arial" pitchFamily="34" charset="0"/>
+                <a:cs typeface="Arial" pitchFamily="34" charset="0"/>
+              </a:rPr>
+              <a:t/>
+            </a:r>
+            <a:br>
+              <a:rPr lang="fr-FR" sz="3600" b="1" dirty="0" smtClean="0">
+                <a:solidFill>
+                  <a:schemeClr val="tx2">
+                    <a:lumMod val="10000"/>
+                  </a:schemeClr>
+                </a:solidFill>
+                <a:latin typeface="Arial" pitchFamily="34" charset="0"/>
+                <a:cs typeface="Arial" pitchFamily="34" charset="0"/>
+              </a:rPr>
+            </a:br>
+            <a:r>
+              <a:rPr lang="fr-FR" sz="3600" b="1" dirty="0" smtClean="0">
+                <a:solidFill>
+                  <a:schemeClr val="tx2">
+                    <a:lumMod val="10000"/>
+                  </a:schemeClr>
+                </a:solidFill>
+                <a:latin typeface="Arial" pitchFamily="34" charset="0"/>
+                <a:cs typeface="Arial" pitchFamily="34" charset="0"/>
+              </a:rPr>
+              <a:t/>
+            </a:r>
+            <a:br>
+              <a:rPr lang="fr-FR" sz="3600" b="1" dirty="0" smtClean="0">
+                <a:solidFill>
+                  <a:schemeClr val="tx2">
+                    <a:lumMod val="10000"/>
+                  </a:schemeClr>
+                </a:solidFill>
+                <a:latin typeface="Arial" pitchFamily="34" charset="0"/>
+                <a:cs typeface="Arial" pitchFamily="34" charset="0"/>
+              </a:rPr>
+            </a:br>
+            <a:r>
+              <a:rPr lang="fr-FR" sz="3100" b="1" u="sng" spc="-150" dirty="0" smtClean="0">
+                <a:solidFill>
+                  <a:srgbClr val="FF0000"/>
+                </a:solidFill>
+                <a:effectLst>
+                  <a:outerShdw blurRad="38100" dist="38100" dir="2700000" algn="tl">
+                    <a:srgbClr val="000000">
+                      <a:alpha val="43137"/>
+                    </a:srgbClr>
+                  </a:outerShdw>
+                </a:effectLst>
+                <a:latin typeface="Arial" pitchFamily="34" charset="0"/>
+                <a:cs typeface="Arial" pitchFamily="34" charset="0"/>
+              </a:rPr>
+              <a:t>1)Analyse des besoins ET DE L’ETAT ACTUEL DU SEO  DU SITE</a:t>
+            </a:r>
+            <a:r>
+              <a:rPr lang="fr-FR" sz="3600" b="1" u="sng" spc="-150" dirty="0" smtClean="0">
+                <a:solidFill>
+                  <a:schemeClr val="tx2">
+                    <a:lumMod val="10000"/>
+                  </a:schemeClr>
+                </a:solidFill>
+                <a:effectLst>
+                  <a:outerShdw blurRad="38100" dist="38100" dir="2700000" algn="tl">
+                    <a:srgbClr val="000000">
+                      <a:alpha val="43137"/>
+                    </a:srgbClr>
+                  </a:outerShdw>
+                </a:effectLst>
+                <a:latin typeface="Arial" pitchFamily="34" charset="0"/>
+                <a:cs typeface="Arial" pitchFamily="34" charset="0"/>
+              </a:rPr>
+              <a:t/>
+            </a:r>
+            <a:br>
+              <a:rPr lang="fr-FR" sz="3600" b="1" u="sng" spc="-150" dirty="0" smtClean="0">
+                <a:solidFill>
+                  <a:schemeClr val="tx2">
+                    <a:lumMod val="10000"/>
+                  </a:schemeClr>
+                </a:solidFill>
+                <a:effectLst>
+                  <a:outerShdw blurRad="38100" dist="38100" dir="2700000" algn="tl">
+                    <a:srgbClr val="000000">
+                      <a:alpha val="43137"/>
+                    </a:srgbClr>
+                  </a:outerShdw>
+                </a:effectLst>
+                <a:latin typeface="Arial" pitchFamily="34" charset="0"/>
+                <a:cs typeface="Arial" pitchFamily="34" charset="0"/>
+              </a:rPr>
+            </a:br>
+            <a:r>
+              <a:rPr lang="fr-FR" sz="3600" b="1" dirty="0" smtClean="0">
+                <a:solidFill>
+                  <a:schemeClr val="tx2">
+                    <a:lumMod val="10000"/>
+                  </a:schemeClr>
+                </a:solidFill>
+                <a:latin typeface="Arial" pitchFamily="34" charset="0"/>
+                <a:cs typeface="Arial" pitchFamily="34" charset="0"/>
+              </a:rPr>
+              <a:t/>
+            </a:r>
+            <a:br>
+              <a:rPr lang="fr-FR" sz="3600" b="1" dirty="0" smtClean="0">
+                <a:solidFill>
+                  <a:schemeClr val="tx2">
+                    <a:lumMod val="10000"/>
+                  </a:schemeClr>
+                </a:solidFill>
+                <a:latin typeface="Arial" pitchFamily="34" charset="0"/>
+                <a:cs typeface="Arial" pitchFamily="34" charset="0"/>
+              </a:rPr>
+            </a:br>
+            <a:r>
+              <a:rPr lang="fr-FR" sz="2400" b="1" u="sng" dirty="0">
+                <a:effectLst>
+                  <a:outerShdw blurRad="38100" dist="38100" dir="2700000" algn="tl">
+                    <a:srgbClr val="000000">
+                      <a:alpha val="43137"/>
+                    </a:srgbClr>
+                  </a:outerShdw>
+                </a:effectLst>
+                <a:latin typeface="Arial" panose="020B0604020202020204" pitchFamily="34" charset="0"/>
+                <a:cs typeface="Arial" panose="020B0604020202020204" pitchFamily="34" charset="0"/>
+              </a:rPr>
+              <a:t/>
+            </a:r>
+            <a:br>
+              <a:rPr lang="fr-FR" sz="2400" b="1" u="sng" dirty="0">
+                <a:effectLst>
+                  <a:outerShdw blurRad="38100" dist="38100" dir="2700000" algn="tl">
+                    <a:srgbClr val="000000">
+                      <a:alpha val="43137"/>
+                    </a:srgbClr>
+                  </a:outerShdw>
+                </a:effectLst>
+                <a:latin typeface="Arial" panose="020B0604020202020204" pitchFamily="34" charset="0"/>
+                <a:cs typeface="Arial" panose="020B0604020202020204" pitchFamily="34" charset="0"/>
+              </a:rPr>
+            </a:br>
+            <a:endParaRPr lang="fr-FR" sz="2400" dirty="0">
+              <a:effectLst>
+                <a:outerShdw blurRad="38100" dist="38100" dir="2700000" algn="tl">
+                  <a:srgbClr val="000000">
+                    <a:alpha val="43137"/>
+                  </a:srgbClr>
+                </a:outerShdw>
+              </a:effectLst>
+              <a:latin typeface="Arial" panose="020B0604020202020204" pitchFamily="34" charset="0"/>
+              <a:cs typeface="Arial" panose="020B0604020202020204" pitchFamily="34" charset="0"/>
+            </a:endParaRPr>
+          </a:p>
+        </p:txBody>
+      </p:sp>
+      <p:sp>
+        <p:nvSpPr>
+          <p:cNvPr id="7" name="Espace réservé du numéro de diapositive 6"/>
           <p:cNvSpPr>
             <a:spLocks noGrp="1"/>
           </p:cNvSpPr>
@@ -6725,19 +6705,21 @@
       </p:sp>
       <p:sp>
         <p:nvSpPr>
-          <p:cNvPr id="10" name="ZoneTexte 9"/>
+          <p:cNvPr id="5" name="ZoneTexte 4"/>
           <p:cNvSpPr txBox="1"/>
           <p:nvPr/>
         </p:nvSpPr>
         <p:spPr>
           <a:xfrm>
-            <a:off x="488732" y="3389586"/>
-            <a:ext cx="2175641" cy="369332"/>
+            <a:off x="0" y="662153"/>
+            <a:ext cx="12192000" cy="5309146"/>
           </a:xfrm>
           <a:prstGeom prst="rect">
             <a:avLst/>
           </a:prstGeom>
-          <a:noFill/>
+          <a:solidFill>
+            <a:srgbClr val="00B0F0"/>
+          </a:solidFill>
         </p:spPr>
         <p:txBody>
           <a:bodyPr wrap="square" rtlCol="0">
@@ -6745,282 +6727,205 @@
           </a:bodyPr>
           <a:lstStyle/>
           <a:p>
-            <a:endParaRPr lang="fr-FR" dirty="0"/>
-          </a:p>
-        </p:txBody>
-      </p:sp>
-      <p:sp>
-        <p:nvSpPr>
-          <p:cNvPr id="13" name="Titre 12"/>
-          <p:cNvSpPr>
-            <a:spLocks noGrp="1"/>
-          </p:cNvSpPr>
-          <p:nvPr>
-            <p:ph type="title"/>
-          </p:nvPr>
-        </p:nvSpPr>
-        <p:spPr>
-          <a:xfrm>
-            <a:off x="4" y="204952"/>
-            <a:ext cx="12191996" cy="1071658"/>
-          </a:xfrm>
-        </p:spPr>
-        <p:txBody>
-          <a:bodyPr>
-            <a:noAutofit/>
-          </a:bodyPr>
-          <a:lstStyle/>
-          <a:p>
-            <a:pPr algn="ctr"/>
-            <a:r>
-              <a:rPr lang="fr-FR" sz="2800" b="1" u="sng" spc="-150" dirty="0" smtClean="0">
-                <a:solidFill>
-                  <a:srgbClr val="FF0000"/>
-                </a:solidFill>
-                <a:effectLst>
-                  <a:outerShdw blurRad="38100" dist="38100" dir="2700000" algn="tl">
-                    <a:srgbClr val="000000">
-                      <a:alpha val="43137"/>
-                    </a:srgbClr>
-                  </a:outerShdw>
-                </a:effectLst>
-                <a:latin typeface="Arial" pitchFamily="34" charset="0"/>
-                <a:cs typeface="Arial" pitchFamily="34" charset="0"/>
-              </a:rPr>
-              <a:t>2</a:t>
-            </a:r>
-            <a:r>
-              <a:rPr lang="fr-FR" sz="2800" b="1" u="sng" spc="-150" smtClean="0">
-                <a:solidFill>
-                  <a:srgbClr val="FF0000"/>
-                </a:solidFill>
-                <a:effectLst>
-                  <a:outerShdw blurRad="38100" dist="38100" dir="2700000" algn="tl">
-                    <a:srgbClr val="000000">
-                      <a:alpha val="43137"/>
-                    </a:srgbClr>
-                  </a:outerShdw>
-                </a:effectLst>
-                <a:latin typeface="Arial" pitchFamily="34" charset="0"/>
-                <a:cs typeface="Arial" pitchFamily="34" charset="0"/>
-              </a:rPr>
-              <a:t>) </a:t>
-            </a:r>
-            <a:r>
-              <a:rPr lang="fr-FR" sz="2800" b="1" u="sng" spc="-150" dirty="0" err="1" smtClean="0">
-                <a:solidFill>
-                  <a:srgbClr val="FF0000"/>
-                </a:solidFill>
-                <a:effectLst>
-                  <a:outerShdw blurRad="38100" dist="38100" dir="2700000" algn="tl">
-                    <a:srgbClr val="000000">
-                      <a:alpha val="43137"/>
-                    </a:srgbClr>
-                  </a:outerShdw>
-                </a:effectLst>
-                <a:latin typeface="Arial" pitchFamily="34" charset="0"/>
-                <a:cs typeface="Arial" pitchFamily="34" charset="0"/>
-              </a:rPr>
-              <a:t>Presentation</a:t>
-            </a:r>
-            <a:r>
-              <a:rPr lang="fr-FR" sz="2800" b="1" u="sng" spc="-150" dirty="0" smtClean="0">
-                <a:solidFill>
-                  <a:srgbClr val="FF0000"/>
-                </a:solidFill>
-                <a:effectLst>
-                  <a:outerShdw blurRad="38100" dist="38100" dir="2700000" algn="tl">
-                    <a:srgbClr val="000000">
-                      <a:alpha val="43137"/>
-                    </a:srgbClr>
-                  </a:outerShdw>
-                </a:effectLst>
-                <a:latin typeface="Arial" pitchFamily="34" charset="0"/>
-                <a:cs typeface="Arial" pitchFamily="34" charset="0"/>
-              </a:rPr>
-              <a:t>  du  code</a:t>
-            </a:r>
-            <a:r>
-              <a:rPr lang="fr-FR" sz="2800" b="1" u="sng" spc="-150" dirty="0" smtClean="0">
-                <a:solidFill>
-                  <a:schemeClr val="tx2">
-                    <a:lumMod val="10000"/>
-                  </a:schemeClr>
-                </a:solidFill>
-                <a:effectLst>
-                  <a:outerShdw blurRad="38100" dist="38100" dir="2700000" algn="tl">
-                    <a:srgbClr val="000000">
-                      <a:alpha val="43137"/>
-                    </a:srgbClr>
-                  </a:outerShdw>
-                </a:effectLst>
-                <a:latin typeface="Arial" pitchFamily="34" charset="0"/>
-                <a:cs typeface="Arial" pitchFamily="34" charset="0"/>
-              </a:rPr>
-              <a:t/>
-            </a:r>
-            <a:br>
-              <a:rPr lang="fr-FR" sz="2800" b="1" u="sng" spc="-150" dirty="0" smtClean="0">
-                <a:solidFill>
-                  <a:schemeClr val="tx2">
-                    <a:lumMod val="10000"/>
-                  </a:schemeClr>
-                </a:solidFill>
-                <a:effectLst>
-                  <a:outerShdw blurRad="38100" dist="38100" dir="2700000" algn="tl">
-                    <a:srgbClr val="000000">
-                      <a:alpha val="43137"/>
-                    </a:srgbClr>
-                  </a:outerShdw>
-                </a:effectLst>
-                <a:latin typeface="Arial" pitchFamily="34" charset="0"/>
-                <a:cs typeface="Arial" pitchFamily="34" charset="0"/>
-              </a:rPr>
-            </a:br>
-            <a:endParaRPr lang="fr-FR" sz="2800" u="sng" dirty="0"/>
-          </a:p>
-        </p:txBody>
-      </p:sp>
-      <p:sp>
-        <p:nvSpPr>
-          <p:cNvPr id="7" name="Rectangle 1"/>
-          <p:cNvSpPr>
-            <a:spLocks noChangeArrowheads="1"/>
-          </p:cNvSpPr>
-          <p:nvPr/>
-        </p:nvSpPr>
-        <p:spPr bwMode="auto">
-          <a:xfrm>
-            <a:off x="0" y="835573"/>
-            <a:ext cx="12192000" cy="400110"/>
-          </a:xfrm>
-          <a:prstGeom prst="rect">
-            <a:avLst/>
-          </a:prstGeom>
-          <a:noFill/>
-          <a:ln w="9525">
-            <a:noFill/>
-            <a:miter lim="800000"/>
-            <a:headEnd/>
-            <a:tailEnd/>
-          </a:ln>
-          <a:effectLst/>
-        </p:spPr>
-        <p:txBody>
-          <a:bodyPr vert="horz" wrap="square" lIns="91440" tIns="45720" rIns="91440" bIns="45720" numCol="1" anchor="ctr" anchorCtr="0" compatLnSpc="1">
-            <a:prstTxWarp prst="textNoShape">
-              <a:avLst/>
-            </a:prstTxWarp>
-            <a:spAutoFit/>
-          </a:bodyPr>
-          <a:lstStyle/>
-          <a:p>
-            <a:pPr marL="0" marR="0" lvl="0" indent="0" algn="ctr" defTabSz="914400" rtl="0" eaLnBrk="1" fontAlgn="base" latinLnBrk="0" hangingPunct="1">
+            <a:pPr algn="ctr">
               <a:lnSpc>
-                <a:spcPct val="100000"/>
+                <a:spcPct val="150000"/>
               </a:lnSpc>
-              <a:spcBef>
-                <a:spcPct val="0"/>
-              </a:spcBef>
-              <a:spcAft>
-                <a:spcPct val="0"/>
-              </a:spcAft>
-              <a:buClrTx/>
-              <a:buSzTx/>
-              <a:buFontTx/>
-              <a:buNone/>
-              <a:tabLst/>
             </a:pPr>
-            <a:r>
-              <a:rPr kumimoji="0" lang="fr-FR" sz="2000" b="1" i="0" u="sng" strike="noStrike" cap="none" normalizeH="0" baseline="0" dirty="0" smtClean="0">
-                <a:ln>
-                  <a:noFill/>
-                </a:ln>
-                <a:solidFill>
-                  <a:srgbClr val="FF0000"/>
-                </a:solidFill>
-                <a:effectLst/>
-                <a:latin typeface="Arial Black" pitchFamily="34" charset="0"/>
-                <a:ea typeface="MS Gothic" pitchFamily="49" charset="-128"/>
-                <a:cs typeface="MS Gothic" pitchFamily="49" charset="-128"/>
-              </a:rPr>
-              <a:t>Utilisation des </a:t>
-            </a:r>
-            <a:r>
-              <a:rPr kumimoji="0" lang="fr-FR" sz="2000" b="1" i="0" u="sng" strike="noStrike" cap="none" normalizeH="0" baseline="0" dirty="0" err="1" smtClean="0">
-                <a:ln>
-                  <a:noFill/>
-                </a:ln>
-                <a:solidFill>
-                  <a:srgbClr val="FF0000"/>
-                </a:solidFill>
-                <a:effectLst/>
-                <a:latin typeface="Arial Black" pitchFamily="34" charset="0"/>
-                <a:ea typeface="MS Gothic" pitchFamily="49" charset="-128"/>
-                <a:cs typeface="MS Gothic" pitchFamily="49" charset="-128"/>
-              </a:rPr>
-              <a:t>keyframes</a:t>
-            </a:r>
-            <a:r>
-              <a:rPr kumimoji="0" lang="fr-FR" sz="2000" b="1" i="0" u="sng" strike="noStrike" cap="none" normalizeH="0" baseline="0" dirty="0" smtClean="0">
-                <a:ln>
-                  <a:noFill/>
-                </a:ln>
-                <a:solidFill>
-                  <a:srgbClr val="FF0000"/>
-                </a:solidFill>
-                <a:effectLst/>
-                <a:latin typeface="Arial Black" pitchFamily="34" charset="0"/>
-                <a:ea typeface="MS Gothic" pitchFamily="49" charset="-128"/>
-                <a:cs typeface="MS Gothic" pitchFamily="49" charset="-128"/>
-              </a:rPr>
-              <a:t> et animations+COMPILATION SASS EN CSS</a:t>
-            </a:r>
-            <a:endParaRPr kumimoji="0" lang="fr-FR" sz="2000" b="0" i="0" u="none" strike="noStrike" cap="none" normalizeH="0" baseline="0" dirty="0" smtClean="0">
-              <a:ln>
-                <a:noFill/>
-              </a:ln>
+            <a:endParaRPr lang="fr-FR" sz="2800" b="1" u="sng" dirty="0" smtClean="0">
               <a:solidFill>
-                <a:schemeClr val="tx1"/>
+                <a:schemeClr val="bg1"/>
               </a:solidFill>
-              <a:effectLst/>
+              <a:effectLst>
+                <a:outerShdw blurRad="38100" dist="38100" dir="2700000" algn="tl">
+                  <a:srgbClr val="000000">
+                    <a:alpha val="43137"/>
+                  </a:srgbClr>
+                </a:outerShdw>
+              </a:effectLst>
               <a:latin typeface="Arial" pitchFamily="34" charset="0"/>
               <a:cs typeface="Arial" pitchFamily="34" charset="0"/>
             </a:endParaRPr>
           </a:p>
-        </p:txBody>
-      </p:sp>
-      <p:pic>
-        <p:nvPicPr>
-          <p:cNvPr id="8" name="Image 7" descr="utilisation sass.png"/>
-          <p:cNvPicPr>
-            <a:picLocks noChangeAspect="1"/>
-          </p:cNvPicPr>
-          <p:nvPr/>
-        </p:nvPicPr>
-        <p:blipFill>
-          <a:blip r:embed="rId2"/>
-          <a:stretch>
-            <a:fillRect/>
-          </a:stretch>
-        </p:blipFill>
-        <p:spPr>
-          <a:xfrm>
-            <a:off x="283779" y="1481959"/>
-            <a:ext cx="11671739" cy="5166999"/>
-          </a:xfrm>
-          <a:prstGeom prst="rect">
-            <a:avLst/>
-          </a:prstGeom>
-        </p:spPr>
-      </p:pic>
+          <a:p>
+            <a:pPr algn="ctr">
+              <a:lnSpc>
+                <a:spcPct val="150000"/>
+              </a:lnSpc>
+            </a:pPr>
+            <a:r>
+              <a:rPr lang="fr-FR" sz="2800" b="1" u="sng" dirty="0" smtClean="0">
+                <a:solidFill>
+                  <a:schemeClr val="bg1"/>
+                </a:solidFill>
+                <a:effectLst>
+                  <a:outerShdw blurRad="38100" dist="38100" dir="2700000" algn="tl">
+                    <a:srgbClr val="000000">
+                      <a:alpha val="43137"/>
+                    </a:srgbClr>
+                  </a:outerShdw>
+                </a:effectLst>
+                <a:latin typeface="Arial" pitchFamily="34" charset="0"/>
+                <a:cs typeface="Arial" pitchFamily="34" charset="0"/>
+              </a:rPr>
+              <a:t>Outils utilisés pour analyse du SEO:</a:t>
+            </a:r>
+          </a:p>
+          <a:p>
+            <a:pPr algn="ctr">
+              <a:lnSpc>
+                <a:spcPct val="150000"/>
+              </a:lnSpc>
+            </a:pPr>
+            <a:endParaRPr lang="fr-FR" sz="2800" b="1" u="sng" dirty="0" smtClean="0">
+              <a:solidFill>
+                <a:srgbClr val="FFFF00"/>
+              </a:solidFill>
+              <a:effectLst>
+                <a:outerShdw blurRad="38100" dist="38100" dir="2700000" algn="tl">
+                  <a:srgbClr val="000000">
+                    <a:alpha val="43137"/>
+                  </a:srgbClr>
+                </a:outerShdw>
+              </a:effectLst>
+              <a:latin typeface="Arial" pitchFamily="34" charset="0"/>
+              <a:cs typeface="Arial" pitchFamily="34" charset="0"/>
+            </a:endParaRPr>
+          </a:p>
+          <a:p>
+            <a:pPr algn="ctr">
+              <a:lnSpc>
+                <a:spcPct val="150000"/>
+              </a:lnSpc>
+            </a:pPr>
+            <a:r>
+              <a:rPr lang="fr-FR" sz="2800" b="1" u="sng" dirty="0" smtClean="0">
+                <a:solidFill>
+                  <a:srgbClr val="FFFF00"/>
+                </a:solidFill>
+                <a:effectLst>
+                  <a:outerShdw blurRad="38100" dist="38100" dir="2700000" algn="tl">
+                    <a:srgbClr val="000000">
+                      <a:alpha val="43137"/>
+                    </a:srgbClr>
+                  </a:outerShdw>
+                </a:effectLst>
+                <a:latin typeface="Arial" pitchFamily="34" charset="0"/>
+                <a:cs typeface="Arial" pitchFamily="34" charset="0"/>
+              </a:rPr>
+              <a:t>-WEB.DEV pour analyse des critères performance, accessibilité, bonnes pratiques et SEO</a:t>
+            </a:r>
+          </a:p>
+          <a:p>
+            <a:pPr algn="ctr">
+              <a:lnSpc>
+                <a:spcPct val="150000"/>
+              </a:lnSpc>
+            </a:pPr>
+            <a:endParaRPr lang="fr-FR" sz="2800" b="1" u="sng" dirty="0" smtClean="0">
+              <a:solidFill>
+                <a:srgbClr val="FFFF00"/>
+              </a:solidFill>
+              <a:effectLst>
+                <a:outerShdw blurRad="38100" dist="38100" dir="2700000" algn="tl">
+                  <a:srgbClr val="000000">
+                    <a:alpha val="43137"/>
+                  </a:srgbClr>
+                </a:outerShdw>
+              </a:effectLst>
+              <a:latin typeface="Arial" pitchFamily="34" charset="0"/>
+              <a:cs typeface="Arial" pitchFamily="34" charset="0"/>
+            </a:endParaRPr>
+          </a:p>
+          <a:p>
+            <a:pPr algn="ctr">
+              <a:lnSpc>
+                <a:spcPct val="150000"/>
+              </a:lnSpc>
+            </a:pPr>
+            <a:r>
+              <a:rPr lang="fr-FR" sz="2800" b="1" u="sng" dirty="0" smtClean="0">
+                <a:solidFill>
+                  <a:srgbClr val="FFFF00"/>
+                </a:solidFill>
+                <a:effectLst>
+                  <a:outerShdw blurRad="38100" dist="38100" dir="2700000" algn="tl">
+                    <a:srgbClr val="000000">
+                      <a:alpha val="43137"/>
+                    </a:srgbClr>
+                  </a:outerShdw>
+                </a:effectLst>
+                <a:latin typeface="Arial" pitchFamily="34" charset="0"/>
+                <a:cs typeface="Arial" pitchFamily="34" charset="0"/>
+              </a:rPr>
+              <a:t>-WEBAIM pur analyse du contraste du site</a:t>
+            </a:r>
+            <a:endParaRPr lang="fr-FR" sz="2800" b="1" u="sng" dirty="0" smtClean="0">
+              <a:solidFill>
+                <a:srgbClr val="FFFF00"/>
+              </a:solidFill>
+              <a:effectLst>
+                <a:outerShdw blurRad="38100" dist="38100" dir="2700000" algn="tl">
+                  <a:srgbClr val="000000">
+                    <a:alpha val="43137"/>
+                  </a:srgbClr>
+                </a:outerShdw>
+              </a:effectLst>
+              <a:latin typeface="Arial" pitchFamily="34" charset="0"/>
+              <a:cs typeface="Arial" pitchFamily="34" charset="0"/>
+            </a:endParaRPr>
+          </a:p>
+          <a:p>
+            <a:pPr algn="ctr">
+              <a:lnSpc>
+                <a:spcPct val="150000"/>
+              </a:lnSpc>
+            </a:pPr>
+            <a:endParaRPr lang="fr-FR" b="1" dirty="0" smtClean="0">
+              <a:solidFill>
+                <a:schemeClr val="bg1"/>
+              </a:solidFill>
+              <a:effectLst>
+                <a:outerShdw blurRad="38100" dist="38100" dir="2700000" algn="tl">
+                  <a:srgbClr val="000000">
+                    <a:alpha val="43137"/>
+                  </a:srgbClr>
+                </a:outerShdw>
+              </a:effectLst>
+              <a:latin typeface="Arial" pitchFamily="34" charset="0"/>
+              <a:cs typeface="Arial" pitchFamily="34" charset="0"/>
+            </a:endParaRPr>
+          </a:p>
+          <a:p>
+            <a:endParaRPr lang="fr-FR" b="1" dirty="0">
+              <a:solidFill>
+                <a:schemeClr val="bg1"/>
+              </a:solidFill>
+              <a:effectLst>
+                <a:outerShdw blurRad="38100" dist="38100" dir="2700000" algn="tl">
+                  <a:srgbClr val="000000">
+                    <a:alpha val="43137"/>
+                  </a:srgbClr>
+                </a:outerShdw>
+              </a:effectLst>
+              <a:latin typeface="Arial" pitchFamily="34" charset="0"/>
+              <a:cs typeface="Arial" pitchFamily="34" charset="0"/>
+            </a:endParaRPr>
+          </a:p>
+        </p:txBody>
+      </p:sp>
     </p:spTree>
+    <p:extLst>
+      <p:ext uri="{BB962C8B-B14F-4D97-AF65-F5344CB8AC3E}">
+        <p14:creationId xmlns:p14="http://schemas.microsoft.com/office/powerpoint/2010/main" xmlns="" val="2175934190"/>
+      </p:ext>
+    </p:extLst>
   </p:cSld>
   <p:clrMapOvr>
     <a:masterClrMapping/>
   </p:clrMapOvr>
   <mc:AlternateContent xmlns:mc="http://schemas.openxmlformats.org/markup-compatibility/2006">
-    <mc:Choice xmlns="" xmlns:p14="http://schemas.microsoft.com/office/powerpoint/2010/main" Requires="p14">
+    <mc:Choice xmlns:p14="http://schemas.microsoft.com/office/powerpoint/2010/main" xmlns="" Requires="p14">
       <p:transition spd="slow" p14:dur="3400">
         <p14:reveal/>
       </p:transition>
@@ -7120,8 +7025,8 @@
         </p:nvSpPr>
         <p:spPr>
           <a:xfrm>
-            <a:off x="1202925" y="1"/>
-            <a:ext cx="9784080" cy="788276"/>
+            <a:off x="851338" y="252248"/>
+            <a:ext cx="10515599" cy="725213"/>
           </a:xfrm>
         </p:spPr>
         <p:txBody>
@@ -7212,10 +7117,10 @@
                 <a:latin typeface="Arial" pitchFamily="34" charset="0"/>
                 <a:cs typeface="Arial" pitchFamily="34" charset="0"/>
               </a:rPr>
-              <a:t>3)Démonstration</a:t>
-            </a:r>
-            <a:r>
-              <a:rPr lang="fr-FR" sz="3200" b="1" u="sng" spc="-150" dirty="0" smtClean="0">
+              <a:t>2)Présentation </a:t>
+            </a:r>
+            <a:r>
+              <a:rPr lang="fr-FR" sz="2800" b="1" u="sng" spc="-150" dirty="0" smtClean="0">
                 <a:solidFill>
                   <a:srgbClr val="FF0000"/>
                 </a:solidFill>
@@ -7229,14 +7134,45 @@
                 <a:latin typeface="Arial" pitchFamily="34" charset="0"/>
                 <a:cs typeface="Arial" pitchFamily="34" charset="0"/>
               </a:rPr>
-              <a:t> du code</a:t>
-            </a:r>
+              <a:t>du </a:t>
+            </a:r>
+            <a:r>
+              <a:rPr lang="fr-FR" sz="2800" b="1" u="sng" spc="-150" dirty="0" smtClean="0">
+                <a:solidFill>
+                  <a:srgbClr val="FF0000"/>
+                </a:solidFill>
+                <a:effectLst>
+                  <a:outerShdw blurRad="38100" dist="38100" dir="2700000" algn="tl">
+                    <a:srgbClr val="000000">
+                      <a:alpha val="43137"/>
+                    </a:srgbClr>
+                  </a:outerShdw>
+                </a:effectLst>
+                <a:latin typeface="Arial" pitchFamily="34" charset="0"/>
+                <a:cs typeface="Arial" pitchFamily="34" charset="0"/>
+              </a:rPr>
+              <a:t>rapport SEO</a:t>
+            </a:r>
+            <a:br>
+              <a:rPr lang="fr-FR" sz="2800" b="1" u="sng" spc="-150" dirty="0" smtClean="0">
+                <a:solidFill>
+                  <a:srgbClr val="FF0000"/>
+                </a:solidFill>
+                <a:effectLst>
+                  <a:outerShdw blurRad="38100" dist="38100" dir="2700000" algn="tl">
+                    <a:srgbClr val="000000">
+                      <a:alpha val="43137"/>
+                    </a:srgbClr>
+                  </a:outerShdw>
+                </a:effectLst>
+                <a:latin typeface="Arial" pitchFamily="34" charset="0"/>
+                <a:cs typeface="Arial" pitchFamily="34" charset="0"/>
+              </a:rPr>
+            </a:br>
             <a:r>
               <a:rPr lang="fr-FR" b="1" u="sng" spc="-150" dirty="0" smtClean="0">
                 <a:solidFill>
-                  <a:schemeClr val="tx2">
-                    <a:lumMod val="10000"/>
-                  </a:schemeClr>
+                  <a:srgbClr val="FF0000"/>
                 </a:solidFill>
                 <a:effectLst>
                   <a:outerShdw blurRad="38100" dist="38100" dir="2700000" algn="tl">
@@ -7253,9 +7189,7 @@
             <a:br>
               <a:rPr lang="fr-FR" b="1" u="sng" spc="-150" dirty="0" smtClean="0">
                 <a:solidFill>
-                  <a:schemeClr val="tx2">
-                    <a:lumMod val="10000"/>
-                  </a:schemeClr>
+                  <a:srgbClr val="FF0000"/>
                 </a:solidFill>
                 <a:effectLst>
                   <a:outerShdw blurRad="38100" dist="38100" dir="2700000" algn="tl">
@@ -7268,41 +7202,204 @@
                 <a:cs typeface="Arial" pitchFamily="34" charset="0"/>
               </a:rPr>
             </a:br>
-            <a:endParaRPr lang="fr-FR" u="sng" dirty="0"/>
-          </a:p>
-        </p:txBody>
-      </p:sp>
-      <p:pic>
-        <p:nvPicPr>
-          <p:cNvPr id="6" name="Image 5" descr="logo_homme_demo.png"/>
-          <p:cNvPicPr>
-            <a:picLocks noChangeAspect="1"/>
-          </p:cNvPicPr>
+            <a:endParaRPr lang="fr-FR" u="sng" dirty="0">
+              <a:solidFill>
+                <a:srgbClr val="FF0000"/>
+              </a:solidFill>
+            </a:endParaRPr>
+          </a:p>
+        </p:txBody>
+      </p:sp>
+      <p:sp>
+        <p:nvSpPr>
+          <p:cNvPr id="8" name="ZoneTexte 7"/>
+          <p:cNvSpPr txBox="1"/>
           <p:nvPr/>
-        </p:nvPicPr>
-        <p:blipFill>
-          <a:blip r:embed="rId2"/>
-          <a:stretch>
-            <a:fillRect/>
-          </a:stretch>
-        </p:blipFill>
+        </p:nvSpPr>
         <p:spPr>
           <a:xfrm>
-            <a:off x="1513489" y="788276"/>
-            <a:ext cx="9175531" cy="5218385"/>
+            <a:off x="0" y="867105"/>
+            <a:ext cx="12192000" cy="3370153"/>
           </a:xfrm>
           <a:prstGeom prst="rect">
             <a:avLst/>
           </a:prstGeom>
+          <a:solidFill>
+            <a:srgbClr val="00B0F0"/>
+          </a:solidFill>
         </p:spPr>
-      </p:pic>
+        <p:txBody>
+          <a:bodyPr wrap="square" rtlCol="0">
+            <a:spAutoFit/>
+          </a:bodyPr>
+          <a:lstStyle/>
+          <a:p>
+            <a:pPr algn="ctr">
+              <a:lnSpc>
+                <a:spcPct val="150000"/>
+              </a:lnSpc>
+            </a:pPr>
+            <a:endParaRPr lang="fr-FR" sz="2800" b="1" u="sng" dirty="0" smtClean="0">
+              <a:solidFill>
+                <a:schemeClr val="bg1"/>
+              </a:solidFill>
+              <a:effectLst>
+                <a:outerShdw blurRad="38100" dist="38100" dir="2700000" algn="tl">
+                  <a:srgbClr val="000000">
+                    <a:alpha val="43137"/>
+                  </a:srgbClr>
+                </a:outerShdw>
+              </a:effectLst>
+              <a:latin typeface="Arial" pitchFamily="34" charset="0"/>
+              <a:cs typeface="Arial" pitchFamily="34" charset="0"/>
+            </a:endParaRPr>
+          </a:p>
+          <a:p>
+            <a:pPr algn="ctr">
+              <a:lnSpc>
+                <a:spcPct val="150000"/>
+              </a:lnSpc>
+            </a:pPr>
+            <a:r>
+              <a:rPr lang="fr-FR" sz="2800" b="1" u="sng" dirty="0" smtClean="0">
+                <a:solidFill>
+                  <a:srgbClr val="FFFF00"/>
+                </a:solidFill>
+                <a:effectLst>
+                  <a:outerShdw blurRad="38100" dist="38100" dir="2700000" algn="tl">
+                    <a:srgbClr val="000000">
+                      <a:alpha val="43137"/>
+                    </a:srgbClr>
+                  </a:outerShdw>
+                </a:effectLst>
+                <a:latin typeface="Arial" pitchFamily="34" charset="0"/>
+                <a:cs typeface="Arial" pitchFamily="34" charset="0"/>
+              </a:rPr>
+              <a:t>-Taille</a:t>
+            </a:r>
+            <a:r>
+              <a:rPr lang="fr-FR" sz="2800" b="1" u="sng" dirty="0" smtClean="0">
+                <a:solidFill>
+                  <a:srgbClr val="FFFF00"/>
+                </a:solidFill>
+                <a:effectLst>
+                  <a:outerShdw blurRad="38100" dist="38100" dir="2700000" algn="tl">
+                    <a:srgbClr val="000000">
+                      <a:alpha val="43137"/>
+                    </a:srgbClr>
+                  </a:outerShdw>
+                </a:effectLst>
+                <a:latin typeface="Arial" pitchFamily="34" charset="0"/>
+                <a:cs typeface="Arial" pitchFamily="34" charset="0"/>
+              </a:rPr>
+              <a:t> du site</a:t>
+            </a:r>
+          </a:p>
+          <a:p>
+            <a:pPr algn="ctr">
+              <a:lnSpc>
+                <a:spcPct val="150000"/>
+              </a:lnSpc>
+            </a:pPr>
+            <a:r>
+              <a:rPr lang="fr-FR" sz="2800" b="1" u="sng" dirty="0" smtClean="0">
+                <a:solidFill>
+                  <a:srgbClr val="FFFF00"/>
+                </a:solidFill>
+                <a:effectLst>
+                  <a:outerShdw blurRad="38100" dist="38100" dir="2700000" algn="tl">
+                    <a:srgbClr val="000000">
+                      <a:alpha val="43137"/>
+                    </a:srgbClr>
+                  </a:outerShdw>
+                </a:effectLst>
+                <a:latin typeface="Arial" pitchFamily="34" charset="0"/>
+                <a:cs typeface="Arial" pitchFamily="34" charset="0"/>
+              </a:rPr>
+              <a:t>-Modifications réalisées SEO , Accessibilité, Vitesse</a:t>
+            </a:r>
+            <a:endParaRPr lang="fr-FR" sz="2800" b="1" u="sng" dirty="0" smtClean="0">
+              <a:solidFill>
+                <a:srgbClr val="FFFF00"/>
+              </a:solidFill>
+              <a:effectLst>
+                <a:outerShdw blurRad="38100" dist="38100" dir="2700000" algn="tl">
+                  <a:srgbClr val="000000">
+                    <a:alpha val="43137"/>
+                  </a:srgbClr>
+                </a:outerShdw>
+              </a:effectLst>
+              <a:latin typeface="Arial" pitchFamily="34" charset="0"/>
+              <a:cs typeface="Arial" pitchFamily="34" charset="0"/>
+            </a:endParaRPr>
+          </a:p>
+          <a:p>
+            <a:pPr algn="ctr">
+              <a:lnSpc>
+                <a:spcPct val="150000"/>
+              </a:lnSpc>
+            </a:pPr>
+            <a:endParaRPr lang="fr-FR" sz="2800" b="1" u="sng" dirty="0" smtClean="0">
+              <a:solidFill>
+                <a:srgbClr val="FFFF00"/>
+              </a:solidFill>
+              <a:effectLst>
+                <a:outerShdw blurRad="38100" dist="38100" dir="2700000" algn="tl">
+                  <a:srgbClr val="000000">
+                    <a:alpha val="43137"/>
+                  </a:srgbClr>
+                </a:outerShdw>
+              </a:effectLst>
+              <a:latin typeface="Arial" pitchFamily="34" charset="0"/>
+              <a:cs typeface="Arial" pitchFamily="34" charset="0"/>
+            </a:endParaRPr>
+          </a:p>
+          <a:p>
+            <a:pPr algn="ctr">
+              <a:lnSpc>
+                <a:spcPct val="150000"/>
+              </a:lnSpc>
+            </a:pPr>
+            <a:endParaRPr lang="fr-FR" b="1" dirty="0" smtClean="0">
+              <a:solidFill>
+                <a:schemeClr val="bg1"/>
+              </a:solidFill>
+              <a:effectLst>
+                <a:outerShdw blurRad="38100" dist="38100" dir="2700000" algn="tl">
+                  <a:srgbClr val="000000">
+                    <a:alpha val="43137"/>
+                  </a:srgbClr>
+                </a:outerShdw>
+              </a:effectLst>
+              <a:latin typeface="Arial" pitchFamily="34" charset="0"/>
+              <a:cs typeface="Arial" pitchFamily="34" charset="0"/>
+            </a:endParaRPr>
+          </a:p>
+          <a:p>
+            <a:endParaRPr lang="fr-FR" b="1" dirty="0">
+              <a:solidFill>
+                <a:schemeClr val="bg1"/>
+              </a:solidFill>
+              <a:effectLst>
+                <a:outerShdw blurRad="38100" dist="38100" dir="2700000" algn="tl">
+                  <a:srgbClr val="000000">
+                    <a:alpha val="43137"/>
+                  </a:srgbClr>
+                </a:outerShdw>
+              </a:effectLst>
+              <a:latin typeface="Arial" pitchFamily="34" charset="0"/>
+              <a:cs typeface="Arial" pitchFamily="34" charset="0"/>
+            </a:endParaRPr>
+          </a:p>
+        </p:txBody>
+      </p:sp>
     </p:spTree>
   </p:cSld>
   <p:clrMapOvr>
     <a:masterClrMapping/>
   </p:clrMapOvr>
   <mc:AlternateContent xmlns:mc="http://schemas.openxmlformats.org/markup-compatibility/2006">
-    <mc:Choice xmlns="" xmlns:p14="http://schemas.microsoft.com/office/powerpoint/2010/main" Requires="p14">
+    <mc:Choice xmlns:p14="http://schemas.microsoft.com/office/powerpoint/2010/main" xmlns="" Requires="p14">
       <p:transition spd="slow" p14:dur="3400">
         <p14:reveal/>
       </p:transition>
@@ -7324,7 +7421,7 @@
 </file>
 
 <file path=ppt/slides/slide6.xml><?xml version="1.0" encoding="utf-8"?>
-<p:sld xmlns:a="http://schemas.openxmlformats.org/drawingml/2006/main" xmlns:r="http://schemas.openxmlformats.org/officeDocument/2006/relationships" xmlns:p="http://schemas.openxmlformats.org/presentationml/2006/main" showMasterSp="0">
+<p:sld xmlns:a="http://schemas.openxmlformats.org/drawingml/2006/main" xmlns:r="http://schemas.openxmlformats.org/officeDocument/2006/relationships" xmlns:p="http://schemas.openxmlformats.org/presentationml/2006/main">
   <p:cSld>
     <p:spTree>
       <p:nvGrpSpPr>
@@ -7342,7 +7439,7 @@
       </p:grpSpPr>
       <p:sp>
         <p:nvSpPr>
-          <p:cNvPr id="11" name="Espace réservé du numéro de diapositive 10"/>
+          <p:cNvPr id="4" name="Espace réservé du numéro de diapositive 3"/>
           <p:cNvSpPr>
             <a:spLocks noGrp="1"/>
           </p:cNvSpPr>
@@ -7364,42 +7461,272 @@
           </a:p>
         </p:txBody>
       </p:sp>
-      <p:pic>
-        <p:nvPicPr>
-          <p:cNvPr id="7" name="Image 6" descr="OH MY FOOD ACCUEIL MOBILE.png"/>
-          <p:cNvPicPr>
-            <a:picLocks noChangeAspect="1"/>
-          </p:cNvPicPr>
+      <p:sp>
+        <p:nvSpPr>
+          <p:cNvPr id="10" name="ZoneTexte 9"/>
+          <p:cNvSpPr txBox="1"/>
           <p:nvPr/>
-        </p:nvPicPr>
-        <p:blipFill>
-          <a:blip r:embed="rId2"/>
-          <a:stretch>
-            <a:fillRect/>
-          </a:stretch>
-        </p:blipFill>
+        </p:nvSpPr>
         <p:spPr>
           <a:xfrm>
-            <a:off x="6964859" y="346840"/>
-            <a:ext cx="1863829" cy="6306208"/>
+            <a:off x="488732" y="3389586"/>
+            <a:ext cx="2175641" cy="369332"/>
           </a:xfrm>
           <a:prstGeom prst="rect">
             <a:avLst/>
           </a:prstGeom>
+          <a:noFill/>
         </p:spPr>
-      </p:pic>
-      <p:sp>
-        <p:nvSpPr>
-          <p:cNvPr id="8" name="Titre 1"/>
-          <p:cNvSpPr txBox="1">
-            <a:spLocks/>
-          </p:cNvSpPr>
-          <p:nvPr/>
+        <p:txBody>
+          <a:bodyPr wrap="square" rtlCol="0">
+            <a:spAutoFit/>
+          </a:bodyPr>
+          <a:lstStyle/>
+          <a:p>
+            <a:endParaRPr lang="fr-FR" dirty="0"/>
+          </a:p>
+        </p:txBody>
+      </p:sp>
+      <p:sp>
+        <p:nvSpPr>
+          <p:cNvPr id="13" name="Titre 12"/>
+          <p:cNvSpPr>
+            <a:spLocks noGrp="1"/>
+          </p:cNvSpPr>
+          <p:nvPr>
+            <p:ph type="title"/>
+          </p:nvPr>
         </p:nvSpPr>
         <p:spPr>
           <a:xfrm>
-            <a:off x="614854" y="331472"/>
-            <a:ext cx="4099031" cy="6290045"/>
+            <a:off x="851338" y="425669"/>
+            <a:ext cx="10515599" cy="725213"/>
+          </a:xfrm>
+        </p:spPr>
+        <p:txBody>
+          <a:bodyPr>
+            <a:noAutofit/>
+          </a:bodyPr>
+          <a:lstStyle/>
+          <a:p>
+            <a:pPr algn="ctr"/>
+            <a:r>
+              <a:rPr lang="fr-FR" sz="2800" b="1" u="sng" spc="-150" dirty="0" smtClean="0">
+                <a:solidFill>
+                  <a:srgbClr val="FF0000"/>
+                </a:solidFill>
+                <a:effectLst>
+                  <a:outerShdw blurRad="38100" dist="38100" dir="2700000" algn="tl">
+                    <a:srgbClr val="000000">
+                      <a:alpha val="43137"/>
+                    </a:srgbClr>
+                  </a:outerShdw>
+                </a:effectLst>
+                <a:latin typeface="Arial" pitchFamily="34" charset="0"/>
+                <a:cs typeface="Arial" pitchFamily="34" charset="0"/>
+              </a:rPr>
+              <a:t/>
+            </a:r>
+            <a:br>
+              <a:rPr lang="fr-FR" sz="2800" b="1" u="sng" spc="-150" dirty="0" smtClean="0">
+                <a:solidFill>
+                  <a:srgbClr val="FF0000"/>
+                </a:solidFill>
+                <a:effectLst>
+                  <a:outerShdw blurRad="38100" dist="38100" dir="2700000" algn="tl">
+                    <a:srgbClr val="000000">
+                      <a:alpha val="43137"/>
+                    </a:srgbClr>
+                  </a:outerShdw>
+                </a:effectLst>
+                <a:latin typeface="Arial" pitchFamily="34" charset="0"/>
+                <a:cs typeface="Arial" pitchFamily="34" charset="0"/>
+              </a:rPr>
+            </a:br>
+            <a:r>
+              <a:rPr lang="fr-FR" sz="2800" b="1" u="sng" spc="-150" dirty="0" smtClean="0">
+                <a:solidFill>
+                  <a:srgbClr val="FF0000"/>
+                </a:solidFill>
+                <a:effectLst>
+                  <a:outerShdw blurRad="38100" dist="38100" dir="2700000" algn="tl">
+                    <a:srgbClr val="000000">
+                      <a:alpha val="43137"/>
+                    </a:srgbClr>
+                  </a:outerShdw>
+                </a:effectLst>
+                <a:latin typeface="Arial" pitchFamily="34" charset="0"/>
+                <a:cs typeface="Arial" pitchFamily="34" charset="0"/>
+              </a:rPr>
+              <a:t/>
+            </a:r>
+            <a:br>
+              <a:rPr lang="fr-FR" sz="2800" b="1" u="sng" spc="-150" dirty="0" smtClean="0">
+                <a:solidFill>
+                  <a:srgbClr val="FF0000"/>
+                </a:solidFill>
+                <a:effectLst>
+                  <a:outerShdw blurRad="38100" dist="38100" dir="2700000" algn="tl">
+                    <a:srgbClr val="000000">
+                      <a:alpha val="43137"/>
+                    </a:srgbClr>
+                  </a:outerShdw>
+                </a:effectLst>
+                <a:latin typeface="Arial" pitchFamily="34" charset="0"/>
+                <a:cs typeface="Arial" pitchFamily="34" charset="0"/>
+              </a:rPr>
+            </a:br>
+            <a:r>
+              <a:rPr lang="fr-FR" sz="2800" b="1" u="sng" spc="-150" dirty="0" smtClean="0">
+                <a:solidFill>
+                  <a:srgbClr val="FF0000"/>
+                </a:solidFill>
+                <a:effectLst>
+                  <a:outerShdw blurRad="38100" dist="38100" dir="2700000" algn="tl">
+                    <a:srgbClr val="000000">
+                      <a:alpha val="43137"/>
+                    </a:srgbClr>
+                  </a:outerShdw>
+                </a:effectLst>
+                <a:latin typeface="Arial" pitchFamily="34" charset="0"/>
+                <a:cs typeface="Arial" pitchFamily="34" charset="0"/>
+              </a:rPr>
+              <a:t>3)Démonstration des </a:t>
+            </a:r>
+            <a:r>
+              <a:rPr lang="fr-FR" sz="2800" b="1" u="sng" spc="-150" dirty="0" smtClean="0">
+                <a:solidFill>
+                  <a:srgbClr val="FF0000"/>
+                </a:solidFill>
+                <a:effectLst>
+                  <a:outerShdw blurRad="38100" dist="38100" dir="2700000" algn="tl">
+                    <a:srgbClr val="000000">
+                      <a:alpha val="43137"/>
+                    </a:srgbClr>
+                  </a:outerShdw>
+                </a:effectLst>
+                <a:latin typeface="Arial" pitchFamily="34" charset="0"/>
+                <a:cs typeface="Arial" pitchFamily="34" charset="0"/>
+              </a:rPr>
+              <a:t>modifications  </a:t>
+            </a:r>
+            <a:r>
+              <a:rPr lang="fr-FR" sz="2800" b="1" u="sng" spc="-150" dirty="0" smtClean="0">
+                <a:solidFill>
+                  <a:srgbClr val="FF0000"/>
+                </a:solidFill>
+                <a:effectLst>
+                  <a:outerShdw blurRad="38100" dist="38100" dir="2700000" algn="tl">
+                    <a:srgbClr val="000000">
+                      <a:alpha val="43137"/>
+                    </a:srgbClr>
+                  </a:outerShdw>
+                </a:effectLst>
+                <a:latin typeface="Arial" pitchFamily="34" charset="0"/>
+                <a:cs typeface="Arial" pitchFamily="34" charset="0"/>
+              </a:rPr>
+              <a:t>réalisées</a:t>
+            </a:r>
+            <a:br>
+              <a:rPr lang="fr-FR" sz="2800" b="1" u="sng" spc="-150" dirty="0" smtClean="0">
+                <a:solidFill>
+                  <a:srgbClr val="FF0000"/>
+                </a:solidFill>
+                <a:effectLst>
+                  <a:outerShdw blurRad="38100" dist="38100" dir="2700000" algn="tl">
+                    <a:srgbClr val="000000">
+                      <a:alpha val="43137"/>
+                    </a:srgbClr>
+                  </a:outerShdw>
+                </a:effectLst>
+                <a:latin typeface="Arial" pitchFamily="34" charset="0"/>
+                <a:cs typeface="Arial" pitchFamily="34" charset="0"/>
+              </a:rPr>
+            </a:br>
+            <a:r>
+              <a:rPr lang="fr-FR" sz="2800" b="1" u="sng" spc="-150" dirty="0" smtClean="0">
+                <a:solidFill>
+                  <a:srgbClr val="FF0000"/>
+                </a:solidFill>
+                <a:effectLst>
+                  <a:outerShdw blurRad="38100" dist="38100" dir="2700000" algn="tl">
+                    <a:srgbClr val="000000">
+                      <a:alpha val="43137"/>
+                    </a:srgbClr>
+                  </a:outerShdw>
+                </a:effectLst>
+                <a:latin typeface="Arial" pitchFamily="34" charset="0"/>
+                <a:cs typeface="Arial" pitchFamily="34" charset="0"/>
+              </a:rPr>
+              <a:t/>
+            </a:r>
+            <a:br>
+              <a:rPr lang="fr-FR" sz="2800" b="1" u="sng" spc="-150" dirty="0" smtClean="0">
+                <a:solidFill>
+                  <a:srgbClr val="FF0000"/>
+                </a:solidFill>
+                <a:effectLst>
+                  <a:outerShdw blurRad="38100" dist="38100" dir="2700000" algn="tl">
+                    <a:srgbClr val="000000">
+                      <a:alpha val="43137"/>
+                    </a:srgbClr>
+                  </a:outerShdw>
+                </a:effectLst>
+                <a:latin typeface="Arial" pitchFamily="34" charset="0"/>
+                <a:cs typeface="Arial" pitchFamily="34" charset="0"/>
+              </a:rPr>
+            </a:br>
+            <a:r>
+              <a:rPr lang="fr-FR" b="1" u="sng" spc="-150" dirty="0" smtClean="0">
+                <a:solidFill>
+                  <a:srgbClr val="FF0000"/>
+                </a:solidFill>
+                <a:effectLst>
+                  <a:outerShdw blurRad="38100" dist="38100" dir="2700000" algn="tl">
+                    <a:srgbClr val="000000">
+                      <a:alpha val="43137"/>
+                    </a:srgbClr>
+                  </a:outerShdw>
+                </a:effectLst>
+                <a:latin typeface="Arial" pitchFamily="34" charset="0"/>
+                <a:cs typeface="Arial" pitchFamily="34" charset="0"/>
+              </a:rPr>
+              <a:t/>
+            </a:r>
+            <a:br>
+              <a:rPr lang="fr-FR" b="1" u="sng" spc="-150" dirty="0" smtClean="0">
+                <a:solidFill>
+                  <a:srgbClr val="FF0000"/>
+                </a:solidFill>
+                <a:effectLst>
+                  <a:outerShdw blurRad="38100" dist="38100" dir="2700000" algn="tl">
+                    <a:srgbClr val="000000">
+                      <a:alpha val="43137"/>
+                    </a:srgbClr>
+                  </a:outerShdw>
+                </a:effectLst>
+                <a:latin typeface="Arial" pitchFamily="34" charset="0"/>
+                <a:cs typeface="Arial" pitchFamily="34" charset="0"/>
+              </a:rPr>
+            </a:br>
+            <a:endParaRPr lang="fr-FR" u="sng" dirty="0">
+              <a:solidFill>
+                <a:srgbClr val="FF0000"/>
+              </a:solidFill>
+            </a:endParaRPr>
+          </a:p>
+        </p:txBody>
+      </p:sp>
+      <p:sp>
+        <p:nvSpPr>
+          <p:cNvPr id="8" name="ZoneTexte 7"/>
+          <p:cNvSpPr txBox="1"/>
+          <p:nvPr/>
+        </p:nvSpPr>
+        <p:spPr>
+          <a:xfrm>
+            <a:off x="0" y="867105"/>
+            <a:ext cx="12192000" cy="5724644"/>
           </a:xfrm>
           <a:prstGeom prst="rect">
             <a:avLst/>
@@ -7409,50 +7736,39 @@
           </a:solidFill>
         </p:spPr>
         <p:txBody>
-          <a:bodyPr vert="horz" lIns="91440" tIns="45720" rIns="91440" bIns="45720" rtlCol="0" anchor="ctr">
-            <a:normAutofit/>
+          <a:bodyPr wrap="square" rtlCol="0">
+            <a:spAutoFit/>
           </a:bodyPr>
           <a:lstStyle/>
           <a:p>
-            <a:pPr marL="0" marR="0" lvl="0" indent="0" algn="ctr" defTabSz="914400" rtl="0" eaLnBrk="1" fontAlgn="auto" latinLnBrk="0" hangingPunct="1">
+            <a:pPr algn="ctr">
               <a:lnSpc>
-                <a:spcPct val="85000"/>
+                <a:spcPct val="150000"/>
               </a:lnSpc>
-              <a:spcBef>
-                <a:spcPct val="0"/>
-              </a:spcBef>
-              <a:spcAft>
-                <a:spcPts val="0"/>
-              </a:spcAft>
-              <a:buClrTx/>
-              <a:buSzTx/>
-              <a:buFontTx/>
-              <a:buNone/>
-              <a:tabLst/>
-              <a:defRPr/>
             </a:pPr>
-            <a:r>
-              <a:rPr kumimoji="0" lang="fr-FR" sz="2400" b="1" i="0" u="none" strike="noStrike" kern="1200" cap="all" spc="0" normalizeH="0" baseline="0" noProof="0" dirty="0" smtClean="0">
-                <a:ln>
-                  <a:noFill/>
-                </a:ln>
-                <a:solidFill>
-                  <a:schemeClr val="bg2"/>
-                </a:solidFill>
-                <a:effectLst/>
-                <a:uLnTx/>
-                <a:uFillTx/>
-                <a:latin typeface="Arial" pitchFamily="34" charset="0"/>
-                <a:ea typeface="+mj-ea"/>
-                <a:cs typeface="Arial" pitchFamily="34" charset="0"/>
-              </a:rPr>
-              <a:t>    </a:t>
-            </a:r>
-            <a:r>
-              <a:rPr kumimoji="0" lang="fr-FR" sz="2400" b="1" i="0" u="sng" strike="noStrike" kern="1200" cap="all" spc="0" normalizeH="0" baseline="0" noProof="0" dirty="0" smtClean="0">
-                <a:ln>
-                  <a:noFill/>
-                </a:ln>
+            <a:endParaRPr lang="fr-FR" sz="2800" b="1" u="sng" dirty="0" smtClean="0">
+              <a:solidFill>
+                <a:schemeClr val="bg1"/>
+              </a:solidFill>
+              <a:effectLst>
+                <a:outerShdw blurRad="38100" dist="38100" dir="2700000" algn="tl">
+                  <a:srgbClr val="000000">
+                    <a:alpha val="43137"/>
+                  </a:srgbClr>
+                </a:outerShdw>
+              </a:effectLst>
+              <a:latin typeface="Arial" pitchFamily="34" charset="0"/>
+              <a:cs typeface="Arial" pitchFamily="34" charset="0"/>
+            </a:endParaRPr>
+          </a:p>
+          <a:p>
+            <a:pPr algn="ctr">
+              <a:lnSpc>
+                <a:spcPct val="150000"/>
+              </a:lnSpc>
+            </a:pPr>
+            <a:r>
+              <a:rPr lang="fr-FR" sz="2800" b="1" u="sng" dirty="0" smtClean="0">
                 <a:solidFill>
                   <a:srgbClr val="FFFF00"/>
                 </a:solidFill>
@@ -7463,19 +7779,20 @@
                     </a:srgbClr>
                   </a:outerShdw>
                 </a:effectLst>
-                <a:uLnTx/>
-                <a:uFillTx/>
-                <a:latin typeface="Arial" pitchFamily="34" charset="0"/>
-                <a:ea typeface="+mj-ea"/>
-                <a:cs typeface="Arial" pitchFamily="34" charset="0"/>
-              </a:rPr>
-              <a:t>Version MOBILE</a:t>
-            </a:r>
-            <a:br>
-              <a:rPr kumimoji="0" lang="fr-FR" sz="2400" b="1" i="0" u="sng" strike="noStrike" kern="1200" cap="all" spc="0" normalizeH="0" baseline="0" noProof="0" dirty="0" smtClean="0">
-                <a:ln>
-                  <a:noFill/>
-                </a:ln>
+                <a:latin typeface="Arial" pitchFamily="34" charset="0"/>
+                <a:cs typeface="Arial" pitchFamily="34" charset="0"/>
+              </a:rPr>
+              <a:t>-Versions des pages accueil et pages 2 avant modifications </a:t>
+            </a:r>
+          </a:p>
+          <a:p>
+            <a:pPr algn="ctr">
+              <a:lnSpc>
+                <a:spcPct val="150000"/>
+              </a:lnSpc>
+            </a:pPr>
+            <a:r>
+              <a:rPr lang="fr-FR" sz="2800" b="1" u="sng" dirty="0" smtClean="0">
                 <a:solidFill>
                   <a:srgbClr val="FFFF00"/>
                 </a:solidFill>
@@ -7486,18 +7803,13 @@
                     </a:srgbClr>
                   </a:outerShdw>
                 </a:effectLst>
-                <a:uLnTx/>
-                <a:uFillTx/>
-                <a:latin typeface="Arial" pitchFamily="34" charset="0"/>
-                <a:ea typeface="+mj-ea"/>
-                <a:cs typeface="Arial" pitchFamily="34" charset="0"/>
-              </a:rPr>
-            </a:br>
-            <a:r>
-              <a:rPr kumimoji="0" lang="fr-FR" sz="2400" b="1" i="0" u="none" strike="noStrike" kern="1200" cap="all" spc="0" normalizeH="0" baseline="0" noProof="0" dirty="0" smtClean="0">
-                <a:ln>
-                  <a:noFill/>
-                </a:ln>
+                <a:latin typeface="Arial" pitchFamily="34" charset="0"/>
+                <a:cs typeface="Arial" pitchFamily="34" charset="0"/>
+              </a:rPr>
+              <a:t>comparées </a:t>
+            </a:r>
+            <a:r>
+              <a:rPr lang="fr-FR" sz="2800" b="1" u="sng" dirty="0" smtClean="0">
                 <a:solidFill>
                   <a:srgbClr val="FFFF00"/>
                 </a:solidFill>
@@ -7508,19 +7820,13 @@
                     </a:srgbClr>
                   </a:outerShdw>
                 </a:effectLst>
-                <a:uLnTx/>
-                <a:uFillTx/>
-                <a:latin typeface="Arial" pitchFamily="34" charset="0"/>
-                <a:ea typeface="+mj-ea"/>
-                <a:cs typeface="Arial" pitchFamily="34" charset="0"/>
-              </a:rPr>
-              <a:t>  </a:t>
-            </a:r>
-            <a:r>
-              <a:rPr kumimoji="0" lang="fr-FR" sz="2400" b="1" i="0" u="sng" strike="noStrike" kern="1200" cap="all" spc="0" normalizeH="0" baseline="0" noProof="0" dirty="0" smtClean="0">
-                <a:ln>
-                  <a:noFill/>
-                </a:ln>
+                <a:latin typeface="Arial" pitchFamily="34" charset="0"/>
+                <a:cs typeface="Arial" pitchFamily="34" charset="0"/>
+              </a:rPr>
+              <a:t>aux </a:t>
+            </a:r>
+            <a:r>
+              <a:rPr lang="fr-FR" sz="2800" b="1" u="sng" dirty="0" smtClean="0">
                 <a:solidFill>
                   <a:srgbClr val="FFFF00"/>
                 </a:solidFill>
@@ -7531,18 +7837,70 @@
                     </a:srgbClr>
                   </a:outerShdw>
                 </a:effectLst>
-                <a:uLnTx/>
-                <a:uFillTx/>
-                <a:latin typeface="Arial" pitchFamily="34" charset="0"/>
-                <a:ea typeface="+mj-ea"/>
-                <a:cs typeface="Arial" pitchFamily="34" charset="0"/>
-              </a:rPr>
-              <a:t>PAGE ACCUEIL </a:t>
-            </a:r>
-            <a:endParaRPr kumimoji="0" lang="fr-FR" sz="2400" b="1" i="0" u="sng" strike="noStrike" kern="1200" cap="all" spc="0" normalizeH="0" baseline="0" noProof="0" dirty="0">
-              <a:ln>
-                <a:noFill/>
-              </a:ln>
+                <a:latin typeface="Arial" pitchFamily="34" charset="0"/>
+                <a:cs typeface="Arial" pitchFamily="34" charset="0"/>
+              </a:rPr>
+              <a:t>versions des pages </a:t>
+            </a:r>
+            <a:r>
+              <a:rPr lang="fr-FR" sz="2800" b="1" u="sng" dirty="0" smtClean="0">
+                <a:solidFill>
+                  <a:srgbClr val="FFFF00"/>
+                </a:solidFill>
+                <a:effectLst>
+                  <a:outerShdw blurRad="38100" dist="38100" dir="2700000" algn="tl">
+                    <a:srgbClr val="000000">
+                      <a:alpha val="43137"/>
+                    </a:srgbClr>
+                  </a:outerShdw>
+                </a:effectLst>
+                <a:latin typeface="Arial" pitchFamily="34" charset="0"/>
+                <a:cs typeface="Arial" pitchFamily="34" charset="0"/>
+              </a:rPr>
+              <a:t>accueil et </a:t>
+            </a:r>
+            <a:r>
+              <a:rPr lang="fr-FR" sz="2800" b="1" u="sng" dirty="0" smtClean="0">
+                <a:solidFill>
+                  <a:srgbClr val="FFFF00"/>
+                </a:solidFill>
+                <a:effectLst>
+                  <a:outerShdw blurRad="38100" dist="38100" dir="2700000" algn="tl">
+                    <a:srgbClr val="000000">
+                      <a:alpha val="43137"/>
+                    </a:srgbClr>
+                  </a:outerShdw>
+                </a:effectLst>
+                <a:latin typeface="Arial" pitchFamily="34" charset="0"/>
+                <a:cs typeface="Arial" pitchFamily="34" charset="0"/>
+              </a:rPr>
+              <a:t>contact </a:t>
+            </a:r>
+            <a:r>
+              <a:rPr lang="fr-FR" sz="2800" b="1" u="sng" dirty="0" smtClean="0">
+                <a:solidFill>
+                  <a:srgbClr val="FFFF00"/>
+                </a:solidFill>
+                <a:effectLst>
+                  <a:outerShdw blurRad="38100" dist="38100" dir="2700000" algn="tl">
+                    <a:srgbClr val="000000">
+                      <a:alpha val="43137"/>
+                    </a:srgbClr>
+                  </a:outerShdw>
+                </a:effectLst>
+                <a:latin typeface="Arial" pitchFamily="34" charset="0"/>
+                <a:cs typeface="Arial" pitchFamily="34" charset="0"/>
+              </a:rPr>
+              <a:t>après modifications</a:t>
+            </a:r>
+          </a:p>
+          <a:p>
+            <a:pPr algn="ctr">
+              <a:lnSpc>
+                <a:spcPct val="150000"/>
+              </a:lnSpc>
+            </a:pPr>
+            <a:endParaRPr lang="fr-FR" sz="2800" b="1" u="sng" dirty="0" smtClean="0">
               <a:solidFill>
                 <a:srgbClr val="FFFF00"/>
               </a:solidFill>
@@ -7553,48 +7911,115 @@
                   </a:srgbClr>
                 </a:outerShdw>
               </a:effectLst>
-              <a:uLnTx/>
-              <a:uFillTx/>
               <a:latin typeface="Arial" pitchFamily="34" charset="0"/>
-              <a:ea typeface="+mj-ea"/>
               <a:cs typeface="Arial" pitchFamily="34" charset="0"/>
             </a:endParaRPr>
           </a:p>
-        </p:txBody>
-      </p:sp>
-      <p:pic>
-        <p:nvPicPr>
-          <p:cNvPr id="9" name="Picture 4" descr="C:\Users\USER\AppData\Local\Microsoft\Windows\INetCache\IE\WE5BO5MK\arrow-462212_640[1].png"/>
-          <p:cNvPicPr>
-            <a:picLocks noChangeAspect="1" noChangeArrowheads="1"/>
-          </p:cNvPicPr>
-          <p:nvPr/>
-        </p:nvPicPr>
-        <p:blipFill>
-          <a:blip r:embed="rId3"/>
-          <a:srcRect/>
-          <a:stretch>
-            <a:fillRect/>
-          </a:stretch>
-        </p:blipFill>
-        <p:spPr bwMode="auto">
-          <a:xfrm>
-            <a:off x="4713890" y="3042746"/>
-            <a:ext cx="2238703" cy="977462"/>
-          </a:xfrm>
-          <a:prstGeom prst="rect">
-            <a:avLst/>
-          </a:prstGeom>
-          <a:noFill/>
-        </p:spPr>
-      </p:pic>
+          <a:p>
+            <a:pPr algn="ctr">
+              <a:lnSpc>
+                <a:spcPct val="150000"/>
+              </a:lnSpc>
+            </a:pPr>
+            <a:r>
+              <a:rPr lang="fr-FR" sz="2800" b="1" u="sng" dirty="0" smtClean="0">
+                <a:solidFill>
+                  <a:srgbClr val="FFFF00"/>
+                </a:solidFill>
+                <a:effectLst>
+                  <a:outerShdw blurRad="38100" dist="38100" dir="2700000" algn="tl">
+                    <a:srgbClr val="000000">
+                      <a:alpha val="43137"/>
+                    </a:srgbClr>
+                  </a:outerShdw>
+                </a:effectLst>
+                <a:latin typeface="Arial" pitchFamily="34" charset="0"/>
+                <a:cs typeface="Arial" pitchFamily="34" charset="0"/>
+              </a:rPr>
+              <a:t>-Résultats d’analyse WEB.DEV et WEBAIM avant et après améliorations</a:t>
+            </a:r>
+            <a:endParaRPr lang="fr-FR" sz="2800" b="1" u="sng" dirty="0" smtClean="0">
+              <a:solidFill>
+                <a:srgbClr val="FFFF00"/>
+              </a:solidFill>
+              <a:effectLst>
+                <a:outerShdw blurRad="38100" dist="38100" dir="2700000" algn="tl">
+                  <a:srgbClr val="000000">
+                    <a:alpha val="43137"/>
+                  </a:srgbClr>
+                </a:outerShdw>
+              </a:effectLst>
+              <a:latin typeface="Arial" pitchFamily="34" charset="0"/>
+              <a:cs typeface="Arial" pitchFamily="34" charset="0"/>
+            </a:endParaRPr>
+          </a:p>
+          <a:p>
+            <a:pPr algn="ctr">
+              <a:lnSpc>
+                <a:spcPct val="150000"/>
+              </a:lnSpc>
+            </a:pPr>
+            <a:endParaRPr lang="fr-FR" b="1" dirty="0" smtClean="0">
+              <a:solidFill>
+                <a:schemeClr val="bg1"/>
+              </a:solidFill>
+              <a:effectLst>
+                <a:outerShdw blurRad="38100" dist="38100" dir="2700000" algn="tl">
+                  <a:srgbClr val="000000">
+                    <a:alpha val="43137"/>
+                  </a:srgbClr>
+                </a:outerShdw>
+              </a:effectLst>
+              <a:latin typeface="Arial" pitchFamily="34" charset="0"/>
+              <a:cs typeface="Arial" pitchFamily="34" charset="0"/>
+            </a:endParaRPr>
+          </a:p>
+          <a:p>
+            <a:pPr algn="ctr">
+              <a:lnSpc>
+                <a:spcPct val="150000"/>
+              </a:lnSpc>
+            </a:pPr>
+            <a:endParaRPr lang="fr-FR" b="1" dirty="0" smtClean="0">
+              <a:solidFill>
+                <a:schemeClr val="bg1"/>
+              </a:solidFill>
+              <a:effectLst>
+                <a:outerShdw blurRad="38100" dist="38100" dir="2700000" algn="tl">
+                  <a:srgbClr val="000000">
+                    <a:alpha val="43137"/>
+                  </a:srgbClr>
+                </a:outerShdw>
+              </a:effectLst>
+              <a:latin typeface="Arial" pitchFamily="34" charset="0"/>
+              <a:cs typeface="Arial" pitchFamily="34" charset="0"/>
+            </a:endParaRPr>
+          </a:p>
+          <a:p>
+            <a:endParaRPr lang="fr-FR" b="1" dirty="0">
+              <a:solidFill>
+                <a:schemeClr val="bg1"/>
+              </a:solidFill>
+              <a:effectLst>
+                <a:outerShdw blurRad="38100" dist="38100" dir="2700000" algn="tl">
+                  <a:srgbClr val="000000">
+                    <a:alpha val="43137"/>
+                  </a:srgbClr>
+                </a:outerShdw>
+              </a:effectLst>
+              <a:latin typeface="Arial" pitchFamily="34" charset="0"/>
+              <a:cs typeface="Arial" pitchFamily="34" charset="0"/>
+            </a:endParaRPr>
+          </a:p>
+        </p:txBody>
+      </p:sp>
     </p:spTree>
   </p:cSld>
   <p:clrMapOvr>
     <a:masterClrMapping/>
   </p:clrMapOvr>
   <mc:AlternateContent xmlns:mc="http://schemas.openxmlformats.org/markup-compatibility/2006">
-    <mc:Choice xmlns="" xmlns:p14="http://schemas.microsoft.com/office/powerpoint/2010/main" Requires="p14">
+    <mc:Choice xmlns:p14="http://schemas.microsoft.com/office/powerpoint/2010/main" xmlns="" Requires="p14">
       <p:transition spd="slow" p14:dur="3400">
         <p14:reveal/>
       </p:transition>
@@ -7634,6 +8059,106 @@
       </p:grpSpPr>
       <p:sp>
         <p:nvSpPr>
+          <p:cNvPr id="2" name="Titre 1"/>
+          <p:cNvSpPr>
+            <a:spLocks noGrp="1"/>
+          </p:cNvSpPr>
+          <p:nvPr>
+            <p:ph type="title"/>
+          </p:nvPr>
+        </p:nvSpPr>
+        <p:spPr>
+          <a:xfrm>
+            <a:off x="189187" y="299544"/>
+            <a:ext cx="11792606" cy="425669"/>
+          </a:xfrm>
+        </p:spPr>
+        <p:txBody>
+          <a:bodyPr>
+            <a:noAutofit/>
+          </a:bodyPr>
+          <a:lstStyle/>
+          <a:p>
+            <a:pPr algn="ctr"/>
+            <a:r>
+              <a:rPr lang="fr-FR" sz="2800" b="1" u="sng" spc="-150" dirty="0" smtClean="0">
+                <a:solidFill>
+                  <a:srgbClr val="FF0000"/>
+                </a:solidFill>
+                <a:effectLst>
+                  <a:outerShdw blurRad="38100" dist="38100" dir="2700000" algn="tl">
+                    <a:srgbClr val="000000">
+                      <a:alpha val="43137"/>
+                    </a:srgbClr>
+                  </a:outerShdw>
+                </a:effectLst>
+                <a:latin typeface="Arial" pitchFamily="34" charset="0"/>
+                <a:cs typeface="Arial" pitchFamily="34" charset="0"/>
+              </a:rPr>
+              <a:t>4)Validation du code au </a:t>
+            </a:r>
+            <a:r>
+              <a:rPr lang="fr-FR" sz="2800" b="1" u="sng" spc="-150" dirty="0" smtClean="0">
+                <a:solidFill>
+                  <a:srgbClr val="FF0000"/>
+                </a:solidFill>
+                <a:effectLst>
+                  <a:outerShdw blurRad="38100" dist="38100" dir="2700000" algn="tl">
+                    <a:srgbClr val="000000">
+                      <a:alpha val="43137"/>
+                    </a:srgbClr>
+                  </a:outerShdw>
+                </a:effectLst>
+                <a:latin typeface="Arial" pitchFamily="34" charset="0"/>
+                <a:cs typeface="Arial" pitchFamily="34" charset="0"/>
+              </a:rPr>
+              <a:t>W3C HTML page accueil</a:t>
+            </a:r>
+            <a:r>
+              <a:rPr lang="fr-FR" sz="2800" b="1" u="sng" spc="-150" dirty="0" smtClean="0">
+                <a:solidFill>
+                  <a:srgbClr val="FF0000"/>
+                </a:solidFill>
+                <a:effectLst>
+                  <a:outerShdw blurRad="38100" dist="38100" dir="2700000" algn="tl">
+                    <a:srgbClr val="000000">
+                      <a:alpha val="43137"/>
+                    </a:srgbClr>
+                  </a:outerShdw>
+                </a:effectLst>
+                <a:latin typeface="Arial" pitchFamily="34" charset="0"/>
+                <a:cs typeface="Arial" pitchFamily="34" charset="0"/>
+              </a:rPr>
+              <a:t/>
+            </a:r>
+            <a:br>
+              <a:rPr lang="fr-FR" sz="2800" b="1" u="sng" spc="-150" dirty="0" smtClean="0">
+                <a:solidFill>
+                  <a:srgbClr val="FF0000"/>
+                </a:solidFill>
+                <a:effectLst>
+                  <a:outerShdw blurRad="38100" dist="38100" dir="2700000" algn="tl">
+                    <a:srgbClr val="000000">
+                      <a:alpha val="43137"/>
+                    </a:srgbClr>
+                  </a:outerShdw>
+                </a:effectLst>
+                <a:latin typeface="Arial" pitchFamily="34" charset="0"/>
+                <a:cs typeface="Arial" pitchFamily="34" charset="0"/>
+              </a:rPr>
+            </a:br>
+            <a:endParaRPr lang="fr-FR" sz="2800" b="1" u="sng" dirty="0">
+              <a:solidFill>
+                <a:srgbClr val="FF0000"/>
+              </a:solidFill>
+              <a:latin typeface="Arial" pitchFamily="34" charset="0"/>
+              <a:cs typeface="Arial" pitchFamily="34" charset="0"/>
+            </a:endParaRPr>
+          </a:p>
+        </p:txBody>
+      </p:sp>
+      <p:sp>
+        <p:nvSpPr>
           <p:cNvPr id="7" name="Espace réservé du numéro de diapositive 6"/>
           <p:cNvSpPr>
             <a:spLocks noGrp="1"/>
@@ -7658,226 +8183,25 @@
       </p:sp>
       <p:pic>
         <p:nvPicPr>
-          <p:cNvPr id="5" name="Picture 4" descr="C:\Users\USER\AppData\Local\Microsoft\Windows\INetCache\IE\WE5BO5MK\arrow-462212_640[1].png"/>
+          <p:cNvPr id="9" name="Espace réservé du contenu 8" descr="Capture d’écran (337).png"/>
           <p:cNvPicPr>
-            <a:picLocks noChangeAspect="1" noChangeArrowheads="1"/>
+            <a:picLocks noGrp="1" noChangeAspect="1"/>
           </p:cNvPicPr>
-          <p:nvPr/>
+          <p:nvPr>
+            <p:ph idx="1"/>
+          </p:nvPr>
         </p:nvPicPr>
         <p:blipFill>
           <a:blip r:embed="rId2"/>
-          <a:srcRect/>
-          <a:stretch>
-            <a:fillRect/>
-          </a:stretch>
-        </p:blipFill>
-        <p:spPr bwMode="auto">
-          <a:xfrm>
-            <a:off x="4713890" y="3042746"/>
-            <a:ext cx="2065282" cy="977462"/>
-          </a:xfrm>
-          <a:prstGeom prst="rect">
-            <a:avLst/>
-          </a:prstGeom>
-          <a:noFill/>
-        </p:spPr>
-      </p:pic>
-      <p:sp>
-        <p:nvSpPr>
-          <p:cNvPr id="8" name="Titre 1"/>
-          <p:cNvSpPr txBox="1">
-            <a:spLocks/>
-          </p:cNvSpPr>
-          <p:nvPr/>
-        </p:nvSpPr>
-        <p:spPr>
-          <a:xfrm>
-            <a:off x="614854" y="315310"/>
-            <a:ext cx="4099031" cy="6290045"/>
-          </a:xfrm>
-          <a:prstGeom prst="rect">
-            <a:avLst/>
-          </a:prstGeom>
-          <a:solidFill>
-            <a:srgbClr val="00B0F0"/>
-          </a:solidFill>
-        </p:spPr>
-        <p:txBody>
-          <a:bodyPr vert="horz" lIns="91440" tIns="45720" rIns="91440" bIns="45720" rtlCol="0" anchor="ctr">
-            <a:normAutofit/>
-          </a:bodyPr>
-          <a:lstStyle/>
-          <a:p>
-            <a:pPr marL="0" marR="0" lvl="0" indent="0" algn="ctr" defTabSz="914400" rtl="0" eaLnBrk="1" fontAlgn="auto" latinLnBrk="0" hangingPunct="1">
-              <a:lnSpc>
-                <a:spcPct val="85000"/>
-              </a:lnSpc>
-              <a:spcBef>
-                <a:spcPct val="0"/>
-              </a:spcBef>
-              <a:spcAft>
-                <a:spcPts val="0"/>
-              </a:spcAft>
-              <a:buClrTx/>
-              <a:buSzTx/>
-              <a:buFontTx/>
-              <a:buNone/>
-              <a:tabLst/>
-              <a:defRPr/>
-            </a:pPr>
-            <a:r>
-              <a:rPr kumimoji="0" lang="fr-FR" sz="2400" b="1" i="0" u="none" strike="noStrike" kern="1200" cap="all" spc="0" normalizeH="0" baseline="0" noProof="0" dirty="0" smtClean="0">
-                <a:ln>
-                  <a:noFill/>
-                </a:ln>
-                <a:solidFill>
-                  <a:schemeClr val="bg2"/>
-                </a:solidFill>
-                <a:effectLst/>
-                <a:uLnTx/>
-                <a:uFillTx/>
-                <a:latin typeface="Arial" pitchFamily="34" charset="0"/>
-                <a:ea typeface="+mj-ea"/>
-                <a:cs typeface="Arial" pitchFamily="34" charset="0"/>
-              </a:rPr>
-              <a:t>    </a:t>
-            </a:r>
-            <a:r>
-              <a:rPr kumimoji="0" lang="fr-FR" sz="2400" b="1" i="0" u="sng" strike="noStrike" kern="1200" cap="all" spc="0" normalizeH="0" baseline="0" noProof="0" dirty="0" smtClean="0">
-                <a:ln>
-                  <a:noFill/>
-                </a:ln>
-                <a:solidFill>
-                  <a:srgbClr val="FFFF00"/>
-                </a:solidFill>
-                <a:effectLst>
-                  <a:outerShdw blurRad="38100" dist="38100" dir="2700000" algn="tl">
-                    <a:srgbClr val="000000">
-                      <a:alpha val="43137"/>
-                    </a:srgbClr>
-                  </a:outerShdw>
-                </a:effectLst>
-                <a:uLnTx/>
-                <a:uFillTx/>
-                <a:latin typeface="Arial" pitchFamily="34" charset="0"/>
-                <a:ea typeface="+mj-ea"/>
-                <a:cs typeface="Arial" pitchFamily="34" charset="0"/>
-              </a:rPr>
-              <a:t>Version TABLETTE</a:t>
-            </a:r>
-            <a:br>
-              <a:rPr kumimoji="0" lang="fr-FR" sz="2400" b="1" i="0" u="sng" strike="noStrike" kern="1200" cap="all" spc="0" normalizeH="0" baseline="0" noProof="0" dirty="0" smtClean="0">
-                <a:ln>
-                  <a:noFill/>
-                </a:ln>
-                <a:solidFill>
-                  <a:srgbClr val="FFFF00"/>
-                </a:solidFill>
-                <a:effectLst>
-                  <a:outerShdw blurRad="38100" dist="38100" dir="2700000" algn="tl">
-                    <a:srgbClr val="000000">
-                      <a:alpha val="43137"/>
-                    </a:srgbClr>
-                  </a:outerShdw>
-                </a:effectLst>
-                <a:uLnTx/>
-                <a:uFillTx/>
-                <a:latin typeface="Arial" pitchFamily="34" charset="0"/>
-                <a:ea typeface="+mj-ea"/>
-                <a:cs typeface="Arial" pitchFamily="34" charset="0"/>
-              </a:rPr>
-            </a:br>
-            <a:r>
-              <a:rPr kumimoji="0" lang="fr-FR" sz="2400" b="1" i="0" u="none" strike="noStrike" kern="1200" cap="all" spc="0" normalizeH="0" baseline="0" noProof="0" dirty="0" smtClean="0">
-                <a:ln>
-                  <a:noFill/>
-                </a:ln>
-                <a:solidFill>
-                  <a:srgbClr val="FFFF00"/>
-                </a:solidFill>
-                <a:effectLst>
-                  <a:outerShdw blurRad="38100" dist="38100" dir="2700000" algn="tl">
-                    <a:srgbClr val="000000">
-                      <a:alpha val="43137"/>
-                    </a:srgbClr>
-                  </a:outerShdw>
-                </a:effectLst>
-                <a:uLnTx/>
-                <a:uFillTx/>
-                <a:latin typeface="Arial" pitchFamily="34" charset="0"/>
-                <a:ea typeface="+mj-ea"/>
-                <a:cs typeface="Arial" pitchFamily="34" charset="0"/>
-              </a:rPr>
-              <a:t>  </a:t>
-            </a:r>
-            <a:r>
-              <a:rPr kumimoji="0" lang="fr-FR" sz="2400" b="1" i="0" u="sng" strike="noStrike" kern="1200" cap="all" spc="0" normalizeH="0" baseline="0" noProof="0" dirty="0" smtClean="0">
-                <a:ln>
-                  <a:noFill/>
-                </a:ln>
-                <a:solidFill>
-                  <a:srgbClr val="FFFF00"/>
-                </a:solidFill>
-                <a:effectLst>
-                  <a:outerShdw blurRad="38100" dist="38100" dir="2700000" algn="tl">
-                    <a:srgbClr val="000000">
-                      <a:alpha val="43137"/>
-                    </a:srgbClr>
-                  </a:outerShdw>
-                </a:effectLst>
-                <a:uLnTx/>
-                <a:uFillTx/>
-                <a:latin typeface="Arial" pitchFamily="34" charset="0"/>
-                <a:ea typeface="+mj-ea"/>
-                <a:cs typeface="Arial" pitchFamily="34" charset="0"/>
-              </a:rPr>
-              <a:t>PAGE ACCUEIL </a:t>
-            </a:r>
-            <a:endParaRPr kumimoji="0" lang="fr-FR" sz="2400" b="1" i="0" u="sng" strike="noStrike" kern="1200" cap="all" spc="0" normalizeH="0" baseline="0" noProof="0" dirty="0">
-              <a:ln>
-                <a:noFill/>
-              </a:ln>
-              <a:solidFill>
-                <a:srgbClr val="FFFF00"/>
-              </a:solidFill>
-              <a:effectLst>
-                <a:outerShdw blurRad="38100" dist="38100" dir="2700000" algn="tl">
-                  <a:srgbClr val="000000">
-                    <a:alpha val="43137"/>
-                  </a:srgbClr>
-                </a:outerShdw>
-              </a:effectLst>
-              <a:uLnTx/>
-              <a:uFillTx/>
-              <a:latin typeface="Arial" pitchFamily="34" charset="0"/>
-              <a:ea typeface="+mj-ea"/>
-              <a:cs typeface="Arial" pitchFamily="34" charset="0"/>
-            </a:endParaRPr>
-          </a:p>
-        </p:txBody>
-      </p:sp>
-      <p:pic>
-        <p:nvPicPr>
-          <p:cNvPr id="9" name="Image 8" descr="OH MY FOOD ACCUEIL TABLETTE.png"/>
-          <p:cNvPicPr>
-            <a:picLocks noChangeAspect="1"/>
-          </p:cNvPicPr>
-          <p:nvPr/>
-        </p:nvPicPr>
-        <p:blipFill>
-          <a:blip r:embed="rId3" cstate="print"/>
           <a:stretch>
             <a:fillRect/>
           </a:stretch>
         </p:blipFill>
         <p:spPr>
           <a:xfrm>
-            <a:off x="6830448" y="268014"/>
-            <a:ext cx="3180655" cy="6385034"/>
+            <a:off x="346841" y="675953"/>
+            <a:ext cx="11608676" cy="5740613"/>
           </a:xfrm>
-          <a:prstGeom prst="rect">
-            <a:avLst/>
-          </a:prstGeom>
         </p:spPr>
       </p:pic>
     </p:spTree>
@@ -7886,7 +8210,7 @@
     <a:masterClrMapping/>
   </p:clrMapOvr>
   <mc:AlternateContent xmlns:mc="http://schemas.openxmlformats.org/markup-compatibility/2006">
-    <mc:Choice xmlns="" xmlns:p14="http://schemas.microsoft.com/office/powerpoint/2010/main" Requires="p14">
+    <mc:Choice xmlns:p14="http://schemas.microsoft.com/office/powerpoint/2010/main" xmlns="" Requires="p14">
       <p:transition spd="slow" p14:dur="3400">
         <p14:reveal/>
       </p:transition>
@@ -7908,7 +8232,7 @@
 </file>
 
 <file path=ppt/slides/slide8.xml><?xml version="1.0" encoding="utf-8"?>
-<p:sld xmlns:a="http://schemas.openxmlformats.org/drawingml/2006/main" xmlns:r="http://schemas.openxmlformats.org/officeDocument/2006/relationships" xmlns:p="http://schemas.openxmlformats.org/presentationml/2006/main" showMasterSp="0">
+<p:sld xmlns:a="http://schemas.openxmlformats.org/drawingml/2006/main" xmlns:r="http://schemas.openxmlformats.org/officeDocument/2006/relationships" xmlns:p="http://schemas.openxmlformats.org/presentationml/2006/main">
   <p:cSld>
     <p:spTree>
       <p:nvGrpSpPr>
@@ -7936,31 +8260,21 @@
         </p:nvSpPr>
         <p:spPr>
           <a:xfrm>
-            <a:off x="614854" y="315310"/>
-            <a:ext cx="4099031" cy="6290045"/>
+            <a:off x="189187" y="299544"/>
+            <a:ext cx="11792606" cy="425669"/>
           </a:xfrm>
-          <a:solidFill>
-            <a:srgbClr val="00B0F0"/>
-          </a:solidFill>
         </p:spPr>
         <p:txBody>
           <a:bodyPr>
-            <a:normAutofit/>
+            <a:noAutofit/>
           </a:bodyPr>
           <a:lstStyle/>
           <a:p>
             <a:pPr algn="ctr"/>
             <a:r>
-              <a:rPr lang="fr-FR" sz="2400" b="1" dirty="0" smtClean="0">
-                <a:latin typeface="Arial" pitchFamily="34" charset="0"/>
-                <a:cs typeface="Arial" pitchFamily="34" charset="0"/>
-              </a:rPr>
-              <a:t>    </a:t>
-            </a:r>
-            <a:r>
-              <a:rPr lang="fr-FR" sz="2400" b="1" u="sng" dirty="0" smtClean="0">
-                <a:solidFill>
-                  <a:srgbClr val="FFFF00"/>
+              <a:rPr lang="fr-FR" sz="2800" b="1" u="sng" spc="-150" dirty="0" smtClean="0">
+                <a:solidFill>
+                  <a:srgbClr val="FF0000"/>
                 </a:solidFill>
                 <a:effectLst>
                   <a:outerShdw blurRad="38100" dist="38100" dir="2700000" algn="tl">
@@ -7972,12 +8286,46 @@
                 <a:latin typeface="Arial" pitchFamily="34" charset="0"/>
                 <a:cs typeface="Arial" pitchFamily="34" charset="0"/>
               </a:rPr>
-              <a:t>Version DESKTOP</a:t>
+              <a:t>4)Validation du code au </a:t>
+            </a:r>
+            <a:r>
+              <a:rPr lang="fr-FR" sz="2800" b="1" u="sng" spc="-150" dirty="0" smtClean="0">
+                <a:solidFill>
+                  <a:srgbClr val="FF0000"/>
+                </a:solidFill>
+                <a:effectLst>
+                  <a:outerShdw blurRad="38100" dist="38100" dir="2700000" algn="tl">
+                    <a:srgbClr val="000000">
+                      <a:alpha val="43137"/>
+                    </a:srgbClr>
+                  </a:outerShdw>
+                </a:effectLst>
+                <a:latin typeface="Arial" pitchFamily="34" charset="0"/>
+                <a:cs typeface="Arial" pitchFamily="34" charset="0"/>
+              </a:rPr>
+              <a:t>W3C HTML page  CONTACT</a:t>
+            </a:r>
+            <a:r>
+              <a:rPr lang="fr-FR" sz="3200" b="1" u="sng" spc="-150" dirty="0" smtClean="0">
+                <a:solidFill>
+                  <a:srgbClr val="FF0000"/>
+                </a:solidFill>
+                <a:effectLst>
+                  <a:outerShdw blurRad="38100" dist="38100" dir="2700000" algn="tl">
+                    <a:srgbClr val="000000">
+                      <a:alpha val="43137"/>
+                    </a:srgbClr>
+                  </a:outerShdw>
+                </a:effectLst>
+                <a:latin typeface="Arial" pitchFamily="34" charset="0"/>
+                <a:cs typeface="Arial" pitchFamily="34" charset="0"/>
+              </a:rPr>
+              <a:t/>
             </a:r>
             <a:br>
-              <a:rPr lang="fr-FR" sz="2400" b="1" u="sng" dirty="0" smtClean="0">
-                <a:solidFill>
-                  <a:srgbClr val="FFFF00"/>
+              <a:rPr lang="fr-FR" sz="3200" b="1" u="sng" spc="-150" dirty="0" smtClean="0">
+                <a:solidFill>
+                  <a:srgbClr val="FF0000"/>
                 </a:solidFill>
                 <a:effectLst>
                   <a:outerShdw blurRad="38100" dist="38100" dir="2700000" algn="tl">
@@ -7990,51 +8338,10 @@
                 <a:cs typeface="Arial" pitchFamily="34" charset="0"/>
               </a:rPr>
             </a:br>
-            <a:r>
-              <a:rPr lang="fr-FR" sz="2400" b="1" dirty="0" smtClean="0">
-                <a:solidFill>
-                  <a:srgbClr val="FFFF00"/>
-                </a:solidFill>
-                <a:effectLst>
-                  <a:outerShdw blurRad="38100" dist="38100" dir="2700000" algn="tl">
-                    <a:srgbClr val="000000">
-                      <a:alpha val="43137"/>
-                    </a:srgbClr>
-                  </a:outerShdw>
-                </a:effectLst>
-                <a:latin typeface="Arial" pitchFamily="34" charset="0"/>
-                <a:cs typeface="Arial" pitchFamily="34" charset="0"/>
-              </a:rPr>
-              <a:t>  </a:t>
-            </a:r>
-            <a:r>
-              <a:rPr lang="fr-FR" sz="2400" b="1" u="sng" dirty="0" smtClean="0">
-                <a:solidFill>
-                  <a:srgbClr val="FFFF00"/>
-                </a:solidFill>
-                <a:effectLst>
-                  <a:outerShdw blurRad="38100" dist="38100" dir="2700000" algn="tl">
-                    <a:srgbClr val="000000">
-                      <a:alpha val="43137"/>
-                    </a:srgbClr>
-                  </a:outerShdw>
-                </a:effectLst>
-                <a:latin typeface="Arial" pitchFamily="34" charset="0"/>
-                <a:cs typeface="Arial" pitchFamily="34" charset="0"/>
-              </a:rPr>
-              <a:t>PAGE ACCUEIL </a:t>
-            </a:r>
-            <a:endParaRPr lang="fr-FR" sz="2400" b="1" u="sng" dirty="0">
+            <a:endParaRPr lang="fr-FR" sz="3200" b="1" u="sng" dirty="0">
               <a:solidFill>
-                <a:srgbClr val="FFFF00"/>
+                <a:srgbClr val="FF0000"/>
               </a:solidFill>
-              <a:effectLst>
-                <a:outerShdw blurRad="38100" dist="38100" dir="2700000" algn="tl">
-                  <a:srgbClr val="000000">
-                    <a:alpha val="43137"/>
-                  </a:srgbClr>
-                </a:outerShdw>
-              </a:effectLst>
               <a:latin typeface="Arial" pitchFamily="34" charset="0"/>
               <a:cs typeface="Arial" pitchFamily="34" charset="0"/>
             </a:endParaRPr>
@@ -8043,7 +8350,7 @@
       </p:sp>
       <p:sp>
         <p:nvSpPr>
-          <p:cNvPr id="10" name="Espace réservé du numéro de diapositive 9"/>
+          <p:cNvPr id="7" name="Espace réservé du numéro de diapositive 6"/>
           <p:cNvSpPr>
             <a:spLocks noGrp="1"/>
           </p:cNvSpPr>
@@ -8067,52 +8374,25 @@
       </p:sp>
       <p:pic>
         <p:nvPicPr>
-          <p:cNvPr id="5" name="Image 4" descr="OH MY FOOD ACCUEIK DESKTOP.png"/>
+          <p:cNvPr id="6" name="Espace réservé du contenu 5" descr="Capture d’écran (338).png"/>
           <p:cNvPicPr>
-            <a:picLocks noChangeAspect="1"/>
+            <a:picLocks noGrp="1" noChangeAspect="1"/>
           </p:cNvPicPr>
-          <p:nvPr/>
+          <p:nvPr>
+            <p:ph idx="1"/>
+          </p:nvPr>
         </p:nvPicPr>
         <p:blipFill>
-          <a:blip r:embed="rId2" cstate="print"/>
+          <a:blip r:embed="rId2"/>
           <a:stretch>
             <a:fillRect/>
           </a:stretch>
         </p:blipFill>
         <p:spPr>
           <a:xfrm>
-            <a:off x="6783376" y="268015"/>
-            <a:ext cx="3669164" cy="6306207"/>
+            <a:off x="352984" y="639762"/>
+            <a:ext cx="11376559" cy="5855631"/>
           </a:xfrm>
-          <a:prstGeom prst="rect">
-            <a:avLst/>
-          </a:prstGeom>
-        </p:spPr>
-      </p:pic>
-      <p:pic>
-        <p:nvPicPr>
-          <p:cNvPr id="1028" name="Picture 4" descr="C:\Users\USER\AppData\Local\Microsoft\Windows\INetCache\IE\WE5BO5MK\arrow-462212_640[1].png"/>
-          <p:cNvPicPr>
-            <a:picLocks noChangeAspect="1" noChangeArrowheads="1"/>
-          </p:cNvPicPr>
-          <p:nvPr/>
-        </p:nvPicPr>
-        <p:blipFill>
-          <a:blip r:embed="rId3"/>
-          <a:srcRect/>
-          <a:stretch>
-            <a:fillRect/>
-          </a:stretch>
-        </p:blipFill>
-        <p:spPr bwMode="auto">
-          <a:xfrm>
-            <a:off x="4713890" y="3042746"/>
-            <a:ext cx="2065282" cy="977462"/>
-          </a:xfrm>
-          <a:prstGeom prst="rect">
-            <a:avLst/>
-          </a:prstGeom>
-          <a:noFill/>
         </p:spPr>
       </p:pic>
     </p:spTree>
@@ -8121,7 +8401,7 @@
     <a:masterClrMapping/>
   </p:clrMapOvr>
   <mc:AlternateContent xmlns:mc="http://schemas.openxmlformats.org/markup-compatibility/2006">
-    <mc:Choice xmlns="" xmlns:p14="http://schemas.microsoft.com/office/powerpoint/2010/main" Requires="p14">
+    <mc:Choice xmlns:p14="http://schemas.microsoft.com/office/powerpoint/2010/main" xmlns="" Requires="p14">
       <p:transition spd="slow" p14:dur="3400">
         <p14:reveal/>
       </p:transition>
@@ -8143,7 +8423,7 @@
 </file>
 
 <file path=ppt/slides/slide9.xml><?xml version="1.0" encoding="utf-8"?>
-<p:sld xmlns:a="http://schemas.openxmlformats.org/drawingml/2006/main" xmlns:r="http://schemas.openxmlformats.org/officeDocument/2006/relationships" xmlns:p="http://schemas.openxmlformats.org/presentationml/2006/main" showMasterSp="0">
+<p:sld xmlns:a="http://schemas.openxmlformats.org/drawingml/2006/main" xmlns:r="http://schemas.openxmlformats.org/officeDocument/2006/relationships" xmlns:p="http://schemas.openxmlformats.org/presentationml/2006/main">
   <p:cSld>
     <p:spTree>
       <p:nvGrpSpPr>
@@ -8161,7 +8441,7 @@
       </p:grpSpPr>
       <p:sp>
         <p:nvSpPr>
-          <p:cNvPr id="5" name="Espace réservé du numéro de diapositive 4"/>
+          <p:cNvPr id="7" name="Espace réservé du numéro de diapositive 6"/>
           <p:cNvSpPr>
             <a:spLocks noGrp="1"/>
           </p:cNvSpPr>
@@ -8185,27 +8465,76 @@
       </p:sp>
       <p:sp>
         <p:nvSpPr>
-          <p:cNvPr id="8" name="Titre 1"/>
-          <p:cNvSpPr txBox="1">
-            <a:spLocks/>
-          </p:cNvSpPr>
+          <p:cNvPr id="5" name="Espace réservé du contenu 4"/>
+          <p:cNvSpPr>
+            <a:spLocks noGrp="1"/>
+          </p:cNvSpPr>
+          <p:nvPr>
+            <p:ph idx="1"/>
+          </p:nvPr>
+        </p:nvSpPr>
+        <p:spPr/>
+        <p:txBody>
+          <a:bodyPr/>
+          <a:lstStyle/>
+          <a:p>
+            <a:endParaRPr lang="fr-FR"/>
+          </a:p>
+        </p:txBody>
+      </p:sp>
+      <p:pic>
+        <p:nvPicPr>
+          <p:cNvPr id="1026" name="Picture 2"/>
+          <p:cNvPicPr>
+            <a:picLocks noChangeAspect="1" noChangeArrowheads="1"/>
+          </p:cNvPicPr>
           <p:nvPr/>
-        </p:nvSpPr>
-        <p:spPr>
+        </p:nvPicPr>
+        <p:blipFill>
+          <a:blip r:embed="rId2"/>
+          <a:srcRect/>
+          <a:stretch>
+            <a:fillRect/>
+          </a:stretch>
+        </p:blipFill>
+        <p:spPr bwMode="auto">
           <a:xfrm>
-            <a:off x="614854" y="315311"/>
-            <a:ext cx="11209284" cy="551792"/>
+            <a:off x="331076" y="535543"/>
+            <a:ext cx="11540358" cy="5865257"/>
           </a:xfrm>
           <a:prstGeom prst="rect">
             <a:avLst/>
           </a:prstGeom>
-          <a:solidFill>
-            <a:srgbClr val="00B0F0"/>
-          </a:solidFill>
+          <a:noFill/>
+          <a:ln w="9525">
+            <a:noFill/>
+            <a:miter lim="800000"/>
+            <a:headEnd/>
+            <a:tailEnd/>
+          </a:ln>
+          <a:effectLst/>
         </p:spPr>
+      </p:pic>
+      <p:sp>
+        <p:nvSpPr>
+          <p:cNvPr id="8" name="Titre 1"/>
+          <p:cNvSpPr txBox="1">
+            <a:spLocks/>
+          </p:cNvSpPr>
+          <p:nvPr/>
+        </p:nvSpPr>
+        <p:spPr>
+          <a:xfrm>
+            <a:off x="399394" y="220716"/>
+            <a:ext cx="11792606" cy="599091"/>
+          </a:xfrm>
+          <a:prstGeom prst="rect">
+            <a:avLst/>
+          </a:prstGeom>
+        </p:spPr>
         <p:txBody>
           <a:bodyPr vert="horz" lIns="91440" tIns="45720" rIns="91440" bIns="45720" rtlCol="0" anchor="ctr">
-            <a:normAutofit/>
+            <a:noAutofit/>
           </a:bodyPr>
           <a:lstStyle/>
           <a:p>
@@ -8227,29 +8556,35 @@
               <a:defRPr/>
             </a:pPr>
             <a:r>
-              <a:rPr kumimoji="0" lang="fr-FR" sz="2400" b="1" i="0" u="none" strike="noStrike" kern="1200" cap="all" spc="0" normalizeH="0" baseline="0" noProof="0" dirty="0" smtClean="0">
+              <a:rPr kumimoji="0" lang="fr-FR" sz="2800" b="1" i="0" u="sng" strike="noStrike" kern="1200" cap="all" spc="-150" normalizeH="0" baseline="0" noProof="0" dirty="0" smtClean="0">
                 <a:ln>
                   <a:noFill/>
                 </a:ln>
                 <a:solidFill>
-                  <a:srgbClr val="FFFF00"/>
-                </a:solidFill>
-                <a:effectLst/>
+                  <a:srgbClr val="FF0000"/>
+                </a:solidFill>
+                <a:effectLst>
+                  <a:outerShdw blurRad="38100" dist="38100" dir="2700000" algn="tl">
+                    <a:srgbClr val="000000">
+                      <a:alpha val="43137"/>
+                    </a:srgbClr>
+                  </a:outerShdw>
+                </a:effectLst>
                 <a:uLnTx/>
                 <a:uFillTx/>
                 <a:latin typeface="Arial" pitchFamily="34" charset="0"/>
                 <a:ea typeface="+mj-ea"/>
                 <a:cs typeface="Arial" pitchFamily="34" charset="0"/>
               </a:rPr>
-              <a:t>    </a:t>
-            </a:r>
-            <a:r>
-              <a:rPr kumimoji="0" lang="fr-FR" sz="2400" b="1" i="0" u="sng" strike="noStrike" kern="1200" cap="all" spc="0" normalizeH="0" baseline="0" noProof="0" dirty="0" smtClean="0">
+              <a:t>4)Validation du code au W3C STYLE.CSS</a:t>
+            </a:r>
+            <a:br>
+              <a:rPr kumimoji="0" lang="fr-FR" sz="2800" b="1" i="0" u="sng" strike="noStrike" kern="1200" cap="all" spc="-150" normalizeH="0" baseline="0" noProof="0" dirty="0" smtClean="0">
                 <a:ln>
                   <a:noFill/>
                 </a:ln>
                 <a:solidFill>
-                  <a:srgbClr val="FFFF00"/>
+                  <a:srgbClr val="FF0000"/>
                 </a:solidFill>
                 <a:effectLst>
                   <a:outerShdw blurRad="38100" dist="38100" dir="2700000" algn="tl">
@@ -8264,22 +8599,15 @@
                 <a:ea typeface="+mj-ea"/>
                 <a:cs typeface="Arial" pitchFamily="34" charset="0"/>
               </a:rPr>
-              <a:t>Versionnage GITHUB</a:t>
-            </a:r>
-            <a:endParaRPr kumimoji="0" lang="fr-FR" sz="2400" b="1" i="0" u="sng" strike="noStrike" kern="1200" cap="all" spc="0" normalizeH="0" baseline="0" noProof="0" dirty="0">
+            </a:br>
+            <a:endParaRPr kumimoji="0" lang="fr-FR" sz="2800" b="1" i="0" u="sng" strike="noStrike" kern="1200" cap="all" spc="0" normalizeH="0" baseline="0" noProof="0" dirty="0">
               <a:ln>
                 <a:noFill/>
               </a:ln>
               <a:solidFill>
-                <a:srgbClr val="FFFF00"/>
+                <a:srgbClr val="FF0000"/>
               </a:solidFill>
-              <a:effectLst>
-                <a:outerShdw blurRad="38100" dist="38100" dir="2700000" algn="tl">
-                  <a:srgbClr val="000000">
-                    <a:alpha val="43137"/>
-                  </a:srgbClr>
-                </a:outerShdw>
-              </a:effectLst>
+              <a:effectLst/>
               <a:uLnTx/>
               <a:uFillTx/>
               <a:latin typeface="Arial" pitchFamily="34" charset="0"/>
@@ -8289,39 +8617,13 @@
           </a:p>
         </p:txBody>
       </p:sp>
-      <p:pic>
-        <p:nvPicPr>
-          <p:cNvPr id="32770" name="Picture 2" descr="C:\Users\USER\Desktop\COURS OPENCLASSROOM\EVALUATIONS\projet 3\P3 powerpoint\VERSIONNAGE GITHUB.png"/>
-          <p:cNvPicPr>
-            <a:picLocks noChangeAspect="1" noChangeArrowheads="1"/>
-          </p:cNvPicPr>
-          <p:nvPr/>
-        </p:nvPicPr>
-        <p:blipFill>
-          <a:blip r:embed="rId2"/>
-          <a:srcRect/>
-          <a:stretch>
-            <a:fillRect/>
-          </a:stretch>
-        </p:blipFill>
-        <p:spPr bwMode="auto">
-          <a:xfrm>
-            <a:off x="614855" y="851338"/>
-            <a:ext cx="11177753" cy="5549462"/>
-          </a:xfrm>
-          <a:prstGeom prst="rect">
-            <a:avLst/>
-          </a:prstGeom>
-          <a:noFill/>
-        </p:spPr>
-      </p:pic>
     </p:spTree>
   </p:cSld>
   <p:clrMapOvr>
     <a:masterClrMapping/>
   </p:clrMapOvr>
   <mc:AlternateContent xmlns:mc="http://schemas.openxmlformats.org/markup-compatibility/2006">
-    <mc:Choice xmlns="" xmlns:p14="http://schemas.microsoft.com/office/powerpoint/2010/main" Requires="p14">
+    <mc:Choice xmlns:p14="http://schemas.microsoft.com/office/powerpoint/2010/main" xmlns="" Requires="p14">
       <p:transition spd="slow" p14:dur="3400">
         <p14:reveal/>
       </p:transition>
@@ -8598,7 +8900,7 @@
   <a:extraClrSchemeLst/>
   <a:extLst>
     <a:ext uri="{05A4C25C-085E-4340-85A3-A5531E510DB2}">
-      <thm15:themeFamily xmlns="" xmlns:thm15="http://schemas.microsoft.com/office/thememl/2012/main" name="Banded" id="{98DFF888-2449-4D28-977C-6306C017633E}" vid="{9792607F-9579-4224-82FF-9C88C3E1E53D}"/>
+      <thm15:themeFamily xmlns:thm15="http://schemas.microsoft.com/office/thememl/2012/main" xmlns="" name="Banded" id="{98DFF888-2449-4D28-977C-6306C017633E}" vid="{9792607F-9579-4224-82FF-9C88C3E1E53D}"/>
     </a:ext>
   </a:extLst>
 </a:theme>
